--- a/plots/progress_report_27052025.pptx
+++ b/plots/progress_report_27052025.pptx
@@ -7,12 +7,16 @@
   <p:sldIdLst>
     <p:sldId id="256" r:id="rId2"/>
     <p:sldId id="258" r:id="rId3"/>
-    <p:sldId id="259" r:id="rId4"/>
-    <p:sldId id="260" r:id="rId5"/>
-    <p:sldId id="261" r:id="rId6"/>
-    <p:sldId id="262" r:id="rId7"/>
-    <p:sldId id="263" r:id="rId8"/>
-    <p:sldId id="264" r:id="rId9"/>
+    <p:sldId id="266" r:id="rId4"/>
+    <p:sldId id="259" r:id="rId5"/>
+    <p:sldId id="265" r:id="rId6"/>
+    <p:sldId id="267" r:id="rId7"/>
+    <p:sldId id="268" r:id="rId8"/>
+    <p:sldId id="260" r:id="rId9"/>
+    <p:sldId id="261" r:id="rId10"/>
+    <p:sldId id="262" r:id="rId11"/>
+    <p:sldId id="263" r:id="rId12"/>
+    <p:sldId id="264" r:id="rId13"/>
   </p:sldIdLst>
   <p:sldSz cx="12192000" cy="6858000"/>
   <p:notesSz cx="6858000" cy="9144000"/>
@@ -111,6 +115,11 @@
       </a:defRPr>
     </a:lvl9pPr>
   </p:defaultTextStyle>
+  <p:extLst>
+    <p:ext uri="{EFAFB233-063F-42B5-8137-9DF3F51BA10A}">
+      <p15:sldGuideLst xmlns:p15="http://schemas.microsoft.com/office/powerpoint/2012/main"/>
+    </p:ext>
+  </p:extLst>
 </p:presentation>
 </file>
 
@@ -245,7 +254,7 @@
           <a:p>
             <a:fld id="{2A5797CE-5C45-400D-9FC4-1820CE03E5B1}" type="datetimeFigureOut">
               <a:rPr lang="de-DE" smtClean="0"/>
-              <a:t>13.05.2025</a:t>
+              <a:t>22.05.2025</a:t>
             </a:fld>
             <a:endParaRPr lang="de-DE"/>
           </a:p>
@@ -415,7 +424,7 @@
           <a:p>
             <a:fld id="{2A5797CE-5C45-400D-9FC4-1820CE03E5B1}" type="datetimeFigureOut">
               <a:rPr lang="de-DE" smtClean="0"/>
-              <a:t>13.05.2025</a:t>
+              <a:t>22.05.2025</a:t>
             </a:fld>
             <a:endParaRPr lang="de-DE"/>
           </a:p>
@@ -595,7 +604,7 @@
           <a:p>
             <a:fld id="{2A5797CE-5C45-400D-9FC4-1820CE03E5B1}" type="datetimeFigureOut">
               <a:rPr lang="de-DE" smtClean="0"/>
-              <a:t>13.05.2025</a:t>
+              <a:t>22.05.2025</a:t>
             </a:fld>
             <a:endParaRPr lang="de-DE"/>
           </a:p>
@@ -765,7 +774,7 @@
           <a:p>
             <a:fld id="{2A5797CE-5C45-400D-9FC4-1820CE03E5B1}" type="datetimeFigureOut">
               <a:rPr lang="de-DE" smtClean="0"/>
-              <a:t>13.05.2025</a:t>
+              <a:t>22.05.2025</a:t>
             </a:fld>
             <a:endParaRPr lang="de-DE"/>
           </a:p>
@@ -1011,7 +1020,7 @@
           <a:p>
             <a:fld id="{2A5797CE-5C45-400D-9FC4-1820CE03E5B1}" type="datetimeFigureOut">
               <a:rPr lang="de-DE" smtClean="0"/>
-              <a:t>13.05.2025</a:t>
+              <a:t>22.05.2025</a:t>
             </a:fld>
             <a:endParaRPr lang="de-DE"/>
           </a:p>
@@ -1243,7 +1252,7 @@
           <a:p>
             <a:fld id="{2A5797CE-5C45-400D-9FC4-1820CE03E5B1}" type="datetimeFigureOut">
               <a:rPr lang="de-DE" smtClean="0"/>
-              <a:t>13.05.2025</a:t>
+              <a:t>22.05.2025</a:t>
             </a:fld>
             <a:endParaRPr lang="de-DE"/>
           </a:p>
@@ -1610,7 +1619,7 @@
           <a:p>
             <a:fld id="{2A5797CE-5C45-400D-9FC4-1820CE03E5B1}" type="datetimeFigureOut">
               <a:rPr lang="de-DE" smtClean="0"/>
-              <a:t>13.05.2025</a:t>
+              <a:t>22.05.2025</a:t>
             </a:fld>
             <a:endParaRPr lang="de-DE"/>
           </a:p>
@@ -1728,7 +1737,7 @@
           <a:p>
             <a:fld id="{2A5797CE-5C45-400D-9FC4-1820CE03E5B1}" type="datetimeFigureOut">
               <a:rPr lang="de-DE" smtClean="0"/>
-              <a:t>13.05.2025</a:t>
+              <a:t>22.05.2025</a:t>
             </a:fld>
             <a:endParaRPr lang="de-DE"/>
           </a:p>
@@ -1823,7 +1832,7 @@
           <a:p>
             <a:fld id="{2A5797CE-5C45-400D-9FC4-1820CE03E5B1}" type="datetimeFigureOut">
               <a:rPr lang="de-DE" smtClean="0"/>
-              <a:t>13.05.2025</a:t>
+              <a:t>22.05.2025</a:t>
             </a:fld>
             <a:endParaRPr lang="de-DE"/>
           </a:p>
@@ -2100,7 +2109,7 @@
           <a:p>
             <a:fld id="{2A5797CE-5C45-400D-9FC4-1820CE03E5B1}" type="datetimeFigureOut">
               <a:rPr lang="de-DE" smtClean="0"/>
-              <a:t>13.05.2025</a:t>
+              <a:t>22.05.2025</a:t>
             </a:fld>
             <a:endParaRPr lang="de-DE"/>
           </a:p>
@@ -2353,7 +2362,7 @@
           <a:p>
             <a:fld id="{2A5797CE-5C45-400D-9FC4-1820CE03E5B1}" type="datetimeFigureOut">
               <a:rPr lang="de-DE" smtClean="0"/>
-              <a:t>13.05.2025</a:t>
+              <a:t>22.05.2025</a:t>
             </a:fld>
             <a:endParaRPr lang="de-DE"/>
           </a:p>
@@ -2566,7 +2575,7 @@
           <a:p>
             <a:fld id="{2A5797CE-5C45-400D-9FC4-1820CE03E5B1}" type="datetimeFigureOut">
               <a:rPr lang="de-DE" smtClean="0"/>
-              <a:t>13.05.2025</a:t>
+              <a:t>22.05.2025</a:t>
             </a:fld>
             <a:endParaRPr lang="de-DE"/>
           </a:p>
@@ -3091,6 +3100,1442 @@
   <p:clrMapOvr>
     <a:masterClrMapping/>
   </p:clrMapOvr>
+  <p:timing>
+    <p:tnLst>
+      <p:par>
+        <p:cTn id="1" dur="indefinite" restart="never" nodeType="tmRoot"/>
+      </p:par>
+    </p:tnLst>
+  </p:timing>
+</p:sld>
+</file>
+
+<file path=ppt/slides/slide10.xml><?xml version="1.0" encoding="utf-8"?>
+<p:sld xmlns:a="http://schemas.openxmlformats.org/drawingml/2006/main" xmlns:r="http://schemas.openxmlformats.org/officeDocument/2006/relationships" xmlns:p="http://schemas.openxmlformats.org/presentationml/2006/main">
+  <p:cSld>
+    <p:spTree>
+      <p:nvGrpSpPr>
+        <p:cNvPr id="1" name=""/>
+        <p:cNvGrpSpPr/>
+        <p:nvPr/>
+      </p:nvGrpSpPr>
+      <p:grpSpPr>
+        <a:xfrm>
+          <a:off x="0" y="0"/>
+          <a:ext cx="0" cy="0"/>
+          <a:chOff x="0" y="0"/>
+          <a:chExt cx="0" cy="0"/>
+        </a:xfrm>
+      </p:grpSpPr>
+      <p:sp>
+        <p:nvSpPr>
+          <p:cNvPr id="2" name="Titel 1"/>
+          <p:cNvSpPr>
+            <a:spLocks noGrp="1"/>
+          </p:cNvSpPr>
+          <p:nvPr>
+            <p:ph type="title"/>
+          </p:nvPr>
+        </p:nvSpPr>
+        <p:spPr/>
+        <p:txBody>
+          <a:bodyPr anchor="t" anchorCtr="0">
+            <a:normAutofit/>
+          </a:bodyPr>
+          <a:lstStyle/>
+          <a:p>
+            <a:r>
+              <a:rPr lang="de-DE" sz="3200" b="1" dirty="0" err="1">
+                <a:latin typeface="+mn-lt"/>
+              </a:rPr>
+              <a:t>r</a:t>
+            </a:r>
+            <a:r>
+              <a:rPr lang="de-DE" sz="3200" b="1" dirty="0" err="1" smtClean="0">
+                <a:latin typeface="+mn-lt"/>
+              </a:rPr>
+              <a:t>ich</a:t>
+            </a:r>
+            <a:r>
+              <a:rPr lang="de-DE" sz="3200" b="1" dirty="0" smtClean="0">
+                <a:latin typeface="+mn-lt"/>
+              </a:rPr>
+              <a:t> </a:t>
+            </a:r>
+            <a:r>
+              <a:rPr lang="de-DE" sz="3200" b="1" dirty="0" err="1" smtClean="0">
+                <a:latin typeface="+mn-lt"/>
+              </a:rPr>
+              <a:t>clubs</a:t>
+            </a:r>
+            <a:r>
+              <a:rPr lang="de-DE" sz="3200" b="1" dirty="0" smtClean="0">
+                <a:latin typeface="+mn-lt"/>
+              </a:rPr>
+              <a:t> </a:t>
+            </a:r>
+            <a:r>
+              <a:rPr lang="de-DE" sz="3200" b="1" dirty="0" err="1" smtClean="0">
+                <a:latin typeface="+mn-lt"/>
+              </a:rPr>
+              <a:t>and</a:t>
+            </a:r>
+            <a:r>
+              <a:rPr lang="de-DE" sz="3200" b="1" dirty="0" smtClean="0">
+                <a:latin typeface="+mn-lt"/>
+              </a:rPr>
+              <a:t> </a:t>
+            </a:r>
+            <a:r>
+              <a:rPr lang="de-DE" sz="3200" b="1" dirty="0" err="1" smtClean="0">
+                <a:latin typeface="+mn-lt"/>
+              </a:rPr>
+              <a:t>chasing</a:t>
+            </a:r>
+            <a:endParaRPr lang="de-DE" sz="3200" b="1" dirty="0">
+              <a:latin typeface="+mn-lt"/>
+            </a:endParaRPr>
+          </a:p>
+        </p:txBody>
+      </p:sp>
+      <p:sp>
+        <p:nvSpPr>
+          <p:cNvPr id="7" name="Inhaltsplatzhalter 2"/>
+          <p:cNvSpPr txBox="1">
+            <a:spLocks/>
+          </p:cNvSpPr>
+          <p:nvPr/>
+        </p:nvSpPr>
+        <p:spPr>
+          <a:xfrm>
+            <a:off x="838200" y="4457582"/>
+            <a:ext cx="4448176" cy="1630363"/>
+          </a:xfrm>
+          <a:prstGeom prst="rect">
+            <a:avLst/>
+          </a:prstGeom>
+        </p:spPr>
+        <p:txBody>
+          <a:bodyPr vert="horz" lIns="91440" tIns="45720" rIns="91440" bIns="45720" rtlCol="0">
+            <a:normAutofit/>
+          </a:bodyPr>
+          <a:lstStyle>
+            <a:lvl1pPr marL="228600" indent="-228600" algn="l" defTabSz="914400" rtl="0" eaLnBrk="1" latinLnBrk="0" hangingPunct="1">
+              <a:lnSpc>
+                <a:spcPct val="90000"/>
+              </a:lnSpc>
+              <a:spcBef>
+                <a:spcPts val="1000"/>
+              </a:spcBef>
+              <a:buFont typeface="Arial" panose="020B0604020202020204" pitchFamily="34" charset="0"/>
+              <a:buChar char="•"/>
+              <a:defRPr sz="2800" kern="1200">
+                <a:solidFill>
+                  <a:schemeClr val="tx1"/>
+                </a:solidFill>
+                <a:latin typeface="+mn-lt"/>
+                <a:ea typeface="+mn-ea"/>
+                <a:cs typeface="+mn-cs"/>
+              </a:defRPr>
+            </a:lvl1pPr>
+            <a:lvl2pPr marL="685800" indent="-228600" algn="l" defTabSz="914400" rtl="0" eaLnBrk="1" latinLnBrk="0" hangingPunct="1">
+              <a:lnSpc>
+                <a:spcPct val="90000"/>
+              </a:lnSpc>
+              <a:spcBef>
+                <a:spcPts val="500"/>
+              </a:spcBef>
+              <a:buFont typeface="Arial" panose="020B0604020202020204" pitchFamily="34" charset="0"/>
+              <a:buChar char="•"/>
+              <a:defRPr sz="2400" kern="1200">
+                <a:solidFill>
+                  <a:schemeClr val="tx1"/>
+                </a:solidFill>
+                <a:latin typeface="+mn-lt"/>
+                <a:ea typeface="+mn-ea"/>
+                <a:cs typeface="+mn-cs"/>
+              </a:defRPr>
+            </a:lvl2pPr>
+            <a:lvl3pPr marL="1143000" indent="-228600" algn="l" defTabSz="914400" rtl="0" eaLnBrk="1" latinLnBrk="0" hangingPunct="1">
+              <a:lnSpc>
+                <a:spcPct val="90000"/>
+              </a:lnSpc>
+              <a:spcBef>
+                <a:spcPts val="500"/>
+              </a:spcBef>
+              <a:buFont typeface="Arial" panose="020B0604020202020204" pitchFamily="34" charset="0"/>
+              <a:buChar char="•"/>
+              <a:defRPr sz="2000" kern="1200">
+                <a:solidFill>
+                  <a:schemeClr val="tx1"/>
+                </a:solidFill>
+                <a:latin typeface="+mn-lt"/>
+                <a:ea typeface="+mn-ea"/>
+                <a:cs typeface="+mn-cs"/>
+              </a:defRPr>
+            </a:lvl3pPr>
+            <a:lvl4pPr marL="1600200" indent="-228600" algn="l" defTabSz="914400" rtl="0" eaLnBrk="1" latinLnBrk="0" hangingPunct="1">
+              <a:lnSpc>
+                <a:spcPct val="90000"/>
+              </a:lnSpc>
+              <a:spcBef>
+                <a:spcPts val="500"/>
+              </a:spcBef>
+              <a:buFont typeface="Arial" panose="020B0604020202020204" pitchFamily="34" charset="0"/>
+              <a:buChar char="•"/>
+              <a:defRPr sz="1800" kern="1200">
+                <a:solidFill>
+                  <a:schemeClr val="tx1"/>
+                </a:solidFill>
+                <a:latin typeface="+mn-lt"/>
+                <a:ea typeface="+mn-ea"/>
+                <a:cs typeface="+mn-cs"/>
+              </a:defRPr>
+            </a:lvl4pPr>
+            <a:lvl5pPr marL="2057400" indent="-228600" algn="l" defTabSz="914400" rtl="0" eaLnBrk="1" latinLnBrk="0" hangingPunct="1">
+              <a:lnSpc>
+                <a:spcPct val="90000"/>
+              </a:lnSpc>
+              <a:spcBef>
+                <a:spcPts val="500"/>
+              </a:spcBef>
+              <a:buFont typeface="Arial" panose="020B0604020202020204" pitchFamily="34" charset="0"/>
+              <a:buChar char="•"/>
+              <a:defRPr sz="1800" kern="1200">
+                <a:solidFill>
+                  <a:schemeClr val="tx1"/>
+                </a:solidFill>
+                <a:latin typeface="+mn-lt"/>
+                <a:ea typeface="+mn-ea"/>
+                <a:cs typeface="+mn-cs"/>
+              </a:defRPr>
+            </a:lvl5pPr>
+            <a:lvl6pPr marL="2514600" indent="-228600" algn="l" defTabSz="914400" rtl="0" eaLnBrk="1" latinLnBrk="0" hangingPunct="1">
+              <a:lnSpc>
+                <a:spcPct val="90000"/>
+              </a:lnSpc>
+              <a:spcBef>
+                <a:spcPts val="500"/>
+              </a:spcBef>
+              <a:buFont typeface="Arial" panose="020B0604020202020204" pitchFamily="34" charset="0"/>
+              <a:buChar char="•"/>
+              <a:defRPr sz="1800" kern="1200">
+                <a:solidFill>
+                  <a:schemeClr val="tx1"/>
+                </a:solidFill>
+                <a:latin typeface="+mn-lt"/>
+                <a:ea typeface="+mn-ea"/>
+                <a:cs typeface="+mn-cs"/>
+              </a:defRPr>
+            </a:lvl6pPr>
+            <a:lvl7pPr marL="2971800" indent="-228600" algn="l" defTabSz="914400" rtl="0" eaLnBrk="1" latinLnBrk="0" hangingPunct="1">
+              <a:lnSpc>
+                <a:spcPct val="90000"/>
+              </a:lnSpc>
+              <a:spcBef>
+                <a:spcPts val="500"/>
+              </a:spcBef>
+              <a:buFont typeface="Arial" panose="020B0604020202020204" pitchFamily="34" charset="0"/>
+              <a:buChar char="•"/>
+              <a:defRPr sz="1800" kern="1200">
+                <a:solidFill>
+                  <a:schemeClr val="tx1"/>
+                </a:solidFill>
+                <a:latin typeface="+mn-lt"/>
+                <a:ea typeface="+mn-ea"/>
+                <a:cs typeface="+mn-cs"/>
+              </a:defRPr>
+            </a:lvl7pPr>
+            <a:lvl8pPr marL="3429000" indent="-228600" algn="l" defTabSz="914400" rtl="0" eaLnBrk="1" latinLnBrk="0" hangingPunct="1">
+              <a:lnSpc>
+                <a:spcPct val="90000"/>
+              </a:lnSpc>
+              <a:spcBef>
+                <a:spcPts val="500"/>
+              </a:spcBef>
+              <a:buFont typeface="Arial" panose="020B0604020202020204" pitchFamily="34" charset="0"/>
+              <a:buChar char="•"/>
+              <a:defRPr sz="1800" kern="1200">
+                <a:solidFill>
+                  <a:schemeClr val="tx1"/>
+                </a:solidFill>
+                <a:latin typeface="+mn-lt"/>
+                <a:ea typeface="+mn-ea"/>
+                <a:cs typeface="+mn-cs"/>
+              </a:defRPr>
+            </a:lvl8pPr>
+            <a:lvl9pPr marL="3886200" indent="-228600" algn="l" defTabSz="914400" rtl="0" eaLnBrk="1" latinLnBrk="0" hangingPunct="1">
+              <a:lnSpc>
+                <a:spcPct val="90000"/>
+              </a:lnSpc>
+              <a:spcBef>
+                <a:spcPts val="500"/>
+              </a:spcBef>
+              <a:buFont typeface="Arial" panose="020B0604020202020204" pitchFamily="34" charset="0"/>
+              <a:buChar char="•"/>
+              <a:defRPr sz="1800" kern="1200">
+                <a:solidFill>
+                  <a:schemeClr val="tx1"/>
+                </a:solidFill>
+                <a:latin typeface="+mn-lt"/>
+                <a:ea typeface="+mn-ea"/>
+                <a:cs typeface="+mn-cs"/>
+              </a:defRPr>
+            </a:lvl9pPr>
+          </a:lstStyle>
+          <a:p>
+            <a:pPr marL="0" indent="0">
+              <a:buNone/>
+            </a:pPr>
+            <a:r>
+              <a:rPr lang="de-DE" sz="2000" dirty="0" smtClean="0">
+                <a:sym typeface="Wingdings" panose="05000000000000000000" pitchFamily="2" charset="2"/>
+              </a:rPr>
+              <a:t> </a:t>
+            </a:r>
+            <a:r>
+              <a:rPr lang="de-DE" sz="2000" dirty="0" err="1" smtClean="0">
+                <a:sym typeface="Wingdings" panose="05000000000000000000" pitchFamily="2" charset="2"/>
+              </a:rPr>
+              <a:t>members</a:t>
+            </a:r>
+            <a:r>
+              <a:rPr lang="de-DE" sz="2000" dirty="0" smtClean="0">
+                <a:sym typeface="Wingdings" panose="05000000000000000000" pitchFamily="2" charset="2"/>
+              </a:rPr>
+              <a:t> </a:t>
+            </a:r>
+            <a:r>
+              <a:rPr lang="de-DE" sz="2000" dirty="0" err="1" smtClean="0">
+                <a:sym typeface="Wingdings" panose="05000000000000000000" pitchFamily="2" charset="2"/>
+              </a:rPr>
+              <a:t>of</a:t>
+            </a:r>
+            <a:r>
+              <a:rPr lang="de-DE" sz="2000" dirty="0" smtClean="0">
+                <a:sym typeface="Wingdings" panose="05000000000000000000" pitchFamily="2" charset="2"/>
+              </a:rPr>
+              <a:t> </a:t>
+            </a:r>
+            <a:r>
+              <a:rPr lang="de-DE" sz="2000" dirty="0" err="1" smtClean="0">
+                <a:sym typeface="Wingdings" panose="05000000000000000000" pitchFamily="2" charset="2"/>
+              </a:rPr>
+              <a:t>the</a:t>
+            </a:r>
+            <a:r>
+              <a:rPr lang="de-DE" sz="2000" dirty="0" smtClean="0">
+                <a:sym typeface="Wingdings" panose="05000000000000000000" pitchFamily="2" charset="2"/>
+              </a:rPr>
+              <a:t> </a:t>
+            </a:r>
+            <a:r>
+              <a:rPr lang="de-DE" sz="2000" dirty="0" err="1" smtClean="0"/>
+              <a:t>rich</a:t>
+            </a:r>
+            <a:r>
+              <a:rPr lang="de-DE" sz="2000" dirty="0" smtClean="0"/>
+              <a:t> </a:t>
+            </a:r>
+            <a:r>
+              <a:rPr lang="de-DE" sz="2000" dirty="0" err="1" smtClean="0"/>
+              <a:t>club</a:t>
+            </a:r>
+            <a:r>
+              <a:rPr lang="de-DE" sz="2000" dirty="0" smtClean="0"/>
+              <a:t> </a:t>
+            </a:r>
+            <a:r>
+              <a:rPr lang="de-DE" sz="2000" dirty="0" err="1" smtClean="0"/>
+              <a:t>participate</a:t>
+            </a:r>
+            <a:r>
+              <a:rPr lang="de-DE" sz="2000" dirty="0" smtClean="0"/>
+              <a:t> </a:t>
+            </a:r>
+            <a:r>
+              <a:rPr lang="de-DE" sz="2000" dirty="0" err="1" smtClean="0"/>
+              <a:t>more</a:t>
+            </a:r>
+            <a:r>
+              <a:rPr lang="de-DE" sz="2000" dirty="0" smtClean="0"/>
+              <a:t> in </a:t>
+            </a:r>
+            <a:r>
+              <a:rPr lang="de-DE" sz="2000" dirty="0" err="1" smtClean="0"/>
+              <a:t>chasings</a:t>
+            </a:r>
+            <a:endParaRPr lang="de-DE" sz="2000" dirty="0"/>
+          </a:p>
+          <a:p>
+            <a:pPr marL="0" indent="0">
+              <a:buNone/>
+            </a:pPr>
+            <a:endParaRPr lang="de-DE" sz="2000" dirty="0"/>
+          </a:p>
+        </p:txBody>
+      </p:sp>
+      <p:pic>
+        <p:nvPicPr>
+          <p:cNvPr id="8" name="Grafik 7"/>
+          <p:cNvPicPr>
+            <a:picLocks noChangeAspect="1"/>
+          </p:cNvPicPr>
+          <p:nvPr/>
+        </p:nvPicPr>
+        <p:blipFill>
+          <a:blip r:embed="rId2">
+            <a:extLst>
+              <a:ext uri="{28A0092B-C50C-407E-A947-70E740481C1C}">
+                <a14:useLocalDpi xmlns:a14="http://schemas.microsoft.com/office/drawing/2010/main" val="0"/>
+              </a:ext>
+            </a:extLst>
+          </a:blip>
+          <a:stretch>
+            <a:fillRect/>
+          </a:stretch>
+        </p:blipFill>
+        <p:spPr>
+          <a:xfrm>
+            <a:off x="6029324" y="960594"/>
+            <a:ext cx="5040001" cy="2520000"/>
+          </a:xfrm>
+          <a:prstGeom prst="rect">
+            <a:avLst/>
+          </a:prstGeom>
+        </p:spPr>
+      </p:pic>
+      <p:pic>
+        <p:nvPicPr>
+          <p:cNvPr id="12" name="Grafik 11"/>
+          <p:cNvPicPr>
+            <a:picLocks noChangeAspect="1"/>
+          </p:cNvPicPr>
+          <p:nvPr/>
+        </p:nvPicPr>
+        <p:blipFill>
+          <a:blip r:embed="rId3">
+            <a:extLst>
+              <a:ext uri="{28A0092B-C50C-407E-A947-70E740481C1C}">
+                <a14:useLocalDpi xmlns:a14="http://schemas.microsoft.com/office/drawing/2010/main" val="0"/>
+              </a:ext>
+            </a:extLst>
+          </a:blip>
+          <a:stretch>
+            <a:fillRect/>
+          </a:stretch>
+        </p:blipFill>
+        <p:spPr>
+          <a:xfrm>
+            <a:off x="6029324" y="3667125"/>
+            <a:ext cx="5039999" cy="2520000"/>
+          </a:xfrm>
+          <a:prstGeom prst="rect">
+            <a:avLst/>
+          </a:prstGeom>
+        </p:spPr>
+      </p:pic>
+      <p:pic>
+        <p:nvPicPr>
+          <p:cNvPr id="20" name="Grafik 19"/>
+          <p:cNvPicPr>
+            <a:picLocks noChangeAspect="1"/>
+          </p:cNvPicPr>
+          <p:nvPr/>
+        </p:nvPicPr>
+        <p:blipFill>
+          <a:blip r:embed="rId4" cstate="print">
+            <a:extLst>
+              <a:ext uri="{28A0092B-C50C-407E-A947-70E740481C1C}">
+                <a14:useLocalDpi xmlns:a14="http://schemas.microsoft.com/office/drawing/2010/main" val="0"/>
+              </a:ext>
+            </a:extLst>
+          </a:blip>
+          <a:stretch>
+            <a:fillRect/>
+          </a:stretch>
+        </p:blipFill>
+        <p:spPr>
+          <a:xfrm>
+            <a:off x="334510" y="1337103"/>
+            <a:ext cx="5211535" cy="1806148"/>
+          </a:xfrm>
+          <a:prstGeom prst="rect">
+            <a:avLst/>
+          </a:prstGeom>
+        </p:spPr>
+      </p:pic>
+      <p:sp>
+        <p:nvSpPr>
+          <p:cNvPr id="30" name="Inhaltsplatzhalter 2"/>
+          <p:cNvSpPr txBox="1">
+            <a:spLocks/>
+          </p:cNvSpPr>
+          <p:nvPr/>
+        </p:nvSpPr>
+        <p:spPr>
+          <a:xfrm>
+            <a:off x="334509" y="3228976"/>
+            <a:ext cx="5542415" cy="361949"/>
+          </a:xfrm>
+          <a:prstGeom prst="rect">
+            <a:avLst/>
+          </a:prstGeom>
+        </p:spPr>
+        <p:txBody>
+          <a:bodyPr vert="horz" lIns="91440" tIns="45720" rIns="91440" bIns="45720" rtlCol="0">
+            <a:normAutofit/>
+          </a:bodyPr>
+          <a:lstStyle>
+            <a:lvl1pPr marL="228600" indent="-228600" algn="l" defTabSz="914400" rtl="0" eaLnBrk="1" latinLnBrk="0" hangingPunct="1">
+              <a:lnSpc>
+                <a:spcPct val="90000"/>
+              </a:lnSpc>
+              <a:spcBef>
+                <a:spcPts val="1000"/>
+              </a:spcBef>
+              <a:buFont typeface="Arial" panose="020B0604020202020204" pitchFamily="34" charset="0"/>
+              <a:buChar char="•"/>
+              <a:defRPr sz="2800" kern="1200">
+                <a:solidFill>
+                  <a:schemeClr val="tx1"/>
+                </a:solidFill>
+                <a:latin typeface="+mn-lt"/>
+                <a:ea typeface="+mn-ea"/>
+                <a:cs typeface="+mn-cs"/>
+              </a:defRPr>
+            </a:lvl1pPr>
+            <a:lvl2pPr marL="685800" indent="-228600" algn="l" defTabSz="914400" rtl="0" eaLnBrk="1" latinLnBrk="0" hangingPunct="1">
+              <a:lnSpc>
+                <a:spcPct val="90000"/>
+              </a:lnSpc>
+              <a:spcBef>
+                <a:spcPts val="500"/>
+              </a:spcBef>
+              <a:buFont typeface="Arial" panose="020B0604020202020204" pitchFamily="34" charset="0"/>
+              <a:buChar char="•"/>
+              <a:defRPr sz="2400" kern="1200">
+                <a:solidFill>
+                  <a:schemeClr val="tx1"/>
+                </a:solidFill>
+                <a:latin typeface="+mn-lt"/>
+                <a:ea typeface="+mn-ea"/>
+                <a:cs typeface="+mn-cs"/>
+              </a:defRPr>
+            </a:lvl2pPr>
+            <a:lvl3pPr marL="1143000" indent="-228600" algn="l" defTabSz="914400" rtl="0" eaLnBrk="1" latinLnBrk="0" hangingPunct="1">
+              <a:lnSpc>
+                <a:spcPct val="90000"/>
+              </a:lnSpc>
+              <a:spcBef>
+                <a:spcPts val="500"/>
+              </a:spcBef>
+              <a:buFont typeface="Arial" panose="020B0604020202020204" pitchFamily="34" charset="0"/>
+              <a:buChar char="•"/>
+              <a:defRPr sz="2000" kern="1200">
+                <a:solidFill>
+                  <a:schemeClr val="tx1"/>
+                </a:solidFill>
+                <a:latin typeface="+mn-lt"/>
+                <a:ea typeface="+mn-ea"/>
+                <a:cs typeface="+mn-cs"/>
+              </a:defRPr>
+            </a:lvl3pPr>
+            <a:lvl4pPr marL="1600200" indent="-228600" algn="l" defTabSz="914400" rtl="0" eaLnBrk="1" latinLnBrk="0" hangingPunct="1">
+              <a:lnSpc>
+                <a:spcPct val="90000"/>
+              </a:lnSpc>
+              <a:spcBef>
+                <a:spcPts val="500"/>
+              </a:spcBef>
+              <a:buFont typeface="Arial" panose="020B0604020202020204" pitchFamily="34" charset="0"/>
+              <a:buChar char="•"/>
+              <a:defRPr sz="1800" kern="1200">
+                <a:solidFill>
+                  <a:schemeClr val="tx1"/>
+                </a:solidFill>
+                <a:latin typeface="+mn-lt"/>
+                <a:ea typeface="+mn-ea"/>
+                <a:cs typeface="+mn-cs"/>
+              </a:defRPr>
+            </a:lvl4pPr>
+            <a:lvl5pPr marL="2057400" indent="-228600" algn="l" defTabSz="914400" rtl="0" eaLnBrk="1" latinLnBrk="0" hangingPunct="1">
+              <a:lnSpc>
+                <a:spcPct val="90000"/>
+              </a:lnSpc>
+              <a:spcBef>
+                <a:spcPts val="500"/>
+              </a:spcBef>
+              <a:buFont typeface="Arial" panose="020B0604020202020204" pitchFamily="34" charset="0"/>
+              <a:buChar char="•"/>
+              <a:defRPr sz="1800" kern="1200">
+                <a:solidFill>
+                  <a:schemeClr val="tx1"/>
+                </a:solidFill>
+                <a:latin typeface="+mn-lt"/>
+                <a:ea typeface="+mn-ea"/>
+                <a:cs typeface="+mn-cs"/>
+              </a:defRPr>
+            </a:lvl5pPr>
+            <a:lvl6pPr marL="2514600" indent="-228600" algn="l" defTabSz="914400" rtl="0" eaLnBrk="1" latinLnBrk="0" hangingPunct="1">
+              <a:lnSpc>
+                <a:spcPct val="90000"/>
+              </a:lnSpc>
+              <a:spcBef>
+                <a:spcPts val="500"/>
+              </a:spcBef>
+              <a:buFont typeface="Arial" panose="020B0604020202020204" pitchFamily="34" charset="0"/>
+              <a:buChar char="•"/>
+              <a:defRPr sz="1800" kern="1200">
+                <a:solidFill>
+                  <a:schemeClr val="tx1"/>
+                </a:solidFill>
+                <a:latin typeface="+mn-lt"/>
+                <a:ea typeface="+mn-ea"/>
+                <a:cs typeface="+mn-cs"/>
+              </a:defRPr>
+            </a:lvl6pPr>
+            <a:lvl7pPr marL="2971800" indent="-228600" algn="l" defTabSz="914400" rtl="0" eaLnBrk="1" latinLnBrk="0" hangingPunct="1">
+              <a:lnSpc>
+                <a:spcPct val="90000"/>
+              </a:lnSpc>
+              <a:spcBef>
+                <a:spcPts val="500"/>
+              </a:spcBef>
+              <a:buFont typeface="Arial" panose="020B0604020202020204" pitchFamily="34" charset="0"/>
+              <a:buChar char="•"/>
+              <a:defRPr sz="1800" kern="1200">
+                <a:solidFill>
+                  <a:schemeClr val="tx1"/>
+                </a:solidFill>
+                <a:latin typeface="+mn-lt"/>
+                <a:ea typeface="+mn-ea"/>
+                <a:cs typeface="+mn-cs"/>
+              </a:defRPr>
+            </a:lvl7pPr>
+            <a:lvl8pPr marL="3429000" indent="-228600" algn="l" defTabSz="914400" rtl="0" eaLnBrk="1" latinLnBrk="0" hangingPunct="1">
+              <a:lnSpc>
+                <a:spcPct val="90000"/>
+              </a:lnSpc>
+              <a:spcBef>
+                <a:spcPts val="500"/>
+              </a:spcBef>
+              <a:buFont typeface="Arial" panose="020B0604020202020204" pitchFamily="34" charset="0"/>
+              <a:buChar char="•"/>
+              <a:defRPr sz="1800" kern="1200">
+                <a:solidFill>
+                  <a:schemeClr val="tx1"/>
+                </a:solidFill>
+                <a:latin typeface="+mn-lt"/>
+                <a:ea typeface="+mn-ea"/>
+                <a:cs typeface="+mn-cs"/>
+              </a:defRPr>
+            </a:lvl8pPr>
+            <a:lvl9pPr marL="3886200" indent="-228600" algn="l" defTabSz="914400" rtl="0" eaLnBrk="1" latinLnBrk="0" hangingPunct="1">
+              <a:lnSpc>
+                <a:spcPct val="90000"/>
+              </a:lnSpc>
+              <a:spcBef>
+                <a:spcPts val="500"/>
+              </a:spcBef>
+              <a:buFont typeface="Arial" panose="020B0604020202020204" pitchFamily="34" charset="0"/>
+              <a:buChar char="•"/>
+              <a:defRPr sz="1800" kern="1200">
+                <a:solidFill>
+                  <a:schemeClr val="tx1"/>
+                </a:solidFill>
+                <a:latin typeface="+mn-lt"/>
+                <a:ea typeface="+mn-ea"/>
+                <a:cs typeface="+mn-cs"/>
+              </a:defRPr>
+            </a:lvl9pPr>
+          </a:lstStyle>
+          <a:p>
+            <a:pPr marL="0" indent="0">
+              <a:buNone/>
+            </a:pPr>
+            <a:r>
+              <a:rPr lang="de-DE" sz="1400" dirty="0" err="1" smtClean="0"/>
+              <a:t>Examples</a:t>
+            </a:r>
+            <a:r>
+              <a:rPr lang="de-DE" sz="1400" dirty="0" smtClean="0"/>
+              <a:t> </a:t>
+            </a:r>
+            <a:r>
+              <a:rPr lang="de-DE" sz="1400" dirty="0" err="1" smtClean="0"/>
+              <a:t>of</a:t>
+            </a:r>
+            <a:r>
+              <a:rPr lang="de-DE" sz="1400" dirty="0" smtClean="0"/>
+              <a:t> different </a:t>
+            </a:r>
+            <a:r>
+              <a:rPr lang="de-DE" sz="1400" dirty="0" err="1" smtClean="0"/>
+              <a:t>thresholding</a:t>
+            </a:r>
+            <a:r>
+              <a:rPr lang="de-DE" sz="1400" dirty="0" smtClean="0"/>
+              <a:t> on </a:t>
+            </a:r>
+            <a:r>
+              <a:rPr lang="de-DE" sz="1400" dirty="0" err="1" smtClean="0"/>
+              <a:t>the</a:t>
+            </a:r>
+            <a:r>
+              <a:rPr lang="de-DE" sz="1400" dirty="0" smtClean="0"/>
+              <a:t> </a:t>
+            </a:r>
+            <a:r>
+              <a:rPr lang="de-DE" sz="1400" dirty="0" err="1" smtClean="0"/>
+              <a:t>chasing</a:t>
+            </a:r>
+            <a:r>
+              <a:rPr lang="de-DE" sz="1400" dirty="0" smtClean="0"/>
+              <a:t> </a:t>
+            </a:r>
+            <a:r>
+              <a:rPr lang="de-DE" sz="1400" dirty="0" err="1" smtClean="0"/>
+              <a:t>network</a:t>
+            </a:r>
+            <a:endParaRPr lang="de-DE" sz="1400" dirty="0"/>
+          </a:p>
+        </p:txBody>
+      </p:sp>
+      <p:sp>
+        <p:nvSpPr>
+          <p:cNvPr id="21" name="Textfeld 20"/>
+          <p:cNvSpPr txBox="1"/>
+          <p:nvPr/>
+        </p:nvSpPr>
+        <p:spPr>
+          <a:xfrm rot="20540113" flipH="1">
+            <a:off x="4743103" y="4672600"/>
+            <a:ext cx="2705794" cy="1200329"/>
+          </a:xfrm>
+          <a:prstGeom prst="rect">
+            <a:avLst/>
+          </a:prstGeom>
+          <a:noFill/>
+        </p:spPr>
+        <p:txBody>
+          <a:bodyPr wrap="square" rtlCol="0">
+            <a:spAutoFit/>
+          </a:bodyPr>
+          <a:lstStyle/>
+          <a:p>
+            <a:r>
+              <a:rPr lang="de-DE" sz="2400" b="1" dirty="0" err="1" smtClean="0">
+                <a:solidFill>
+                  <a:srgbClr val="FF0000"/>
+                </a:solidFill>
+              </a:rPr>
+              <a:t>Is</a:t>
+            </a:r>
+            <a:r>
+              <a:rPr lang="de-DE" sz="2400" b="1" dirty="0" smtClean="0">
+                <a:solidFill>
+                  <a:srgbClr val="FF0000"/>
+                </a:solidFill>
+              </a:rPr>
+              <a:t> </a:t>
+            </a:r>
+            <a:r>
+              <a:rPr lang="de-DE" sz="2400" b="1" dirty="0" err="1" smtClean="0">
+                <a:solidFill>
+                  <a:srgbClr val="FF0000"/>
+                </a:solidFill>
+              </a:rPr>
+              <a:t>it</a:t>
+            </a:r>
+            <a:r>
+              <a:rPr lang="de-DE" sz="2400" b="1" dirty="0" smtClean="0">
+                <a:solidFill>
+                  <a:srgbClr val="FF0000"/>
+                </a:solidFill>
+              </a:rPr>
+              <a:t> </a:t>
+            </a:r>
+            <a:r>
+              <a:rPr lang="de-DE" sz="2400" b="1" dirty="0" err="1" smtClean="0">
+                <a:solidFill>
+                  <a:srgbClr val="FF0000"/>
+                </a:solidFill>
+              </a:rPr>
+              <a:t>combining</a:t>
+            </a:r>
+            <a:r>
+              <a:rPr lang="de-DE" sz="2400" b="1" dirty="0" smtClean="0">
+                <a:solidFill>
+                  <a:srgbClr val="FF0000"/>
+                </a:solidFill>
+              </a:rPr>
+              <a:t> „</a:t>
+            </a:r>
+            <a:r>
+              <a:rPr lang="de-DE" sz="2400" b="1" dirty="0" err="1" smtClean="0">
+                <a:solidFill>
+                  <a:srgbClr val="FF0000"/>
+                </a:solidFill>
+              </a:rPr>
+              <a:t>chasing</a:t>
+            </a:r>
+            <a:r>
+              <a:rPr lang="de-DE" sz="2400" b="1" dirty="0" smtClean="0">
+                <a:solidFill>
+                  <a:srgbClr val="FF0000"/>
+                </a:solidFill>
+              </a:rPr>
+              <a:t>“ </a:t>
+            </a:r>
+            <a:r>
+              <a:rPr lang="de-DE" sz="2400" b="1" dirty="0" err="1" smtClean="0">
+                <a:solidFill>
+                  <a:srgbClr val="FF0000"/>
+                </a:solidFill>
+              </a:rPr>
+              <a:t>and</a:t>
+            </a:r>
+            <a:r>
+              <a:rPr lang="de-DE" sz="2400" b="1" dirty="0" smtClean="0">
+                <a:solidFill>
+                  <a:srgbClr val="FF0000"/>
+                </a:solidFill>
+              </a:rPr>
+              <a:t> „</a:t>
+            </a:r>
+            <a:r>
+              <a:rPr lang="de-DE" sz="2400" b="1" dirty="0" err="1" smtClean="0">
+                <a:solidFill>
+                  <a:srgbClr val="FF0000"/>
+                </a:solidFill>
+              </a:rPr>
+              <a:t>being</a:t>
+            </a:r>
+            <a:r>
+              <a:rPr lang="de-DE" sz="2400" b="1" dirty="0" smtClean="0">
+                <a:solidFill>
+                  <a:srgbClr val="FF0000"/>
+                </a:solidFill>
+              </a:rPr>
+              <a:t> </a:t>
+            </a:r>
+            <a:r>
+              <a:rPr lang="de-DE" sz="2400" b="1" dirty="0" err="1" smtClean="0">
+                <a:solidFill>
+                  <a:srgbClr val="FF0000"/>
+                </a:solidFill>
+              </a:rPr>
+              <a:t>chased</a:t>
+            </a:r>
+            <a:r>
+              <a:rPr lang="de-DE" sz="2400" b="1" dirty="0" smtClean="0">
+                <a:solidFill>
+                  <a:srgbClr val="FF0000"/>
+                </a:solidFill>
+              </a:rPr>
+              <a:t>“ </a:t>
+            </a:r>
+            <a:endParaRPr lang="de-DE" sz="2400" b="1" dirty="0">
+              <a:solidFill>
+                <a:srgbClr val="FF0000"/>
+              </a:solidFill>
+            </a:endParaRPr>
+          </a:p>
+        </p:txBody>
+      </p:sp>
+    </p:spTree>
+    <p:extLst>
+      <p:ext uri="{BB962C8B-B14F-4D97-AF65-F5344CB8AC3E}">
+        <p14:creationId xmlns:p14="http://schemas.microsoft.com/office/powerpoint/2010/main" val="2866130255"/>
+      </p:ext>
+    </p:extLst>
+  </p:cSld>
+  <p:clrMapOvr>
+    <a:masterClrMapping/>
+  </p:clrMapOvr>
+</p:sld>
+</file>
+
+<file path=ppt/slides/slide11.xml><?xml version="1.0" encoding="utf-8"?>
+<p:sld xmlns:a="http://schemas.openxmlformats.org/drawingml/2006/main" xmlns:r="http://schemas.openxmlformats.org/officeDocument/2006/relationships" xmlns:p="http://schemas.openxmlformats.org/presentationml/2006/main">
+  <p:cSld>
+    <p:spTree>
+      <p:nvGrpSpPr>
+        <p:cNvPr id="1" name=""/>
+        <p:cNvGrpSpPr/>
+        <p:nvPr/>
+      </p:nvGrpSpPr>
+      <p:grpSpPr>
+        <a:xfrm>
+          <a:off x="0" y="0"/>
+          <a:ext cx="0" cy="0"/>
+          <a:chOff x="0" y="0"/>
+          <a:chExt cx="0" cy="0"/>
+        </a:xfrm>
+      </p:grpSpPr>
+      <p:sp>
+        <p:nvSpPr>
+          <p:cNvPr id="2" name="Titel 1"/>
+          <p:cNvSpPr>
+            <a:spLocks noGrp="1"/>
+          </p:cNvSpPr>
+          <p:nvPr>
+            <p:ph type="title"/>
+          </p:nvPr>
+        </p:nvSpPr>
+        <p:spPr/>
+        <p:txBody>
+          <a:bodyPr anchor="t" anchorCtr="0">
+            <a:normAutofit/>
+          </a:bodyPr>
+          <a:lstStyle/>
+          <a:p>
+            <a:r>
+              <a:rPr lang="de-DE" sz="3200" b="1" dirty="0">
+                <a:latin typeface="+mn-lt"/>
+              </a:rPr>
+              <a:t>OXTR</a:t>
+            </a:r>
+            <a:r>
+              <a:rPr lang="el-GR" sz="3200" b="1" baseline="30000" dirty="0">
+                <a:latin typeface="+mn-lt"/>
+              </a:rPr>
+              <a:t>Δ</a:t>
+            </a:r>
+            <a:r>
+              <a:rPr lang="de-DE" sz="3200" b="1" baseline="30000" dirty="0">
+                <a:latin typeface="+mn-lt"/>
+              </a:rPr>
+              <a:t>AON</a:t>
+            </a:r>
+            <a:r>
+              <a:rPr lang="de-DE" sz="3200" b="1" dirty="0">
+                <a:latin typeface="+mn-lt"/>
+              </a:rPr>
+              <a:t> </a:t>
+            </a:r>
+            <a:r>
+              <a:rPr lang="de-DE" sz="3200" b="1" dirty="0" err="1">
+                <a:latin typeface="+mn-lt"/>
+              </a:rPr>
+              <a:t>vs</a:t>
+            </a:r>
+            <a:r>
+              <a:rPr lang="de-DE" sz="3200" b="1" dirty="0">
+                <a:latin typeface="+mn-lt"/>
+              </a:rPr>
+              <a:t> </a:t>
+            </a:r>
+            <a:r>
+              <a:rPr lang="de-DE" sz="3200" b="1" dirty="0" err="1">
+                <a:latin typeface="+mn-lt"/>
+              </a:rPr>
+              <a:t>control</a:t>
+            </a:r>
+            <a:r>
+              <a:rPr lang="de-DE" sz="3200" b="1" dirty="0">
+                <a:latin typeface="+mn-lt"/>
+              </a:rPr>
+              <a:t> </a:t>
+            </a:r>
+            <a:r>
+              <a:rPr lang="de-DE" sz="3200" b="1" dirty="0" err="1">
+                <a:latin typeface="+mn-lt"/>
+              </a:rPr>
+              <a:t>animals</a:t>
+            </a:r>
+            <a:r>
+              <a:rPr lang="de-DE" sz="3200" b="1" dirty="0">
+                <a:latin typeface="+mn-lt"/>
+              </a:rPr>
+              <a:t>: </a:t>
+            </a:r>
+            <a:r>
+              <a:rPr lang="de-DE" sz="3200" b="1" dirty="0" err="1" smtClean="0">
+                <a:latin typeface="+mn-lt"/>
+              </a:rPr>
+              <a:t>rich</a:t>
+            </a:r>
+            <a:r>
+              <a:rPr lang="de-DE" sz="3200" b="1" dirty="0" smtClean="0">
+                <a:latin typeface="+mn-lt"/>
+              </a:rPr>
+              <a:t> </a:t>
+            </a:r>
+            <a:r>
+              <a:rPr lang="de-DE" sz="3200" b="1" dirty="0" err="1" smtClean="0">
+                <a:latin typeface="+mn-lt"/>
+              </a:rPr>
+              <a:t>club</a:t>
+            </a:r>
+            <a:endParaRPr lang="de-DE" sz="3200" b="1" dirty="0">
+              <a:latin typeface="+mn-lt"/>
+            </a:endParaRPr>
+          </a:p>
+        </p:txBody>
+      </p:sp>
+      <p:pic>
+        <p:nvPicPr>
+          <p:cNvPr id="8" name="Grafik 7"/>
+          <p:cNvPicPr>
+            <a:picLocks noChangeAspect="1"/>
+          </p:cNvPicPr>
+          <p:nvPr/>
+        </p:nvPicPr>
+        <p:blipFill>
+          <a:blip r:embed="rId2" cstate="print">
+            <a:extLst>
+              <a:ext uri="{28A0092B-C50C-407E-A947-70E740481C1C}">
+                <a14:useLocalDpi xmlns:a14="http://schemas.microsoft.com/office/drawing/2010/main" val="0"/>
+              </a:ext>
+            </a:extLst>
+          </a:blip>
+          <a:stretch>
+            <a:fillRect/>
+          </a:stretch>
+        </p:blipFill>
+        <p:spPr>
+          <a:xfrm>
+            <a:off x="666246" y="1393783"/>
+            <a:ext cx="5607019" cy="1595437"/>
+          </a:xfrm>
+          <a:prstGeom prst="rect">
+            <a:avLst/>
+          </a:prstGeom>
+        </p:spPr>
+      </p:pic>
+      <p:sp>
+        <p:nvSpPr>
+          <p:cNvPr id="12" name="Inhaltsplatzhalter 2"/>
+          <p:cNvSpPr txBox="1">
+            <a:spLocks/>
+          </p:cNvSpPr>
+          <p:nvPr/>
+        </p:nvSpPr>
+        <p:spPr>
+          <a:xfrm>
+            <a:off x="7029450" y="2494905"/>
+            <a:ext cx="4533900" cy="2446421"/>
+          </a:xfrm>
+          <a:prstGeom prst="rect">
+            <a:avLst/>
+          </a:prstGeom>
+        </p:spPr>
+        <p:txBody>
+          <a:bodyPr vert="horz" lIns="91440" tIns="45720" rIns="91440" bIns="45720" rtlCol="0">
+            <a:normAutofit/>
+          </a:bodyPr>
+          <a:lstStyle>
+            <a:lvl1pPr marL="228600" indent="-228600" algn="l" defTabSz="914400" rtl="0" eaLnBrk="1" latinLnBrk="0" hangingPunct="1">
+              <a:lnSpc>
+                <a:spcPct val="90000"/>
+              </a:lnSpc>
+              <a:spcBef>
+                <a:spcPts val="1000"/>
+              </a:spcBef>
+              <a:buFont typeface="Arial" panose="020B0604020202020204" pitchFamily="34" charset="0"/>
+              <a:buChar char="•"/>
+              <a:defRPr sz="2800" kern="1200">
+                <a:solidFill>
+                  <a:schemeClr val="tx1"/>
+                </a:solidFill>
+                <a:latin typeface="+mn-lt"/>
+                <a:ea typeface="+mn-ea"/>
+                <a:cs typeface="+mn-cs"/>
+              </a:defRPr>
+            </a:lvl1pPr>
+            <a:lvl2pPr marL="685800" indent="-228600" algn="l" defTabSz="914400" rtl="0" eaLnBrk="1" latinLnBrk="0" hangingPunct="1">
+              <a:lnSpc>
+                <a:spcPct val="90000"/>
+              </a:lnSpc>
+              <a:spcBef>
+                <a:spcPts val="500"/>
+              </a:spcBef>
+              <a:buFont typeface="Arial" panose="020B0604020202020204" pitchFamily="34" charset="0"/>
+              <a:buChar char="•"/>
+              <a:defRPr sz="2400" kern="1200">
+                <a:solidFill>
+                  <a:schemeClr val="tx1"/>
+                </a:solidFill>
+                <a:latin typeface="+mn-lt"/>
+                <a:ea typeface="+mn-ea"/>
+                <a:cs typeface="+mn-cs"/>
+              </a:defRPr>
+            </a:lvl2pPr>
+            <a:lvl3pPr marL="1143000" indent="-228600" algn="l" defTabSz="914400" rtl="0" eaLnBrk="1" latinLnBrk="0" hangingPunct="1">
+              <a:lnSpc>
+                <a:spcPct val="90000"/>
+              </a:lnSpc>
+              <a:spcBef>
+                <a:spcPts val="500"/>
+              </a:spcBef>
+              <a:buFont typeface="Arial" panose="020B0604020202020204" pitchFamily="34" charset="0"/>
+              <a:buChar char="•"/>
+              <a:defRPr sz="2000" kern="1200">
+                <a:solidFill>
+                  <a:schemeClr val="tx1"/>
+                </a:solidFill>
+                <a:latin typeface="+mn-lt"/>
+                <a:ea typeface="+mn-ea"/>
+                <a:cs typeface="+mn-cs"/>
+              </a:defRPr>
+            </a:lvl3pPr>
+            <a:lvl4pPr marL="1600200" indent="-228600" algn="l" defTabSz="914400" rtl="0" eaLnBrk="1" latinLnBrk="0" hangingPunct="1">
+              <a:lnSpc>
+                <a:spcPct val="90000"/>
+              </a:lnSpc>
+              <a:spcBef>
+                <a:spcPts val="500"/>
+              </a:spcBef>
+              <a:buFont typeface="Arial" panose="020B0604020202020204" pitchFamily="34" charset="0"/>
+              <a:buChar char="•"/>
+              <a:defRPr sz="1800" kern="1200">
+                <a:solidFill>
+                  <a:schemeClr val="tx1"/>
+                </a:solidFill>
+                <a:latin typeface="+mn-lt"/>
+                <a:ea typeface="+mn-ea"/>
+                <a:cs typeface="+mn-cs"/>
+              </a:defRPr>
+            </a:lvl4pPr>
+            <a:lvl5pPr marL="2057400" indent="-228600" algn="l" defTabSz="914400" rtl="0" eaLnBrk="1" latinLnBrk="0" hangingPunct="1">
+              <a:lnSpc>
+                <a:spcPct val="90000"/>
+              </a:lnSpc>
+              <a:spcBef>
+                <a:spcPts val="500"/>
+              </a:spcBef>
+              <a:buFont typeface="Arial" panose="020B0604020202020204" pitchFamily="34" charset="0"/>
+              <a:buChar char="•"/>
+              <a:defRPr sz="1800" kern="1200">
+                <a:solidFill>
+                  <a:schemeClr val="tx1"/>
+                </a:solidFill>
+                <a:latin typeface="+mn-lt"/>
+                <a:ea typeface="+mn-ea"/>
+                <a:cs typeface="+mn-cs"/>
+              </a:defRPr>
+            </a:lvl5pPr>
+            <a:lvl6pPr marL="2514600" indent="-228600" algn="l" defTabSz="914400" rtl="0" eaLnBrk="1" latinLnBrk="0" hangingPunct="1">
+              <a:lnSpc>
+                <a:spcPct val="90000"/>
+              </a:lnSpc>
+              <a:spcBef>
+                <a:spcPts val="500"/>
+              </a:spcBef>
+              <a:buFont typeface="Arial" panose="020B0604020202020204" pitchFamily="34" charset="0"/>
+              <a:buChar char="•"/>
+              <a:defRPr sz="1800" kern="1200">
+                <a:solidFill>
+                  <a:schemeClr val="tx1"/>
+                </a:solidFill>
+                <a:latin typeface="+mn-lt"/>
+                <a:ea typeface="+mn-ea"/>
+                <a:cs typeface="+mn-cs"/>
+              </a:defRPr>
+            </a:lvl6pPr>
+            <a:lvl7pPr marL="2971800" indent="-228600" algn="l" defTabSz="914400" rtl="0" eaLnBrk="1" latinLnBrk="0" hangingPunct="1">
+              <a:lnSpc>
+                <a:spcPct val="90000"/>
+              </a:lnSpc>
+              <a:spcBef>
+                <a:spcPts val="500"/>
+              </a:spcBef>
+              <a:buFont typeface="Arial" panose="020B0604020202020204" pitchFamily="34" charset="0"/>
+              <a:buChar char="•"/>
+              <a:defRPr sz="1800" kern="1200">
+                <a:solidFill>
+                  <a:schemeClr val="tx1"/>
+                </a:solidFill>
+                <a:latin typeface="+mn-lt"/>
+                <a:ea typeface="+mn-ea"/>
+                <a:cs typeface="+mn-cs"/>
+              </a:defRPr>
+            </a:lvl7pPr>
+            <a:lvl8pPr marL="3429000" indent="-228600" algn="l" defTabSz="914400" rtl="0" eaLnBrk="1" latinLnBrk="0" hangingPunct="1">
+              <a:lnSpc>
+                <a:spcPct val="90000"/>
+              </a:lnSpc>
+              <a:spcBef>
+                <a:spcPts val="500"/>
+              </a:spcBef>
+              <a:buFont typeface="Arial" panose="020B0604020202020204" pitchFamily="34" charset="0"/>
+              <a:buChar char="•"/>
+              <a:defRPr sz="1800" kern="1200">
+                <a:solidFill>
+                  <a:schemeClr val="tx1"/>
+                </a:solidFill>
+                <a:latin typeface="+mn-lt"/>
+                <a:ea typeface="+mn-ea"/>
+                <a:cs typeface="+mn-cs"/>
+              </a:defRPr>
+            </a:lvl8pPr>
+            <a:lvl9pPr marL="3886200" indent="-228600" algn="l" defTabSz="914400" rtl="0" eaLnBrk="1" latinLnBrk="0" hangingPunct="1">
+              <a:lnSpc>
+                <a:spcPct val="90000"/>
+              </a:lnSpc>
+              <a:spcBef>
+                <a:spcPts val="500"/>
+              </a:spcBef>
+              <a:buFont typeface="Arial" panose="020B0604020202020204" pitchFamily="34" charset="0"/>
+              <a:buChar char="•"/>
+              <a:defRPr sz="1800" kern="1200">
+                <a:solidFill>
+                  <a:schemeClr val="tx1"/>
+                </a:solidFill>
+                <a:latin typeface="+mn-lt"/>
+                <a:ea typeface="+mn-ea"/>
+                <a:cs typeface="+mn-cs"/>
+              </a:defRPr>
+            </a:lvl9pPr>
+          </a:lstStyle>
+          <a:p>
+            <a:pPr marL="0" indent="0">
+              <a:buNone/>
+            </a:pPr>
+            <a:r>
+              <a:rPr lang="de-DE" sz="2000" dirty="0" smtClean="0"/>
+              <a:t>OXTR</a:t>
+            </a:r>
+            <a:r>
+              <a:rPr lang="el-GR" sz="2000" baseline="30000" dirty="0" smtClean="0"/>
+              <a:t>Δ</a:t>
+            </a:r>
+            <a:r>
+              <a:rPr lang="de-DE" sz="2000" baseline="30000" dirty="0" smtClean="0"/>
+              <a:t>AON</a:t>
+            </a:r>
+            <a:r>
+              <a:rPr lang="de-DE" sz="2000" dirty="0" smtClean="0"/>
+              <a:t> </a:t>
+            </a:r>
+            <a:r>
+              <a:rPr lang="de-DE" sz="2000" dirty="0" err="1" smtClean="0"/>
+              <a:t>are</a:t>
+            </a:r>
+            <a:r>
+              <a:rPr lang="de-DE" sz="2000" dirty="0" smtClean="0"/>
+              <a:t> </a:t>
+            </a:r>
+            <a:r>
+              <a:rPr lang="de-DE" sz="2000" dirty="0" err="1" smtClean="0"/>
+              <a:t>excluded</a:t>
+            </a:r>
+            <a:r>
+              <a:rPr lang="de-DE" sz="2000" dirty="0" smtClean="0"/>
+              <a:t> </a:t>
+            </a:r>
+            <a:r>
+              <a:rPr lang="de-DE" sz="2000" dirty="0" err="1" smtClean="0"/>
+              <a:t>from</a:t>
+            </a:r>
+            <a:r>
+              <a:rPr lang="de-DE" sz="2000" dirty="0" smtClean="0"/>
+              <a:t> </a:t>
+            </a:r>
+            <a:r>
+              <a:rPr lang="de-DE" sz="2000" dirty="0" err="1" smtClean="0"/>
+              <a:t>the</a:t>
+            </a:r>
+            <a:r>
+              <a:rPr lang="de-DE" sz="2000" dirty="0" smtClean="0"/>
+              <a:t> </a:t>
+            </a:r>
+            <a:r>
+              <a:rPr lang="de-DE" sz="2000" dirty="0" err="1" smtClean="0"/>
+              <a:t>rich</a:t>
+            </a:r>
+            <a:r>
+              <a:rPr lang="de-DE" sz="2000" dirty="0" smtClean="0"/>
+              <a:t> </a:t>
+            </a:r>
+            <a:r>
+              <a:rPr lang="de-DE" sz="2000" dirty="0" err="1" smtClean="0"/>
+              <a:t>club</a:t>
+            </a:r>
+            <a:endParaRPr lang="de-DE" sz="2000" dirty="0" smtClean="0"/>
+          </a:p>
+        </p:txBody>
+      </p:sp>
+      <p:pic>
+        <p:nvPicPr>
+          <p:cNvPr id="3" name="Grafik 2"/>
+          <p:cNvPicPr>
+            <a:picLocks noChangeAspect="1"/>
+          </p:cNvPicPr>
+          <p:nvPr/>
+        </p:nvPicPr>
+        <p:blipFill>
+          <a:blip r:embed="rId3">
+            <a:extLst>
+              <a:ext uri="{28A0092B-C50C-407E-A947-70E740481C1C}">
+                <a14:useLocalDpi xmlns:a14="http://schemas.microsoft.com/office/drawing/2010/main" val="0"/>
+              </a:ext>
+            </a:extLst>
+          </a:blip>
+          <a:stretch>
+            <a:fillRect/>
+          </a:stretch>
+        </p:blipFill>
+        <p:spPr>
+          <a:xfrm>
+            <a:off x="5498993" y="3321326"/>
+            <a:ext cx="3633645" cy="3240000"/>
+          </a:xfrm>
+          <a:prstGeom prst="rect">
+            <a:avLst/>
+          </a:prstGeom>
+        </p:spPr>
+      </p:pic>
+      <p:pic>
+        <p:nvPicPr>
+          <p:cNvPr id="5" name="Grafik 4"/>
+          <p:cNvPicPr>
+            <a:picLocks noChangeAspect="1"/>
+          </p:cNvPicPr>
+          <p:nvPr/>
+        </p:nvPicPr>
+        <p:blipFill>
+          <a:blip r:embed="rId4">
+            <a:extLst>
+              <a:ext uri="{28A0092B-C50C-407E-A947-70E740481C1C}">
+                <a14:useLocalDpi xmlns:a14="http://schemas.microsoft.com/office/drawing/2010/main" val="0"/>
+              </a:ext>
+            </a:extLst>
+          </a:blip>
+          <a:stretch>
+            <a:fillRect/>
+          </a:stretch>
+        </p:blipFill>
+        <p:spPr>
+          <a:xfrm>
+            <a:off x="1178993" y="3321326"/>
+            <a:ext cx="4320000" cy="3240000"/>
+          </a:xfrm>
+          <a:prstGeom prst="rect">
+            <a:avLst/>
+          </a:prstGeom>
+        </p:spPr>
+      </p:pic>
+    </p:spTree>
+    <p:extLst>
+      <p:ext uri="{BB962C8B-B14F-4D97-AF65-F5344CB8AC3E}">
+        <p14:creationId xmlns:p14="http://schemas.microsoft.com/office/powerpoint/2010/main" val="1809771902"/>
+      </p:ext>
+    </p:extLst>
+  </p:cSld>
+  <p:clrMapOvr>
+    <a:masterClrMapping/>
+  </p:clrMapOvr>
+</p:sld>
+</file>
+
+<file path=ppt/slides/slide12.xml><?xml version="1.0" encoding="utf-8"?>
+<p:sld xmlns:a="http://schemas.openxmlformats.org/drawingml/2006/main" xmlns:r="http://schemas.openxmlformats.org/officeDocument/2006/relationships" xmlns:p="http://schemas.openxmlformats.org/presentationml/2006/main">
+  <p:cSld>
+    <p:spTree>
+      <p:nvGrpSpPr>
+        <p:cNvPr id="1" name=""/>
+        <p:cNvGrpSpPr/>
+        <p:nvPr/>
+      </p:nvGrpSpPr>
+      <p:grpSpPr>
+        <a:xfrm>
+          <a:off x="0" y="0"/>
+          <a:ext cx="0" cy="0"/>
+          <a:chOff x="0" y="0"/>
+          <a:chExt cx="0" cy="0"/>
+        </a:xfrm>
+      </p:grpSpPr>
+      <p:sp>
+        <p:nvSpPr>
+          <p:cNvPr id="2" name="Title 1"/>
+          <p:cNvSpPr>
+            <a:spLocks noGrp="1"/>
+          </p:cNvSpPr>
+          <p:nvPr>
+            <p:ph type="title"/>
+          </p:nvPr>
+        </p:nvSpPr>
+        <p:spPr/>
+        <p:txBody>
+          <a:bodyPr/>
+          <a:lstStyle/>
+          <a:p>
+            <a:endParaRPr lang="de-DE"/>
+          </a:p>
+        </p:txBody>
+      </p:sp>
+      <p:pic>
+        <p:nvPicPr>
+          <p:cNvPr id="4" name="Content Placeholder 3"/>
+          <p:cNvPicPr>
+            <a:picLocks noGrp="1" noChangeAspect="1"/>
+          </p:cNvPicPr>
+          <p:nvPr>
+            <p:ph idx="1"/>
+          </p:nvPr>
+        </p:nvPicPr>
+        <p:blipFill>
+          <a:blip r:embed="rId2">
+            <a:extLst>
+              <a:ext uri="{28A0092B-C50C-407E-A947-70E740481C1C}">
+                <a14:useLocalDpi xmlns:a14="http://schemas.microsoft.com/office/drawing/2010/main" val="0"/>
+              </a:ext>
+            </a:extLst>
+          </a:blip>
+          <a:stretch>
+            <a:fillRect/>
+          </a:stretch>
+        </p:blipFill>
+        <p:spPr>
+          <a:xfrm>
+            <a:off x="6292816" y="2233101"/>
+            <a:ext cx="4644663" cy="3798641"/>
+          </a:xfrm>
+        </p:spPr>
+      </p:pic>
+      <p:pic>
+        <p:nvPicPr>
+          <p:cNvPr id="5" name="Picture 4"/>
+          <p:cNvPicPr>
+            <a:picLocks noChangeAspect="1"/>
+          </p:cNvPicPr>
+          <p:nvPr/>
+        </p:nvPicPr>
+        <p:blipFill>
+          <a:blip r:embed="rId3" cstate="print">
+            <a:extLst>
+              <a:ext uri="{28A0092B-C50C-407E-A947-70E740481C1C}">
+                <a14:useLocalDpi xmlns:a14="http://schemas.microsoft.com/office/drawing/2010/main" val="0"/>
+              </a:ext>
+            </a:extLst>
+          </a:blip>
+          <a:stretch>
+            <a:fillRect/>
+          </a:stretch>
+        </p:blipFill>
+        <p:spPr>
+          <a:xfrm>
+            <a:off x="1285201" y="2053318"/>
+            <a:ext cx="5007615" cy="4068687"/>
+          </a:xfrm>
+          <a:prstGeom prst="rect">
+            <a:avLst/>
+          </a:prstGeom>
+        </p:spPr>
+      </p:pic>
+    </p:spTree>
+    <p:extLst>
+      <p:ext uri="{BB962C8B-B14F-4D97-AF65-F5344CB8AC3E}">
+        <p14:creationId xmlns:p14="http://schemas.microsoft.com/office/powerpoint/2010/main" val="2880577680"/>
+      </p:ext>
+    </p:extLst>
+  </p:cSld>
+  <p:clrMapOvr>
+    <a:masterClrMapping/>
+  </p:clrMapOvr>
 </p:sld>
 </file>
 
@@ -3125,13 +4570,13 @@
               </a:ext>
             </a:extLst>
           </a:blip>
-          <a:srcRect r="21790"/>
+          <a:srcRect l="46688" r="-557"/>
           <a:stretch/>
         </p:blipFill>
         <p:spPr bwMode="auto">
           <a:xfrm>
-            <a:off x="252160" y="937150"/>
-            <a:ext cx="8079040" cy="2706593"/>
+            <a:off x="3672739" y="4052642"/>
+            <a:ext cx="5564777" cy="2706593"/>
           </a:xfrm>
           <a:prstGeom prst="rect">
             <a:avLst/>
@@ -3172,11 +4617,15 @@
               <a:t> </a:t>
             </a:r>
             <a:r>
-              <a:rPr lang="en-US" sz="2400" b="1" dirty="0" err="1"/>
+              <a:rPr lang="en-US" sz="2400" b="1" dirty="0" smtClean="0"/>
+              <a:t>Data acquisition: </a:t>
+            </a:r>
+            <a:r>
+              <a:rPr lang="en-US" sz="2400" b="1" dirty="0" err="1" smtClean="0"/>
               <a:t>NoSeMaze</a:t>
             </a:r>
             <a:r>
-              <a:rPr lang="en-US" sz="2400" b="1" dirty="0"/>
+              <a:rPr lang="en-US" sz="2400" b="1" dirty="0" smtClean="0"/>
               <a:t>  </a:t>
             </a:r>
             <a:endParaRPr lang="en-US" sz="2400" b="1" dirty="0" smtClean="0"/>
@@ -3232,7 +4681,7 @@
         </p:blipFill>
         <p:spPr>
           <a:xfrm>
-            <a:off x="5316696" y="3765332"/>
+            <a:off x="4691643" y="1013095"/>
             <a:ext cx="5720499" cy="2944528"/>
           </a:xfrm>
           <a:prstGeom prst="rect">
@@ -3240,6 +4689,975 @@
           </a:prstGeom>
         </p:spPr>
       </p:pic>
+      <mc:AlternateContent xmlns:mc="http://schemas.openxmlformats.org/markup-compatibility/2006">
+        <mc:Choice xmlns:a14="http://schemas.microsoft.com/office/drawing/2010/main" Requires="a14">
+          <p:sp>
+            <p:nvSpPr>
+              <p:cNvPr id="2" name="TextBox 1"/>
+              <p:cNvSpPr txBox="1"/>
+              <p:nvPr/>
+            </p:nvSpPr>
+            <p:spPr>
+              <a:xfrm>
+                <a:off x="870644" y="1656477"/>
+                <a:ext cx="2611997" cy="963918"/>
+              </a:xfrm>
+              <a:prstGeom prst="rect">
+                <a:avLst/>
+              </a:prstGeom>
+              <a:noFill/>
+            </p:spPr>
+            <p:txBody>
+              <a:bodyPr wrap="none" rtlCol="0">
+                <a:spAutoFit/>
+              </a:bodyPr>
+              <a:lstStyle/>
+              <a:p>
+                <a:r>
+                  <a:rPr lang="de-DE" dirty="0" smtClean="0"/>
+                  <a:t>1 </a:t>
+                </a:r>
+                <a:r>
+                  <a:rPr lang="de-DE" dirty="0" err="1" smtClean="0"/>
+                  <a:t>to</a:t>
+                </a:r>
+                <a:r>
+                  <a:rPr lang="de-DE" dirty="0" smtClean="0"/>
+                  <a:t> 3 </a:t>
+                </a:r>
+                <a14:m>
+                  <m:oMath xmlns:m="http://schemas.openxmlformats.org/officeDocument/2006/math">
+                    <m:sSup>
+                      <m:sSupPr>
+                        <m:ctrlPr>
+                          <a:rPr lang="de-DE" b="0" i="1" smtClean="0">
+                            <a:latin typeface="Cambria Math" panose="02040503050406030204" pitchFamily="18" charset="0"/>
+                          </a:rPr>
+                        </m:ctrlPr>
+                      </m:sSupPr>
+                      <m:e>
+                        <m:r>
+                          <m:rPr>
+                            <m:nor/>
+                          </m:rPr>
+                          <a:rPr lang="de-DE"/>
+                          <m:t>OXTR</m:t>
+                        </m:r>
+                      </m:e>
+                      <m:sup>
+                        <m:r>
+                          <m:rPr>
+                            <m:nor/>
+                          </m:rPr>
+                          <a:rPr lang="de-DE"/>
+                          <m:t>∆</m:t>
+                        </m:r>
+                        <m:r>
+                          <m:rPr>
+                            <m:nor/>
+                          </m:rPr>
+                          <a:rPr lang="de-DE"/>
+                          <m:t>AON</m:t>
+                        </m:r>
+                      </m:sup>
+                    </m:sSup>
+                  </m:oMath>
+                </a14:m>
+                <a:r>
+                  <a:rPr lang="de-DE" dirty="0" smtClean="0"/>
+                  <a:t> mice</a:t>
+                </a:r>
+                <a:r>
+                  <a:rPr lang="de-DE" dirty="0"/>
+                  <a:t/>
+                </a:r>
+                <a:br>
+                  <a:rPr lang="de-DE" dirty="0"/>
+                </a:br>
+                <a:r>
+                  <a:rPr lang="de-DE" dirty="0" err="1" smtClean="0"/>
+                  <a:t>together</a:t>
+                </a:r>
+                <a:r>
+                  <a:rPr lang="de-DE" dirty="0" smtClean="0"/>
+                  <a:t> </a:t>
+                </a:r>
+                <a:r>
+                  <a:rPr lang="de-DE" dirty="0" err="1" smtClean="0"/>
+                  <a:t>with</a:t>
+                </a:r>
+                <a:r>
+                  <a:rPr lang="de-DE" dirty="0" smtClean="0"/>
+                  <a:t> 7 </a:t>
+                </a:r>
+                <a:r>
+                  <a:rPr lang="de-DE" dirty="0" err="1" smtClean="0"/>
+                  <a:t>to</a:t>
+                </a:r>
+                <a:r>
+                  <a:rPr lang="de-DE" dirty="0" smtClean="0"/>
+                  <a:t> 9 </a:t>
+                </a:r>
+                <a:r>
+                  <a:rPr lang="de-DE" dirty="0" err="1" smtClean="0"/>
+                  <a:t>mice</a:t>
+                </a:r>
+                <a:r>
+                  <a:rPr lang="de-DE" dirty="0" smtClean="0"/>
+                  <a:t> </a:t>
+                </a:r>
+              </a:p>
+              <a:p>
+                <a:r>
+                  <a:rPr lang="de-DE" dirty="0" smtClean="0"/>
+                  <a:t>in a </a:t>
+                </a:r>
+                <a:r>
+                  <a:rPr lang="de-DE" dirty="0" err="1" smtClean="0"/>
+                  <a:t>NoSeMaze</a:t>
+                </a:r>
+                <a:endParaRPr lang="de-DE" dirty="0"/>
+              </a:p>
+            </p:txBody>
+          </p:sp>
+        </mc:Choice>
+        <mc:Fallback>
+          <p:sp>
+            <p:nvSpPr>
+              <p:cNvPr id="2" name="TextBox 1"/>
+              <p:cNvSpPr txBox="1">
+                <a:spLocks noRot="1" noChangeAspect="1" noMove="1" noResize="1" noEditPoints="1" noAdjustHandles="1" noChangeArrowheads="1" noChangeShapeType="1" noTextEdit="1"/>
+              </p:cNvSpPr>
+              <p:nvPr/>
+            </p:nvSpPr>
+            <p:spPr>
+              <a:xfrm>
+                <a:off x="870644" y="1656477"/>
+                <a:ext cx="2611997" cy="963918"/>
+              </a:xfrm>
+              <a:prstGeom prst="rect">
+                <a:avLst/>
+              </a:prstGeom>
+              <a:blipFill>
+                <a:blip r:embed="rId4"/>
+                <a:stretch>
+                  <a:fillRect l="-2103" b="-9494"/>
+                </a:stretch>
+              </a:blipFill>
+            </p:spPr>
+            <p:txBody>
+              <a:bodyPr/>
+              <a:lstStyle/>
+              <a:p>
+                <a:r>
+                  <a:rPr lang="de-DE">
+                    <a:noFill/>
+                  </a:rPr>
+                  <a:t> </a:t>
+                </a:r>
+              </a:p>
+            </p:txBody>
+          </p:sp>
+        </mc:Fallback>
+      </mc:AlternateContent>
+      <p:cxnSp>
+        <p:nvCxnSpPr>
+          <p:cNvPr id="4" name="Straight Arrow Connector 3"/>
+          <p:cNvCxnSpPr>
+            <a:stCxn id="2" idx="3"/>
+          </p:cNvCxnSpPr>
+          <p:nvPr/>
+        </p:nvCxnSpPr>
+        <p:spPr>
+          <a:xfrm>
+            <a:off x="3482641" y="2138436"/>
+            <a:ext cx="843129" cy="27493"/>
+          </a:xfrm>
+          <a:prstGeom prst="straightConnector1">
+            <a:avLst/>
+          </a:prstGeom>
+          <a:ln w="28575">
+            <a:solidFill>
+              <a:schemeClr val="tx1"/>
+            </a:solidFill>
+            <a:tailEnd type="triangle"/>
+          </a:ln>
+        </p:spPr>
+        <p:style>
+          <a:lnRef idx="1">
+            <a:schemeClr val="accent1"/>
+          </a:lnRef>
+          <a:fillRef idx="0">
+            <a:schemeClr val="accent1"/>
+          </a:fillRef>
+          <a:effectRef idx="0">
+            <a:schemeClr val="accent1"/>
+          </a:effectRef>
+          <a:fontRef idx="minor">
+            <a:schemeClr val="tx1"/>
+          </a:fontRef>
+        </p:style>
+      </p:cxnSp>
+      <p:sp>
+        <p:nvSpPr>
+          <p:cNvPr id="8" name="Rectangle 7"/>
+          <p:cNvSpPr/>
+          <p:nvPr/>
+        </p:nvSpPr>
+        <p:spPr>
+          <a:xfrm>
+            <a:off x="779204" y="1558506"/>
+            <a:ext cx="2703437" cy="1182188"/>
+          </a:xfrm>
+          <a:prstGeom prst="rect">
+            <a:avLst/>
+          </a:prstGeom>
+          <a:noFill/>
+          <a:ln w="28575">
+            <a:solidFill>
+              <a:schemeClr val="tx1"/>
+            </a:solidFill>
+          </a:ln>
+        </p:spPr>
+        <p:style>
+          <a:lnRef idx="2">
+            <a:schemeClr val="accent1">
+              <a:shade val="50000"/>
+            </a:schemeClr>
+          </a:lnRef>
+          <a:fillRef idx="1">
+            <a:schemeClr val="accent1"/>
+          </a:fillRef>
+          <a:effectRef idx="0">
+            <a:schemeClr val="accent1"/>
+          </a:effectRef>
+          <a:fontRef idx="minor">
+            <a:schemeClr val="lt1"/>
+          </a:fontRef>
+        </p:style>
+        <p:txBody>
+          <a:bodyPr rtlCol="0" anchor="ctr"/>
+          <a:lstStyle/>
+          <a:p>
+            <a:pPr algn="ctr"/>
+            <a:endParaRPr lang="de-DE"/>
+          </a:p>
+        </p:txBody>
+      </p:sp>
+      <p:sp>
+        <p:nvSpPr>
+          <p:cNvPr id="10" name="Rectangle 9"/>
+          <p:cNvSpPr/>
+          <p:nvPr/>
+        </p:nvSpPr>
+        <p:spPr>
+          <a:xfrm>
+            <a:off x="3755571" y="4173583"/>
+            <a:ext cx="148634" cy="265999"/>
+          </a:xfrm>
+          <a:prstGeom prst="rect">
+            <a:avLst/>
+          </a:prstGeom>
+        </p:spPr>
+        <p:style>
+          <a:lnRef idx="2">
+            <a:schemeClr val="accent3">
+              <a:shade val="50000"/>
+            </a:schemeClr>
+          </a:lnRef>
+          <a:fillRef idx="1">
+            <a:schemeClr val="accent3"/>
+          </a:fillRef>
+          <a:effectRef idx="0">
+            <a:schemeClr val="accent3"/>
+          </a:effectRef>
+          <a:fontRef idx="minor">
+            <a:schemeClr val="lt1"/>
+          </a:fontRef>
+        </p:style>
+        <p:txBody>
+          <a:bodyPr rtlCol="0" anchor="ctr"/>
+          <a:lstStyle/>
+          <a:p>
+            <a:pPr algn="ctr"/>
+            <a:endParaRPr lang="de-DE"/>
+          </a:p>
+        </p:txBody>
+      </p:sp>
+      <p:sp>
+        <p:nvSpPr>
+          <p:cNvPr id="11" name="Rectangle 10"/>
+          <p:cNvSpPr/>
+          <p:nvPr/>
+        </p:nvSpPr>
+        <p:spPr>
+          <a:xfrm>
+            <a:off x="5040585" y="4306582"/>
+            <a:ext cx="306978" cy="317669"/>
+          </a:xfrm>
+          <a:prstGeom prst="rect">
+            <a:avLst/>
+          </a:prstGeom>
+          <a:solidFill>
+            <a:schemeClr val="bg1"/>
+          </a:solidFill>
+        </p:spPr>
+        <p:style>
+          <a:lnRef idx="2">
+            <a:schemeClr val="accent1">
+              <a:shade val="50000"/>
+            </a:schemeClr>
+          </a:lnRef>
+          <a:fillRef idx="1">
+            <a:schemeClr val="accent1"/>
+          </a:fillRef>
+          <a:effectRef idx="0">
+            <a:schemeClr val="accent1"/>
+          </a:effectRef>
+          <a:fontRef idx="minor">
+            <a:schemeClr val="lt1"/>
+          </a:fontRef>
+        </p:style>
+        <p:txBody>
+          <a:bodyPr rtlCol="0" anchor="ctr"/>
+          <a:lstStyle/>
+          <a:p>
+            <a:pPr algn="ctr"/>
+            <a:endParaRPr lang="de-DE" dirty="0"/>
+          </a:p>
+        </p:txBody>
+      </p:sp>
+      <p:sp>
+        <p:nvSpPr>
+          <p:cNvPr id="12" name="Rectangle 11"/>
+          <p:cNvSpPr/>
+          <p:nvPr/>
+        </p:nvSpPr>
+        <p:spPr>
+          <a:xfrm>
+            <a:off x="7067161" y="4199417"/>
+            <a:ext cx="148634" cy="265999"/>
+          </a:xfrm>
+          <a:prstGeom prst="rect">
+            <a:avLst/>
+          </a:prstGeom>
+        </p:spPr>
+        <p:style>
+          <a:lnRef idx="2">
+            <a:schemeClr val="accent3">
+              <a:shade val="50000"/>
+            </a:schemeClr>
+          </a:lnRef>
+          <a:fillRef idx="1">
+            <a:schemeClr val="accent3"/>
+          </a:fillRef>
+          <a:effectRef idx="0">
+            <a:schemeClr val="accent3"/>
+          </a:effectRef>
+          <a:fontRef idx="minor">
+            <a:schemeClr val="lt1"/>
+          </a:fontRef>
+        </p:style>
+        <p:txBody>
+          <a:bodyPr rtlCol="0" anchor="ctr"/>
+          <a:lstStyle/>
+          <a:p>
+            <a:pPr algn="ctr"/>
+            <a:endParaRPr lang="de-DE"/>
+          </a:p>
+        </p:txBody>
+      </p:sp>
+      <p:sp>
+        <p:nvSpPr>
+          <p:cNvPr id="13" name="Rectangle 12"/>
+          <p:cNvSpPr/>
+          <p:nvPr/>
+        </p:nvSpPr>
+        <p:spPr>
+          <a:xfrm>
+            <a:off x="7062306" y="6054054"/>
+            <a:ext cx="306978" cy="317669"/>
+          </a:xfrm>
+          <a:prstGeom prst="rect">
+            <a:avLst/>
+          </a:prstGeom>
+          <a:solidFill>
+            <a:schemeClr val="bg1"/>
+          </a:solidFill>
+        </p:spPr>
+        <p:style>
+          <a:lnRef idx="2">
+            <a:schemeClr val="accent1">
+              <a:shade val="50000"/>
+            </a:schemeClr>
+          </a:lnRef>
+          <a:fillRef idx="1">
+            <a:schemeClr val="accent1"/>
+          </a:fillRef>
+          <a:effectRef idx="0">
+            <a:schemeClr val="accent1"/>
+          </a:effectRef>
+          <a:fontRef idx="minor">
+            <a:schemeClr val="lt1"/>
+          </a:fontRef>
+        </p:style>
+        <p:txBody>
+          <a:bodyPr rtlCol="0" anchor="ctr"/>
+          <a:lstStyle/>
+          <a:p>
+            <a:pPr algn="ctr"/>
+            <a:endParaRPr lang="de-DE"/>
+          </a:p>
+        </p:txBody>
+      </p:sp>
+      <p:sp>
+        <p:nvSpPr>
+          <p:cNvPr id="14" name="Rectangle 13"/>
+          <p:cNvSpPr/>
+          <p:nvPr/>
+        </p:nvSpPr>
+        <p:spPr>
+          <a:xfrm>
+            <a:off x="7062306" y="4186645"/>
+            <a:ext cx="306978" cy="317669"/>
+          </a:xfrm>
+          <a:prstGeom prst="rect">
+            <a:avLst/>
+          </a:prstGeom>
+          <a:solidFill>
+            <a:schemeClr val="bg1"/>
+          </a:solidFill>
+        </p:spPr>
+        <p:style>
+          <a:lnRef idx="2">
+            <a:schemeClr val="accent1">
+              <a:shade val="50000"/>
+            </a:schemeClr>
+          </a:lnRef>
+          <a:fillRef idx="1">
+            <a:schemeClr val="accent1"/>
+          </a:fillRef>
+          <a:effectRef idx="0">
+            <a:schemeClr val="accent1"/>
+          </a:effectRef>
+          <a:fontRef idx="minor">
+            <a:schemeClr val="lt1"/>
+          </a:fontRef>
+        </p:style>
+        <p:txBody>
+          <a:bodyPr rtlCol="0" anchor="ctr"/>
+          <a:lstStyle/>
+          <a:p>
+            <a:pPr algn="ctr"/>
+            <a:r>
+              <a:rPr lang="de-DE" dirty="0" smtClean="0">
+                <a:solidFill>
+                  <a:schemeClr val="tx1"/>
+                </a:solidFill>
+              </a:rPr>
+              <a:t>B</a:t>
+            </a:r>
+            <a:endParaRPr lang="de-DE" dirty="0">
+              <a:solidFill>
+                <a:schemeClr val="tx1"/>
+              </a:solidFill>
+            </a:endParaRPr>
+          </a:p>
+        </p:txBody>
+      </p:sp>
+      <p:sp>
+        <p:nvSpPr>
+          <p:cNvPr id="15" name="Rectangle 14"/>
+          <p:cNvSpPr/>
+          <p:nvPr/>
+        </p:nvSpPr>
+        <p:spPr>
+          <a:xfrm>
+            <a:off x="3749040" y="4161101"/>
+            <a:ext cx="306978" cy="317669"/>
+          </a:xfrm>
+          <a:prstGeom prst="rect">
+            <a:avLst/>
+          </a:prstGeom>
+          <a:solidFill>
+            <a:schemeClr val="bg1"/>
+          </a:solidFill>
+        </p:spPr>
+        <p:style>
+          <a:lnRef idx="2">
+            <a:schemeClr val="accent1">
+              <a:shade val="50000"/>
+            </a:schemeClr>
+          </a:lnRef>
+          <a:fillRef idx="1">
+            <a:schemeClr val="accent1"/>
+          </a:fillRef>
+          <a:effectRef idx="0">
+            <a:schemeClr val="accent1"/>
+          </a:effectRef>
+          <a:fontRef idx="minor">
+            <a:schemeClr val="lt1"/>
+          </a:fontRef>
+        </p:style>
+        <p:txBody>
+          <a:bodyPr rtlCol="0" anchor="ctr"/>
+          <a:lstStyle/>
+          <a:p>
+            <a:pPr algn="ctr"/>
+            <a:r>
+              <a:rPr lang="de-DE" dirty="0" smtClean="0">
+                <a:solidFill>
+                  <a:schemeClr val="tx1"/>
+                </a:solidFill>
+              </a:rPr>
+              <a:t>B</a:t>
+            </a:r>
+            <a:endParaRPr lang="de-DE" dirty="0">
+              <a:solidFill>
+                <a:schemeClr val="tx1"/>
+              </a:solidFill>
+            </a:endParaRPr>
+          </a:p>
+        </p:txBody>
+      </p:sp>
+      <p:sp>
+        <p:nvSpPr>
+          <p:cNvPr id="17" name="TextBox 16"/>
+          <p:cNvSpPr txBox="1"/>
+          <p:nvPr/>
+        </p:nvSpPr>
+        <p:spPr>
+          <a:xfrm>
+            <a:off x="5084716" y="4274512"/>
+            <a:ext cx="109358" cy="369332"/>
+          </a:xfrm>
+          <a:prstGeom prst="rect">
+            <a:avLst/>
+          </a:prstGeom>
+          <a:noFill/>
+        </p:spPr>
+        <p:txBody>
+          <a:bodyPr wrap="square" rtlCol="0">
+            <a:spAutoFit/>
+          </a:bodyPr>
+          <a:lstStyle/>
+          <a:p>
+            <a:r>
+              <a:rPr lang="de-DE" dirty="0" smtClean="0"/>
+              <a:t>A</a:t>
+            </a:r>
+            <a:endParaRPr lang="de-DE" dirty="0"/>
+          </a:p>
+        </p:txBody>
+      </p:sp>
+      <p:sp>
+        <p:nvSpPr>
+          <p:cNvPr id="18" name="TextBox 17"/>
+          <p:cNvSpPr txBox="1"/>
+          <p:nvPr/>
+        </p:nvSpPr>
+        <p:spPr>
+          <a:xfrm>
+            <a:off x="7054977" y="6022753"/>
+            <a:ext cx="308098" cy="369332"/>
+          </a:xfrm>
+          <a:prstGeom prst="rect">
+            <a:avLst/>
+          </a:prstGeom>
+          <a:noFill/>
+        </p:spPr>
+        <p:txBody>
+          <a:bodyPr wrap="none" rtlCol="0">
+            <a:spAutoFit/>
+          </a:bodyPr>
+          <a:lstStyle/>
+          <a:p>
+            <a:r>
+              <a:rPr lang="de-DE" dirty="0"/>
+              <a:t>C</a:t>
+            </a:r>
+          </a:p>
+        </p:txBody>
+      </p:sp>
+      <p:sp>
+        <p:nvSpPr>
+          <p:cNvPr id="19" name="TextBox 18"/>
+          <p:cNvSpPr txBox="1"/>
+          <p:nvPr/>
+        </p:nvSpPr>
+        <p:spPr>
+          <a:xfrm>
+            <a:off x="4902231" y="1558506"/>
+            <a:ext cx="309700" cy="369332"/>
+          </a:xfrm>
+          <a:prstGeom prst="rect">
+            <a:avLst/>
+          </a:prstGeom>
+          <a:noFill/>
+        </p:spPr>
+        <p:txBody>
+          <a:bodyPr wrap="none" rtlCol="0">
+            <a:spAutoFit/>
+          </a:bodyPr>
+          <a:lstStyle/>
+          <a:p>
+            <a:r>
+              <a:rPr lang="de-DE" dirty="0" smtClean="0"/>
+              <a:t>B</a:t>
+            </a:r>
+            <a:endParaRPr lang="de-DE" dirty="0"/>
+          </a:p>
+        </p:txBody>
+      </p:sp>
+      <p:sp>
+        <p:nvSpPr>
+          <p:cNvPr id="20" name="TextBox 19"/>
+          <p:cNvSpPr txBox="1"/>
+          <p:nvPr/>
+        </p:nvSpPr>
+        <p:spPr>
+          <a:xfrm>
+            <a:off x="5839097" y="1558506"/>
+            <a:ext cx="317716" cy="369332"/>
+          </a:xfrm>
+          <a:prstGeom prst="rect">
+            <a:avLst/>
+          </a:prstGeom>
+          <a:noFill/>
+        </p:spPr>
+        <p:txBody>
+          <a:bodyPr wrap="none" rtlCol="0">
+            <a:spAutoFit/>
+          </a:bodyPr>
+          <a:lstStyle/>
+          <a:p>
+            <a:r>
+              <a:rPr lang="de-DE" dirty="0" smtClean="0"/>
+              <a:t>A</a:t>
+            </a:r>
+            <a:endParaRPr lang="de-DE" dirty="0"/>
+          </a:p>
+        </p:txBody>
+      </p:sp>
+      <p:sp>
+        <p:nvSpPr>
+          <p:cNvPr id="21" name="TextBox 20"/>
+          <p:cNvSpPr txBox="1"/>
+          <p:nvPr/>
+        </p:nvSpPr>
+        <p:spPr>
+          <a:xfrm>
+            <a:off x="7739743" y="2740694"/>
+            <a:ext cx="308098" cy="369332"/>
+          </a:xfrm>
+          <a:prstGeom prst="rect">
+            <a:avLst/>
+          </a:prstGeom>
+          <a:noFill/>
+        </p:spPr>
+        <p:txBody>
+          <a:bodyPr wrap="none" rtlCol="0">
+            <a:spAutoFit/>
+          </a:bodyPr>
+          <a:lstStyle/>
+          <a:p>
+            <a:r>
+              <a:rPr lang="de-DE" dirty="0" smtClean="0"/>
+              <a:t>C</a:t>
+            </a:r>
+            <a:endParaRPr lang="de-DE" dirty="0"/>
+          </a:p>
+        </p:txBody>
+      </p:sp>
+      <p:sp>
+        <p:nvSpPr>
+          <p:cNvPr id="22" name="Rectangle 21"/>
+          <p:cNvSpPr/>
+          <p:nvPr/>
+        </p:nvSpPr>
+        <p:spPr>
+          <a:xfrm>
+            <a:off x="7857309" y="1013095"/>
+            <a:ext cx="2554833" cy="1727599"/>
+          </a:xfrm>
+          <a:prstGeom prst="rect">
+            <a:avLst/>
+          </a:prstGeom>
+          <a:solidFill>
+            <a:schemeClr val="bg1"/>
+          </a:solidFill>
+          <a:ln>
+            <a:solidFill>
+              <a:schemeClr val="bg1"/>
+            </a:solidFill>
+          </a:ln>
+        </p:spPr>
+        <p:style>
+          <a:lnRef idx="2">
+            <a:schemeClr val="accent1">
+              <a:shade val="50000"/>
+            </a:schemeClr>
+          </a:lnRef>
+          <a:fillRef idx="1">
+            <a:schemeClr val="accent1"/>
+          </a:fillRef>
+          <a:effectRef idx="0">
+            <a:schemeClr val="accent1"/>
+          </a:effectRef>
+          <a:fontRef idx="minor">
+            <a:schemeClr val="lt1"/>
+          </a:fontRef>
+        </p:style>
+        <p:txBody>
+          <a:bodyPr rtlCol="0" anchor="ctr"/>
+          <a:lstStyle/>
+          <a:p>
+            <a:pPr algn="ctr"/>
+            <a:endParaRPr lang="de-DE"/>
+          </a:p>
+        </p:txBody>
+      </p:sp>
+      <p:sp>
+        <p:nvSpPr>
+          <p:cNvPr id="23" name="Rectangle 22"/>
+          <p:cNvSpPr/>
+          <p:nvPr/>
+        </p:nvSpPr>
+        <p:spPr>
+          <a:xfrm>
+            <a:off x="9134725" y="2348807"/>
+            <a:ext cx="1091793" cy="543175"/>
+          </a:xfrm>
+          <a:prstGeom prst="rect">
+            <a:avLst/>
+          </a:prstGeom>
+          <a:solidFill>
+            <a:schemeClr val="bg1"/>
+          </a:solidFill>
+          <a:ln>
+            <a:noFill/>
+          </a:ln>
+        </p:spPr>
+        <p:style>
+          <a:lnRef idx="2">
+            <a:schemeClr val="accent1">
+              <a:shade val="50000"/>
+            </a:schemeClr>
+          </a:lnRef>
+          <a:fillRef idx="1">
+            <a:schemeClr val="accent1"/>
+          </a:fillRef>
+          <a:effectRef idx="0">
+            <a:schemeClr val="accent1"/>
+          </a:effectRef>
+          <a:fontRef idx="minor">
+            <a:schemeClr val="lt1"/>
+          </a:fontRef>
+        </p:style>
+        <p:txBody>
+          <a:bodyPr rtlCol="0" anchor="ctr"/>
+          <a:lstStyle/>
+          <a:p>
+            <a:pPr algn="ctr"/>
+            <a:endParaRPr lang="de-DE"/>
+          </a:p>
+        </p:txBody>
+      </p:sp>
+      <p:sp>
+        <p:nvSpPr>
+          <p:cNvPr id="24" name="Rectangle 23"/>
+          <p:cNvSpPr/>
+          <p:nvPr/>
+        </p:nvSpPr>
+        <p:spPr>
+          <a:xfrm>
+            <a:off x="9294223" y="2841171"/>
+            <a:ext cx="124097" cy="268855"/>
+          </a:xfrm>
+          <a:prstGeom prst="rect">
+            <a:avLst/>
+          </a:prstGeom>
+          <a:solidFill>
+            <a:schemeClr val="bg1"/>
+          </a:solidFill>
+          <a:ln>
+            <a:noFill/>
+          </a:ln>
+        </p:spPr>
+        <p:style>
+          <a:lnRef idx="2">
+            <a:schemeClr val="accent1">
+              <a:shade val="50000"/>
+            </a:schemeClr>
+          </a:lnRef>
+          <a:fillRef idx="1">
+            <a:schemeClr val="accent1"/>
+          </a:fillRef>
+          <a:effectRef idx="0">
+            <a:schemeClr val="accent1"/>
+          </a:effectRef>
+          <a:fontRef idx="minor">
+            <a:schemeClr val="lt1"/>
+          </a:fontRef>
+        </p:style>
+        <p:txBody>
+          <a:bodyPr rtlCol="0" anchor="ctr"/>
+          <a:lstStyle/>
+          <a:p>
+            <a:pPr algn="ctr"/>
+            <a:endParaRPr lang="de-DE"/>
+          </a:p>
+        </p:txBody>
+      </p:sp>
+      <p:cxnSp>
+        <p:nvCxnSpPr>
+          <p:cNvPr id="26" name="Straight Arrow Connector 25"/>
+          <p:cNvCxnSpPr/>
+          <p:nvPr/>
+        </p:nvCxnSpPr>
+        <p:spPr>
+          <a:xfrm flipV="1">
+            <a:off x="5551714" y="1011529"/>
+            <a:ext cx="2978332" cy="111878"/>
+          </a:xfrm>
+          <a:prstGeom prst="straightConnector1">
+            <a:avLst/>
+          </a:prstGeom>
+          <a:ln>
+            <a:tailEnd type="triangle"/>
+          </a:ln>
+        </p:spPr>
+        <p:style>
+          <a:lnRef idx="1">
+            <a:schemeClr val="dk1"/>
+          </a:lnRef>
+          <a:fillRef idx="0">
+            <a:schemeClr val="dk1"/>
+          </a:fillRef>
+          <a:effectRef idx="0">
+            <a:schemeClr val="dk1"/>
+          </a:effectRef>
+          <a:fontRef idx="minor">
+            <a:schemeClr val="tx1"/>
+          </a:fontRef>
+        </p:style>
+      </p:cxnSp>
+      <p:cxnSp>
+        <p:nvCxnSpPr>
+          <p:cNvPr id="27" name="Straight Arrow Connector 26"/>
+          <p:cNvCxnSpPr/>
+          <p:nvPr/>
+        </p:nvCxnSpPr>
+        <p:spPr>
+          <a:xfrm flipV="1">
+            <a:off x="6666443" y="1274248"/>
+            <a:ext cx="2412243" cy="1242692"/>
+          </a:xfrm>
+          <a:prstGeom prst="straightConnector1">
+            <a:avLst/>
+          </a:prstGeom>
+          <a:ln>
+            <a:tailEnd type="triangle"/>
+          </a:ln>
+        </p:spPr>
+        <p:style>
+          <a:lnRef idx="1">
+            <a:schemeClr val="dk1"/>
+          </a:lnRef>
+          <a:fillRef idx="0">
+            <a:schemeClr val="dk1"/>
+          </a:fillRef>
+          <a:effectRef idx="0">
+            <a:schemeClr val="dk1"/>
+          </a:effectRef>
+          <a:fontRef idx="minor">
+            <a:schemeClr val="tx1"/>
+          </a:fontRef>
+        </p:style>
+      </p:cxnSp>
+      <p:cxnSp>
+        <p:nvCxnSpPr>
+          <p:cNvPr id="29" name="Straight Arrow Connector 28"/>
+          <p:cNvCxnSpPr/>
+          <p:nvPr/>
+        </p:nvCxnSpPr>
+        <p:spPr>
+          <a:xfrm flipV="1">
+            <a:off x="9356320" y="1235284"/>
+            <a:ext cx="324301" cy="1778242"/>
+          </a:xfrm>
+          <a:prstGeom prst="straightConnector1">
+            <a:avLst/>
+          </a:prstGeom>
+          <a:ln>
+            <a:tailEnd type="triangle"/>
+          </a:ln>
+        </p:spPr>
+        <p:style>
+          <a:lnRef idx="1">
+            <a:schemeClr val="dk1"/>
+          </a:lnRef>
+          <a:fillRef idx="0">
+            <a:schemeClr val="dk1"/>
+          </a:fillRef>
+          <a:effectRef idx="0">
+            <a:schemeClr val="dk1"/>
+          </a:effectRef>
+          <a:fontRef idx="minor">
+            <a:schemeClr val="tx1"/>
+          </a:fontRef>
+        </p:style>
+      </p:cxnSp>
+      <p:sp>
+        <p:nvSpPr>
+          <p:cNvPr id="31" name="TextBox 30"/>
+          <p:cNvSpPr txBox="1"/>
+          <p:nvPr/>
+        </p:nvSpPr>
+        <p:spPr>
+          <a:xfrm>
+            <a:off x="8778240" y="809897"/>
+            <a:ext cx="1780937" cy="369332"/>
+          </a:xfrm>
+          <a:prstGeom prst="rect">
+            <a:avLst/>
+          </a:prstGeom>
+          <a:noFill/>
+        </p:spPr>
+        <p:txBody>
+          <a:bodyPr wrap="none" rtlCol="0">
+            <a:spAutoFit/>
+          </a:bodyPr>
+          <a:lstStyle/>
+          <a:p>
+            <a:r>
+              <a:rPr lang="de-DE" dirty="0" smtClean="0"/>
+              <a:t>3 </a:t>
+            </a:r>
+            <a:r>
+              <a:rPr lang="de-DE" dirty="0" err="1" smtClean="0"/>
+              <a:t>sources</a:t>
+            </a:r>
+            <a:r>
+              <a:rPr lang="de-DE" dirty="0" smtClean="0"/>
+              <a:t> </a:t>
+            </a:r>
+            <a:r>
+              <a:rPr lang="de-DE" dirty="0" err="1" smtClean="0"/>
+              <a:t>of</a:t>
+            </a:r>
+            <a:r>
+              <a:rPr lang="de-DE" dirty="0" smtClean="0"/>
+              <a:t> </a:t>
+            </a:r>
+            <a:r>
+              <a:rPr lang="de-DE" dirty="0" err="1" smtClean="0"/>
+              <a:t>data</a:t>
+            </a:r>
+            <a:endParaRPr lang="de-DE" dirty="0"/>
+          </a:p>
+        </p:txBody>
+      </p:sp>
     </p:spTree>
     <p:extLst>
       <p:ext uri="{BB962C8B-B14F-4D97-AF65-F5344CB8AC3E}">
@@ -3261,6 +5679,1269 @@
 </file>
 
 <file path=ppt/slides/slide3.xml><?xml version="1.0" encoding="utf-8"?>
+<p:sld xmlns:a="http://schemas.openxmlformats.org/drawingml/2006/main" xmlns:r="http://schemas.openxmlformats.org/officeDocument/2006/relationships" xmlns:p="http://schemas.openxmlformats.org/presentationml/2006/main">
+  <p:cSld>
+    <p:spTree>
+      <p:nvGrpSpPr>
+        <p:cNvPr id="1" name=""/>
+        <p:cNvGrpSpPr/>
+        <p:nvPr/>
+      </p:nvGrpSpPr>
+      <p:grpSpPr>
+        <a:xfrm>
+          <a:off x="0" y="0"/>
+          <a:ext cx="0" cy="0"/>
+          <a:chOff x="0" y="0"/>
+          <a:chExt cx="0" cy="0"/>
+        </a:xfrm>
+      </p:grpSpPr>
+      <p:pic>
+        <p:nvPicPr>
+          <p:cNvPr id="5" name="Grafik 4"/>
+          <p:cNvPicPr/>
+          <p:nvPr/>
+        </p:nvPicPr>
+        <p:blipFill rotWithShape="1">
+          <a:blip r:embed="rId2">
+            <a:extLst>
+              <a:ext uri="{28A0092B-C50C-407E-A947-70E740481C1C}">
+                <a14:useLocalDpi xmlns:a14="http://schemas.microsoft.com/office/drawing/2010/main" val="0"/>
+              </a:ext>
+            </a:extLst>
+          </a:blip>
+          <a:srcRect l="46688" r="-557"/>
+          <a:stretch/>
+        </p:blipFill>
+        <p:spPr bwMode="auto">
+          <a:xfrm>
+            <a:off x="3672739" y="4052642"/>
+            <a:ext cx="5564777" cy="2706593"/>
+          </a:xfrm>
+          <a:prstGeom prst="rect">
+            <a:avLst/>
+          </a:prstGeom>
+          <a:ln>
+            <a:noFill/>
+          </a:ln>
+          <a:extLst>
+            <a:ext uri="{53640926-AAD7-44D8-BBD7-CCE9431645EC}">
+              <a14:shadowObscured xmlns:a14="http://schemas.microsoft.com/office/drawing/2010/main"/>
+            </a:ext>
+          </a:extLst>
+        </p:spPr>
+      </p:pic>
+      <p:sp>
+        <p:nvSpPr>
+          <p:cNvPr id="6" name="Rechteck 5"/>
+          <p:cNvSpPr/>
+          <p:nvPr/>
+        </p:nvSpPr>
+        <p:spPr>
+          <a:xfrm>
+            <a:off x="397902" y="182098"/>
+            <a:ext cx="4293741" cy="830997"/>
+          </a:xfrm>
+          <a:prstGeom prst="rect">
+            <a:avLst/>
+          </a:prstGeom>
+        </p:spPr>
+        <p:txBody>
+          <a:bodyPr wrap="square">
+            <a:spAutoFit/>
+          </a:bodyPr>
+          <a:lstStyle/>
+          <a:p>
+            <a:r>
+              <a:rPr lang="en-US" sz="2400" b="1" dirty="0"/>
+              <a:t> </a:t>
+            </a:r>
+            <a:r>
+              <a:rPr lang="en-US" sz="2400" b="1" dirty="0" smtClean="0"/>
+              <a:t>Data acquisition: </a:t>
+            </a:r>
+            <a:r>
+              <a:rPr lang="en-US" sz="2400" b="1" dirty="0" err="1" smtClean="0"/>
+              <a:t>NoSeMaze</a:t>
+            </a:r>
+            <a:r>
+              <a:rPr lang="en-US" sz="2400" b="1" dirty="0" smtClean="0"/>
+              <a:t>  </a:t>
+            </a:r>
+            <a:endParaRPr lang="en-US" sz="2400" b="1" dirty="0" smtClean="0"/>
+          </a:p>
+          <a:p>
+            <a:r>
+              <a:rPr lang="en-US" sz="2400" dirty="0" smtClean="0"/>
+              <a:t>- </a:t>
+            </a:r>
+            <a:r>
+              <a:rPr lang="en-US" sz="2400" u="sng" dirty="0"/>
+              <a:t>no</a:t>
+            </a:r>
+            <a:r>
+              <a:rPr lang="en-US" sz="2400" dirty="0"/>
+              <a:t>n-invasive </a:t>
+            </a:r>
+            <a:r>
+              <a:rPr lang="en-US" sz="2400" u="sng" dirty="0"/>
+              <a:t>se</a:t>
+            </a:r>
+            <a:r>
+              <a:rPr lang="en-US" sz="2400" dirty="0"/>
+              <a:t>nsor-rich </a:t>
+            </a:r>
+            <a:r>
+              <a:rPr lang="en-US" sz="2400" dirty="0" smtClean="0"/>
+              <a:t>maze</a:t>
+            </a:r>
+            <a:endParaRPr lang="en-US" sz="2400" dirty="0"/>
+          </a:p>
+        </p:txBody>
+      </p:sp>
+      <p:pic>
+        <p:nvPicPr>
+          <p:cNvPr id="7" name="Grafik 6"/>
+          <p:cNvPicPr>
+            <a:picLocks noChangeAspect="1"/>
+          </p:cNvPicPr>
+          <p:nvPr/>
+        </p:nvPicPr>
+        <p:blipFill>
+          <a:blip r:embed="rId3" cstate="print">
+            <a:extLst>
+              <a:ext uri="{28A0092B-C50C-407E-A947-70E740481C1C}">
+                <a14:useLocalDpi xmlns:a14="http://schemas.microsoft.com/office/drawing/2010/main" val="0"/>
+              </a:ext>
+            </a:extLst>
+          </a:blip>
+          <a:stretch>
+            <a:fillRect/>
+          </a:stretch>
+        </p:blipFill>
+        <p:spPr>
+          <a:xfrm>
+            <a:off x="4691643" y="1013095"/>
+            <a:ext cx="5720499" cy="2944528"/>
+          </a:xfrm>
+          <a:prstGeom prst="rect">
+            <a:avLst/>
+          </a:prstGeom>
+        </p:spPr>
+      </p:pic>
+      <mc:AlternateContent xmlns:mc="http://schemas.openxmlformats.org/markup-compatibility/2006">
+        <mc:Choice xmlns:a14="http://schemas.microsoft.com/office/drawing/2010/main" Requires="a14">
+          <p:sp>
+            <p:nvSpPr>
+              <p:cNvPr id="2" name="TextBox 1"/>
+              <p:cNvSpPr txBox="1"/>
+              <p:nvPr/>
+            </p:nvSpPr>
+            <p:spPr>
+              <a:xfrm>
+                <a:off x="870644" y="1656477"/>
+                <a:ext cx="2611997" cy="963918"/>
+              </a:xfrm>
+              <a:prstGeom prst="rect">
+                <a:avLst/>
+              </a:prstGeom>
+              <a:noFill/>
+            </p:spPr>
+            <p:txBody>
+              <a:bodyPr wrap="none" rtlCol="0">
+                <a:spAutoFit/>
+              </a:bodyPr>
+              <a:lstStyle/>
+              <a:p>
+                <a:r>
+                  <a:rPr lang="de-DE" dirty="0" smtClean="0"/>
+                  <a:t>1 </a:t>
+                </a:r>
+                <a:r>
+                  <a:rPr lang="de-DE" dirty="0" err="1" smtClean="0"/>
+                  <a:t>to</a:t>
+                </a:r>
+                <a:r>
+                  <a:rPr lang="de-DE" dirty="0" smtClean="0"/>
+                  <a:t> 3 </a:t>
+                </a:r>
+                <a14:m>
+                  <m:oMath xmlns:m="http://schemas.openxmlformats.org/officeDocument/2006/math">
+                    <m:sSup>
+                      <m:sSupPr>
+                        <m:ctrlPr>
+                          <a:rPr lang="de-DE" b="0" i="1" smtClean="0">
+                            <a:latin typeface="Cambria Math" panose="02040503050406030204" pitchFamily="18" charset="0"/>
+                          </a:rPr>
+                        </m:ctrlPr>
+                      </m:sSupPr>
+                      <m:e>
+                        <m:r>
+                          <m:rPr>
+                            <m:nor/>
+                          </m:rPr>
+                          <a:rPr lang="de-DE"/>
+                          <m:t>OXTR</m:t>
+                        </m:r>
+                      </m:e>
+                      <m:sup>
+                        <m:r>
+                          <m:rPr>
+                            <m:nor/>
+                          </m:rPr>
+                          <a:rPr lang="de-DE"/>
+                          <m:t>∆</m:t>
+                        </m:r>
+                        <m:r>
+                          <m:rPr>
+                            <m:nor/>
+                          </m:rPr>
+                          <a:rPr lang="de-DE"/>
+                          <m:t>AON</m:t>
+                        </m:r>
+                      </m:sup>
+                    </m:sSup>
+                  </m:oMath>
+                </a14:m>
+                <a:r>
+                  <a:rPr lang="de-DE" dirty="0" smtClean="0"/>
+                  <a:t> mice</a:t>
+                </a:r>
+                <a:r>
+                  <a:rPr lang="de-DE" dirty="0"/>
+                  <a:t/>
+                </a:r>
+                <a:br>
+                  <a:rPr lang="de-DE" dirty="0"/>
+                </a:br>
+                <a:r>
+                  <a:rPr lang="de-DE" dirty="0" err="1" smtClean="0"/>
+                  <a:t>together</a:t>
+                </a:r>
+                <a:r>
+                  <a:rPr lang="de-DE" dirty="0" smtClean="0"/>
+                  <a:t> </a:t>
+                </a:r>
+                <a:r>
+                  <a:rPr lang="de-DE" dirty="0" err="1" smtClean="0"/>
+                  <a:t>with</a:t>
+                </a:r>
+                <a:r>
+                  <a:rPr lang="de-DE" dirty="0" smtClean="0"/>
+                  <a:t> 7 </a:t>
+                </a:r>
+                <a:r>
+                  <a:rPr lang="de-DE" dirty="0" err="1" smtClean="0"/>
+                  <a:t>to</a:t>
+                </a:r>
+                <a:r>
+                  <a:rPr lang="de-DE" dirty="0" smtClean="0"/>
+                  <a:t> 9 </a:t>
+                </a:r>
+                <a:r>
+                  <a:rPr lang="de-DE" dirty="0" err="1" smtClean="0"/>
+                  <a:t>mice</a:t>
+                </a:r>
+                <a:r>
+                  <a:rPr lang="de-DE" dirty="0" smtClean="0"/>
+                  <a:t> </a:t>
+                </a:r>
+              </a:p>
+              <a:p>
+                <a:r>
+                  <a:rPr lang="de-DE" dirty="0" smtClean="0"/>
+                  <a:t>in a </a:t>
+                </a:r>
+                <a:r>
+                  <a:rPr lang="de-DE" dirty="0" err="1" smtClean="0"/>
+                  <a:t>NoSeMaze</a:t>
+                </a:r>
+                <a:endParaRPr lang="de-DE" dirty="0"/>
+              </a:p>
+            </p:txBody>
+          </p:sp>
+        </mc:Choice>
+        <mc:Fallback>
+          <p:sp>
+            <p:nvSpPr>
+              <p:cNvPr id="2" name="TextBox 1"/>
+              <p:cNvSpPr txBox="1">
+                <a:spLocks noRot="1" noChangeAspect="1" noMove="1" noResize="1" noEditPoints="1" noAdjustHandles="1" noChangeArrowheads="1" noChangeShapeType="1" noTextEdit="1"/>
+              </p:cNvSpPr>
+              <p:nvPr/>
+            </p:nvSpPr>
+            <p:spPr>
+              <a:xfrm>
+                <a:off x="870644" y="1656477"/>
+                <a:ext cx="2611997" cy="963918"/>
+              </a:xfrm>
+              <a:prstGeom prst="rect">
+                <a:avLst/>
+              </a:prstGeom>
+              <a:blipFill>
+                <a:blip r:embed="rId4"/>
+                <a:stretch>
+                  <a:fillRect l="-2103" b="-9494"/>
+                </a:stretch>
+              </a:blipFill>
+            </p:spPr>
+            <p:txBody>
+              <a:bodyPr/>
+              <a:lstStyle/>
+              <a:p>
+                <a:r>
+                  <a:rPr lang="de-DE">
+                    <a:noFill/>
+                  </a:rPr>
+                  <a:t> </a:t>
+                </a:r>
+              </a:p>
+            </p:txBody>
+          </p:sp>
+        </mc:Fallback>
+      </mc:AlternateContent>
+      <p:cxnSp>
+        <p:nvCxnSpPr>
+          <p:cNvPr id="4" name="Straight Arrow Connector 3"/>
+          <p:cNvCxnSpPr>
+            <a:stCxn id="2" idx="3"/>
+          </p:cNvCxnSpPr>
+          <p:nvPr/>
+        </p:nvCxnSpPr>
+        <p:spPr>
+          <a:xfrm>
+            <a:off x="3482641" y="2138436"/>
+            <a:ext cx="843129" cy="27493"/>
+          </a:xfrm>
+          <a:prstGeom prst="straightConnector1">
+            <a:avLst/>
+          </a:prstGeom>
+          <a:ln w="28575">
+            <a:solidFill>
+              <a:schemeClr val="tx1"/>
+            </a:solidFill>
+            <a:tailEnd type="triangle"/>
+          </a:ln>
+        </p:spPr>
+        <p:style>
+          <a:lnRef idx="1">
+            <a:schemeClr val="accent1"/>
+          </a:lnRef>
+          <a:fillRef idx="0">
+            <a:schemeClr val="accent1"/>
+          </a:fillRef>
+          <a:effectRef idx="0">
+            <a:schemeClr val="accent1"/>
+          </a:effectRef>
+          <a:fontRef idx="minor">
+            <a:schemeClr val="tx1"/>
+          </a:fontRef>
+        </p:style>
+      </p:cxnSp>
+      <p:sp>
+        <p:nvSpPr>
+          <p:cNvPr id="8" name="Rectangle 7"/>
+          <p:cNvSpPr/>
+          <p:nvPr/>
+        </p:nvSpPr>
+        <p:spPr>
+          <a:xfrm>
+            <a:off x="779204" y="1558506"/>
+            <a:ext cx="2703437" cy="1182188"/>
+          </a:xfrm>
+          <a:prstGeom prst="rect">
+            <a:avLst/>
+          </a:prstGeom>
+          <a:noFill/>
+          <a:ln w="28575">
+            <a:solidFill>
+              <a:schemeClr val="tx1"/>
+            </a:solidFill>
+          </a:ln>
+        </p:spPr>
+        <p:style>
+          <a:lnRef idx="2">
+            <a:schemeClr val="accent1">
+              <a:shade val="50000"/>
+            </a:schemeClr>
+          </a:lnRef>
+          <a:fillRef idx="1">
+            <a:schemeClr val="accent1"/>
+          </a:fillRef>
+          <a:effectRef idx="0">
+            <a:schemeClr val="accent1"/>
+          </a:effectRef>
+          <a:fontRef idx="minor">
+            <a:schemeClr val="lt1"/>
+          </a:fontRef>
+        </p:style>
+        <p:txBody>
+          <a:bodyPr rtlCol="0" anchor="ctr"/>
+          <a:lstStyle/>
+          <a:p>
+            <a:pPr algn="ctr"/>
+            <a:endParaRPr lang="de-DE"/>
+          </a:p>
+        </p:txBody>
+      </p:sp>
+      <p:sp>
+        <p:nvSpPr>
+          <p:cNvPr id="10" name="Rectangle 9"/>
+          <p:cNvSpPr/>
+          <p:nvPr/>
+        </p:nvSpPr>
+        <p:spPr>
+          <a:xfrm>
+            <a:off x="3755571" y="4173583"/>
+            <a:ext cx="148634" cy="265999"/>
+          </a:xfrm>
+          <a:prstGeom prst="rect">
+            <a:avLst/>
+          </a:prstGeom>
+        </p:spPr>
+        <p:style>
+          <a:lnRef idx="2">
+            <a:schemeClr val="accent3">
+              <a:shade val="50000"/>
+            </a:schemeClr>
+          </a:lnRef>
+          <a:fillRef idx="1">
+            <a:schemeClr val="accent3"/>
+          </a:fillRef>
+          <a:effectRef idx="0">
+            <a:schemeClr val="accent3"/>
+          </a:effectRef>
+          <a:fontRef idx="minor">
+            <a:schemeClr val="lt1"/>
+          </a:fontRef>
+        </p:style>
+        <p:txBody>
+          <a:bodyPr rtlCol="0" anchor="ctr"/>
+          <a:lstStyle/>
+          <a:p>
+            <a:pPr algn="ctr"/>
+            <a:endParaRPr lang="de-DE"/>
+          </a:p>
+        </p:txBody>
+      </p:sp>
+      <p:sp>
+        <p:nvSpPr>
+          <p:cNvPr id="11" name="Rectangle 10"/>
+          <p:cNvSpPr/>
+          <p:nvPr/>
+        </p:nvSpPr>
+        <p:spPr>
+          <a:xfrm>
+            <a:off x="5040585" y="4306582"/>
+            <a:ext cx="306978" cy="317669"/>
+          </a:xfrm>
+          <a:prstGeom prst="rect">
+            <a:avLst/>
+          </a:prstGeom>
+          <a:solidFill>
+            <a:schemeClr val="bg1"/>
+          </a:solidFill>
+        </p:spPr>
+        <p:style>
+          <a:lnRef idx="2">
+            <a:schemeClr val="accent1">
+              <a:shade val="50000"/>
+            </a:schemeClr>
+          </a:lnRef>
+          <a:fillRef idx="1">
+            <a:schemeClr val="accent1"/>
+          </a:fillRef>
+          <a:effectRef idx="0">
+            <a:schemeClr val="accent1"/>
+          </a:effectRef>
+          <a:fontRef idx="minor">
+            <a:schemeClr val="lt1"/>
+          </a:fontRef>
+        </p:style>
+        <p:txBody>
+          <a:bodyPr rtlCol="0" anchor="ctr"/>
+          <a:lstStyle/>
+          <a:p>
+            <a:pPr algn="ctr"/>
+            <a:endParaRPr lang="de-DE" dirty="0"/>
+          </a:p>
+        </p:txBody>
+      </p:sp>
+      <p:sp>
+        <p:nvSpPr>
+          <p:cNvPr id="12" name="Rectangle 11"/>
+          <p:cNvSpPr/>
+          <p:nvPr/>
+        </p:nvSpPr>
+        <p:spPr>
+          <a:xfrm>
+            <a:off x="7067161" y="4199417"/>
+            <a:ext cx="148634" cy="265999"/>
+          </a:xfrm>
+          <a:prstGeom prst="rect">
+            <a:avLst/>
+          </a:prstGeom>
+        </p:spPr>
+        <p:style>
+          <a:lnRef idx="2">
+            <a:schemeClr val="accent3">
+              <a:shade val="50000"/>
+            </a:schemeClr>
+          </a:lnRef>
+          <a:fillRef idx="1">
+            <a:schemeClr val="accent3"/>
+          </a:fillRef>
+          <a:effectRef idx="0">
+            <a:schemeClr val="accent3"/>
+          </a:effectRef>
+          <a:fontRef idx="minor">
+            <a:schemeClr val="lt1"/>
+          </a:fontRef>
+        </p:style>
+        <p:txBody>
+          <a:bodyPr rtlCol="0" anchor="ctr"/>
+          <a:lstStyle/>
+          <a:p>
+            <a:pPr algn="ctr"/>
+            <a:endParaRPr lang="de-DE"/>
+          </a:p>
+        </p:txBody>
+      </p:sp>
+      <p:sp>
+        <p:nvSpPr>
+          <p:cNvPr id="13" name="Rectangle 12"/>
+          <p:cNvSpPr/>
+          <p:nvPr/>
+        </p:nvSpPr>
+        <p:spPr>
+          <a:xfrm>
+            <a:off x="7062306" y="6054054"/>
+            <a:ext cx="306978" cy="317669"/>
+          </a:xfrm>
+          <a:prstGeom prst="rect">
+            <a:avLst/>
+          </a:prstGeom>
+          <a:solidFill>
+            <a:schemeClr val="bg1"/>
+          </a:solidFill>
+        </p:spPr>
+        <p:style>
+          <a:lnRef idx="2">
+            <a:schemeClr val="accent1">
+              <a:shade val="50000"/>
+            </a:schemeClr>
+          </a:lnRef>
+          <a:fillRef idx="1">
+            <a:schemeClr val="accent1"/>
+          </a:fillRef>
+          <a:effectRef idx="0">
+            <a:schemeClr val="accent1"/>
+          </a:effectRef>
+          <a:fontRef idx="minor">
+            <a:schemeClr val="lt1"/>
+          </a:fontRef>
+        </p:style>
+        <p:txBody>
+          <a:bodyPr rtlCol="0" anchor="ctr"/>
+          <a:lstStyle/>
+          <a:p>
+            <a:pPr algn="ctr"/>
+            <a:endParaRPr lang="de-DE"/>
+          </a:p>
+        </p:txBody>
+      </p:sp>
+      <p:sp>
+        <p:nvSpPr>
+          <p:cNvPr id="14" name="Rectangle 13"/>
+          <p:cNvSpPr/>
+          <p:nvPr/>
+        </p:nvSpPr>
+        <p:spPr>
+          <a:xfrm>
+            <a:off x="7062306" y="4186645"/>
+            <a:ext cx="306978" cy="317669"/>
+          </a:xfrm>
+          <a:prstGeom prst="rect">
+            <a:avLst/>
+          </a:prstGeom>
+          <a:solidFill>
+            <a:schemeClr val="bg1"/>
+          </a:solidFill>
+        </p:spPr>
+        <p:style>
+          <a:lnRef idx="2">
+            <a:schemeClr val="accent1">
+              <a:shade val="50000"/>
+            </a:schemeClr>
+          </a:lnRef>
+          <a:fillRef idx="1">
+            <a:schemeClr val="accent1"/>
+          </a:fillRef>
+          <a:effectRef idx="0">
+            <a:schemeClr val="accent1"/>
+          </a:effectRef>
+          <a:fontRef idx="minor">
+            <a:schemeClr val="lt1"/>
+          </a:fontRef>
+        </p:style>
+        <p:txBody>
+          <a:bodyPr rtlCol="0" anchor="ctr"/>
+          <a:lstStyle/>
+          <a:p>
+            <a:pPr algn="ctr"/>
+            <a:r>
+              <a:rPr lang="de-DE" dirty="0" smtClean="0">
+                <a:solidFill>
+                  <a:schemeClr val="tx1"/>
+                </a:solidFill>
+              </a:rPr>
+              <a:t>B</a:t>
+            </a:r>
+            <a:endParaRPr lang="de-DE" dirty="0">
+              <a:solidFill>
+                <a:schemeClr val="tx1"/>
+              </a:solidFill>
+            </a:endParaRPr>
+          </a:p>
+        </p:txBody>
+      </p:sp>
+      <p:sp>
+        <p:nvSpPr>
+          <p:cNvPr id="15" name="Rectangle 14"/>
+          <p:cNvSpPr/>
+          <p:nvPr/>
+        </p:nvSpPr>
+        <p:spPr>
+          <a:xfrm>
+            <a:off x="3749040" y="4161101"/>
+            <a:ext cx="306978" cy="317669"/>
+          </a:xfrm>
+          <a:prstGeom prst="rect">
+            <a:avLst/>
+          </a:prstGeom>
+          <a:solidFill>
+            <a:schemeClr val="bg1"/>
+          </a:solidFill>
+        </p:spPr>
+        <p:style>
+          <a:lnRef idx="2">
+            <a:schemeClr val="accent1">
+              <a:shade val="50000"/>
+            </a:schemeClr>
+          </a:lnRef>
+          <a:fillRef idx="1">
+            <a:schemeClr val="accent1"/>
+          </a:fillRef>
+          <a:effectRef idx="0">
+            <a:schemeClr val="accent1"/>
+          </a:effectRef>
+          <a:fontRef idx="minor">
+            <a:schemeClr val="lt1"/>
+          </a:fontRef>
+        </p:style>
+        <p:txBody>
+          <a:bodyPr rtlCol="0" anchor="ctr"/>
+          <a:lstStyle/>
+          <a:p>
+            <a:pPr algn="ctr"/>
+            <a:r>
+              <a:rPr lang="de-DE" dirty="0" smtClean="0">
+                <a:solidFill>
+                  <a:schemeClr val="tx1"/>
+                </a:solidFill>
+              </a:rPr>
+              <a:t>B</a:t>
+            </a:r>
+            <a:endParaRPr lang="de-DE" dirty="0">
+              <a:solidFill>
+                <a:schemeClr val="tx1"/>
+              </a:solidFill>
+            </a:endParaRPr>
+          </a:p>
+        </p:txBody>
+      </p:sp>
+      <p:sp>
+        <p:nvSpPr>
+          <p:cNvPr id="17" name="TextBox 16"/>
+          <p:cNvSpPr txBox="1"/>
+          <p:nvPr/>
+        </p:nvSpPr>
+        <p:spPr>
+          <a:xfrm>
+            <a:off x="5084716" y="4274512"/>
+            <a:ext cx="109358" cy="369332"/>
+          </a:xfrm>
+          <a:prstGeom prst="rect">
+            <a:avLst/>
+          </a:prstGeom>
+          <a:noFill/>
+        </p:spPr>
+        <p:txBody>
+          <a:bodyPr wrap="square" rtlCol="0">
+            <a:spAutoFit/>
+          </a:bodyPr>
+          <a:lstStyle/>
+          <a:p>
+            <a:r>
+              <a:rPr lang="de-DE" dirty="0" smtClean="0"/>
+              <a:t>A</a:t>
+            </a:r>
+            <a:endParaRPr lang="de-DE" dirty="0"/>
+          </a:p>
+        </p:txBody>
+      </p:sp>
+      <p:sp>
+        <p:nvSpPr>
+          <p:cNvPr id="18" name="TextBox 17"/>
+          <p:cNvSpPr txBox="1"/>
+          <p:nvPr/>
+        </p:nvSpPr>
+        <p:spPr>
+          <a:xfrm>
+            <a:off x="7054977" y="6022753"/>
+            <a:ext cx="308098" cy="369332"/>
+          </a:xfrm>
+          <a:prstGeom prst="rect">
+            <a:avLst/>
+          </a:prstGeom>
+          <a:noFill/>
+        </p:spPr>
+        <p:txBody>
+          <a:bodyPr wrap="none" rtlCol="0">
+            <a:spAutoFit/>
+          </a:bodyPr>
+          <a:lstStyle/>
+          <a:p>
+            <a:r>
+              <a:rPr lang="de-DE" dirty="0"/>
+              <a:t>C</a:t>
+            </a:r>
+          </a:p>
+        </p:txBody>
+      </p:sp>
+      <p:sp>
+        <p:nvSpPr>
+          <p:cNvPr id="19" name="TextBox 18"/>
+          <p:cNvSpPr txBox="1"/>
+          <p:nvPr/>
+        </p:nvSpPr>
+        <p:spPr>
+          <a:xfrm>
+            <a:off x="4902231" y="1558506"/>
+            <a:ext cx="309700" cy="369332"/>
+          </a:xfrm>
+          <a:prstGeom prst="rect">
+            <a:avLst/>
+          </a:prstGeom>
+          <a:noFill/>
+        </p:spPr>
+        <p:txBody>
+          <a:bodyPr wrap="none" rtlCol="0">
+            <a:spAutoFit/>
+          </a:bodyPr>
+          <a:lstStyle/>
+          <a:p>
+            <a:r>
+              <a:rPr lang="de-DE" dirty="0" smtClean="0"/>
+              <a:t>B</a:t>
+            </a:r>
+            <a:endParaRPr lang="de-DE" dirty="0"/>
+          </a:p>
+        </p:txBody>
+      </p:sp>
+      <p:sp>
+        <p:nvSpPr>
+          <p:cNvPr id="20" name="TextBox 19"/>
+          <p:cNvSpPr txBox="1"/>
+          <p:nvPr/>
+        </p:nvSpPr>
+        <p:spPr>
+          <a:xfrm>
+            <a:off x="5839097" y="1558506"/>
+            <a:ext cx="317716" cy="369332"/>
+          </a:xfrm>
+          <a:prstGeom prst="rect">
+            <a:avLst/>
+          </a:prstGeom>
+          <a:noFill/>
+        </p:spPr>
+        <p:txBody>
+          <a:bodyPr wrap="none" rtlCol="0">
+            <a:spAutoFit/>
+          </a:bodyPr>
+          <a:lstStyle/>
+          <a:p>
+            <a:r>
+              <a:rPr lang="de-DE" dirty="0" smtClean="0"/>
+              <a:t>A</a:t>
+            </a:r>
+            <a:endParaRPr lang="de-DE" dirty="0"/>
+          </a:p>
+        </p:txBody>
+      </p:sp>
+      <p:sp>
+        <p:nvSpPr>
+          <p:cNvPr id="21" name="TextBox 20"/>
+          <p:cNvSpPr txBox="1"/>
+          <p:nvPr/>
+        </p:nvSpPr>
+        <p:spPr>
+          <a:xfrm>
+            <a:off x="7739743" y="2740694"/>
+            <a:ext cx="308098" cy="369332"/>
+          </a:xfrm>
+          <a:prstGeom prst="rect">
+            <a:avLst/>
+          </a:prstGeom>
+          <a:noFill/>
+        </p:spPr>
+        <p:txBody>
+          <a:bodyPr wrap="none" rtlCol="0">
+            <a:spAutoFit/>
+          </a:bodyPr>
+          <a:lstStyle/>
+          <a:p>
+            <a:r>
+              <a:rPr lang="de-DE" dirty="0" smtClean="0"/>
+              <a:t>C</a:t>
+            </a:r>
+            <a:endParaRPr lang="de-DE" dirty="0"/>
+          </a:p>
+        </p:txBody>
+      </p:sp>
+      <p:sp>
+        <p:nvSpPr>
+          <p:cNvPr id="22" name="Rectangle 21"/>
+          <p:cNvSpPr/>
+          <p:nvPr/>
+        </p:nvSpPr>
+        <p:spPr>
+          <a:xfrm>
+            <a:off x="7857309" y="1013095"/>
+            <a:ext cx="2554833" cy="1727599"/>
+          </a:xfrm>
+          <a:prstGeom prst="rect">
+            <a:avLst/>
+          </a:prstGeom>
+          <a:solidFill>
+            <a:schemeClr val="bg1"/>
+          </a:solidFill>
+          <a:ln>
+            <a:solidFill>
+              <a:schemeClr val="bg1"/>
+            </a:solidFill>
+          </a:ln>
+        </p:spPr>
+        <p:style>
+          <a:lnRef idx="2">
+            <a:schemeClr val="accent1">
+              <a:shade val="50000"/>
+            </a:schemeClr>
+          </a:lnRef>
+          <a:fillRef idx="1">
+            <a:schemeClr val="accent1"/>
+          </a:fillRef>
+          <a:effectRef idx="0">
+            <a:schemeClr val="accent1"/>
+          </a:effectRef>
+          <a:fontRef idx="minor">
+            <a:schemeClr val="lt1"/>
+          </a:fontRef>
+        </p:style>
+        <p:txBody>
+          <a:bodyPr rtlCol="0" anchor="ctr"/>
+          <a:lstStyle/>
+          <a:p>
+            <a:pPr algn="ctr"/>
+            <a:endParaRPr lang="de-DE"/>
+          </a:p>
+        </p:txBody>
+      </p:sp>
+      <p:sp>
+        <p:nvSpPr>
+          <p:cNvPr id="23" name="Rectangle 22"/>
+          <p:cNvSpPr/>
+          <p:nvPr/>
+        </p:nvSpPr>
+        <p:spPr>
+          <a:xfrm>
+            <a:off x="9134725" y="2348807"/>
+            <a:ext cx="1091793" cy="543175"/>
+          </a:xfrm>
+          <a:prstGeom prst="rect">
+            <a:avLst/>
+          </a:prstGeom>
+          <a:solidFill>
+            <a:schemeClr val="bg1"/>
+          </a:solidFill>
+          <a:ln>
+            <a:noFill/>
+          </a:ln>
+        </p:spPr>
+        <p:style>
+          <a:lnRef idx="2">
+            <a:schemeClr val="accent1">
+              <a:shade val="50000"/>
+            </a:schemeClr>
+          </a:lnRef>
+          <a:fillRef idx="1">
+            <a:schemeClr val="accent1"/>
+          </a:fillRef>
+          <a:effectRef idx="0">
+            <a:schemeClr val="accent1"/>
+          </a:effectRef>
+          <a:fontRef idx="minor">
+            <a:schemeClr val="lt1"/>
+          </a:fontRef>
+        </p:style>
+        <p:txBody>
+          <a:bodyPr rtlCol="0" anchor="ctr"/>
+          <a:lstStyle/>
+          <a:p>
+            <a:pPr algn="ctr"/>
+            <a:endParaRPr lang="de-DE"/>
+          </a:p>
+        </p:txBody>
+      </p:sp>
+      <p:sp>
+        <p:nvSpPr>
+          <p:cNvPr id="24" name="Rectangle 23"/>
+          <p:cNvSpPr/>
+          <p:nvPr/>
+        </p:nvSpPr>
+        <p:spPr>
+          <a:xfrm>
+            <a:off x="9294223" y="2841171"/>
+            <a:ext cx="124097" cy="268855"/>
+          </a:xfrm>
+          <a:prstGeom prst="rect">
+            <a:avLst/>
+          </a:prstGeom>
+          <a:solidFill>
+            <a:schemeClr val="bg1"/>
+          </a:solidFill>
+          <a:ln>
+            <a:noFill/>
+          </a:ln>
+        </p:spPr>
+        <p:style>
+          <a:lnRef idx="2">
+            <a:schemeClr val="accent1">
+              <a:shade val="50000"/>
+            </a:schemeClr>
+          </a:lnRef>
+          <a:fillRef idx="1">
+            <a:schemeClr val="accent1"/>
+          </a:fillRef>
+          <a:effectRef idx="0">
+            <a:schemeClr val="accent1"/>
+          </a:effectRef>
+          <a:fontRef idx="minor">
+            <a:schemeClr val="lt1"/>
+          </a:fontRef>
+        </p:style>
+        <p:txBody>
+          <a:bodyPr rtlCol="0" anchor="ctr"/>
+          <a:lstStyle/>
+          <a:p>
+            <a:pPr algn="ctr"/>
+            <a:endParaRPr lang="de-DE"/>
+          </a:p>
+        </p:txBody>
+      </p:sp>
+      <p:sp>
+        <p:nvSpPr>
+          <p:cNvPr id="3" name="Rectangle 2"/>
+          <p:cNvSpPr/>
+          <p:nvPr/>
+        </p:nvSpPr>
+        <p:spPr>
+          <a:xfrm>
+            <a:off x="6962503" y="4108269"/>
+            <a:ext cx="2275013" cy="2650966"/>
+          </a:xfrm>
+          <a:prstGeom prst="rect">
+            <a:avLst/>
+          </a:prstGeom>
+          <a:solidFill>
+            <a:schemeClr val="bg1"/>
+          </a:solidFill>
+          <a:ln>
+            <a:noFill/>
+          </a:ln>
+        </p:spPr>
+        <p:style>
+          <a:lnRef idx="2">
+            <a:schemeClr val="accent1">
+              <a:shade val="50000"/>
+            </a:schemeClr>
+          </a:lnRef>
+          <a:fillRef idx="1">
+            <a:schemeClr val="accent1"/>
+          </a:fillRef>
+          <a:effectRef idx="0">
+            <a:schemeClr val="accent1"/>
+          </a:effectRef>
+          <a:fontRef idx="minor">
+            <a:schemeClr val="lt1"/>
+          </a:fontRef>
+        </p:style>
+        <p:txBody>
+          <a:bodyPr rtlCol="0" anchor="ctr"/>
+          <a:lstStyle/>
+          <a:p>
+            <a:pPr algn="ctr"/>
+            <a:endParaRPr lang="de-DE"/>
+          </a:p>
+        </p:txBody>
+      </p:sp>
+      <p:sp>
+        <p:nvSpPr>
+          <p:cNvPr id="28" name="Rectangle 27"/>
+          <p:cNvSpPr/>
+          <p:nvPr/>
+        </p:nvSpPr>
+        <p:spPr>
+          <a:xfrm>
+            <a:off x="2345134" y="4052642"/>
+            <a:ext cx="2275013" cy="2650966"/>
+          </a:xfrm>
+          <a:prstGeom prst="rect">
+            <a:avLst/>
+          </a:prstGeom>
+          <a:solidFill>
+            <a:schemeClr val="bg1"/>
+          </a:solidFill>
+          <a:ln>
+            <a:noFill/>
+          </a:ln>
+        </p:spPr>
+        <p:style>
+          <a:lnRef idx="2">
+            <a:schemeClr val="accent1">
+              <a:shade val="50000"/>
+            </a:schemeClr>
+          </a:lnRef>
+          <a:fillRef idx="1">
+            <a:schemeClr val="accent1"/>
+          </a:fillRef>
+          <a:effectRef idx="0">
+            <a:schemeClr val="accent1"/>
+          </a:effectRef>
+          <a:fontRef idx="minor">
+            <a:schemeClr val="lt1"/>
+          </a:fontRef>
+        </p:style>
+        <p:txBody>
+          <a:bodyPr rtlCol="0" anchor="ctr"/>
+          <a:lstStyle/>
+          <a:p>
+            <a:pPr algn="ctr"/>
+            <a:endParaRPr lang="de-DE"/>
+          </a:p>
+        </p:txBody>
+      </p:sp>
+      <mc:AlternateContent xmlns:mc="http://schemas.openxmlformats.org/markup-compatibility/2006">
+        <mc:Choice xmlns:a14="http://schemas.microsoft.com/office/drawing/2010/main" Requires="a14">
+          <p:sp>
+            <p:nvSpPr>
+              <p:cNvPr id="9" name="TextBox 8"/>
+              <p:cNvSpPr txBox="1"/>
+              <p:nvPr/>
+            </p:nvSpPr>
+            <p:spPr>
+              <a:xfrm>
+                <a:off x="7067006" y="4107978"/>
+                <a:ext cx="4702628" cy="1240917"/>
+              </a:xfrm>
+              <a:prstGeom prst="rect">
+                <a:avLst/>
+              </a:prstGeom>
+              <a:noFill/>
+            </p:spPr>
+            <p:txBody>
+              <a:bodyPr wrap="square" rtlCol="0">
+                <a:spAutoFit/>
+              </a:bodyPr>
+              <a:lstStyle/>
+              <a:p>
+                <a:r>
+                  <a:rPr lang="de-DE" dirty="0" smtClean="0"/>
+                  <a:t>No </a:t>
+                </a:r>
+                <a:r>
+                  <a:rPr lang="de-DE" dirty="0" err="1" smtClean="0"/>
+                  <a:t>differences</a:t>
+                </a:r>
+                <a:r>
+                  <a:rPr lang="de-DE" dirty="0" smtClean="0"/>
+                  <a:t> </a:t>
+                </a:r>
+                <a:r>
+                  <a:rPr lang="de-DE" dirty="0" err="1" smtClean="0"/>
+                  <a:t>between</a:t>
+                </a:r>
+                <a:r>
+                  <a:rPr lang="de-DE" dirty="0" smtClean="0"/>
+                  <a:t> WT </a:t>
+                </a:r>
+                <a:r>
+                  <a:rPr lang="de-DE" dirty="0" err="1" smtClean="0"/>
+                  <a:t>and</a:t>
+                </a:r>
+                <a:r>
+                  <a:rPr lang="de-DE" dirty="0" smtClean="0"/>
+                  <a:t> </a:t>
+                </a:r>
+                <a14:m>
+                  <m:oMath xmlns:m="http://schemas.openxmlformats.org/officeDocument/2006/math">
+                    <m:sSup>
+                      <m:sSupPr>
+                        <m:ctrlPr>
+                          <a:rPr lang="de-DE" i="1">
+                            <a:latin typeface="Cambria Math" panose="02040503050406030204" pitchFamily="18" charset="0"/>
+                          </a:rPr>
+                        </m:ctrlPr>
+                      </m:sSupPr>
+                      <m:e>
+                        <m:r>
+                          <m:rPr>
+                            <m:nor/>
+                          </m:rPr>
+                          <a:rPr lang="de-DE"/>
+                          <m:t>OXTR</m:t>
+                        </m:r>
+                      </m:e>
+                      <m:sup>
+                        <m:r>
+                          <m:rPr>
+                            <m:nor/>
+                          </m:rPr>
+                          <a:rPr lang="de-DE"/>
+                          <m:t>∆</m:t>
+                        </m:r>
+                        <m:r>
+                          <m:rPr>
+                            <m:nor/>
+                          </m:rPr>
+                          <a:rPr lang="de-DE"/>
+                          <m:t>AON</m:t>
+                        </m:r>
+                      </m:sup>
+                    </m:sSup>
+                  </m:oMath>
+                </a14:m>
+                <a:r>
+                  <a:rPr lang="de-DE" dirty="0" smtClean="0"/>
+                  <a:t> in:</a:t>
+                </a:r>
+              </a:p>
+              <a:p>
+                <a:pPr marL="285750" indent="-285750">
+                  <a:buFontTx/>
+                  <a:buChar char="-"/>
+                </a:pPr>
+                <a:r>
+                  <a:rPr lang="de-DE" dirty="0" err="1" smtClean="0"/>
+                  <a:t>Chasing</a:t>
+                </a:r>
+                <a:r>
+                  <a:rPr lang="de-DE" dirty="0" smtClean="0"/>
+                  <a:t> </a:t>
+                </a:r>
+              </a:p>
+              <a:p>
+                <a:pPr marL="285750" indent="-285750">
+                  <a:buFontTx/>
+                  <a:buChar char="-"/>
+                </a:pPr>
+                <a:r>
+                  <a:rPr lang="de-DE" dirty="0" err="1" smtClean="0"/>
+                  <a:t>Competition</a:t>
+                </a:r>
+                <a:endParaRPr lang="de-DE" dirty="0" smtClean="0"/>
+              </a:p>
+              <a:p>
+                <a:pPr marL="285750" indent="-285750">
+                  <a:buFontTx/>
+                  <a:buChar char="-"/>
+                </a:pPr>
+                <a:r>
+                  <a:rPr lang="de-DE" dirty="0" smtClean="0"/>
+                  <a:t>Learning </a:t>
+                </a:r>
+                <a:endParaRPr lang="de-DE" dirty="0"/>
+              </a:p>
+            </p:txBody>
+          </p:sp>
+        </mc:Choice>
+        <mc:Fallback>
+          <p:sp>
+            <p:nvSpPr>
+              <p:cNvPr id="9" name="TextBox 8"/>
+              <p:cNvSpPr txBox="1">
+                <a:spLocks noRot="1" noChangeAspect="1" noMove="1" noResize="1" noEditPoints="1" noAdjustHandles="1" noChangeArrowheads="1" noChangeShapeType="1" noTextEdit="1"/>
+              </p:cNvSpPr>
+              <p:nvPr/>
+            </p:nvSpPr>
+            <p:spPr>
+              <a:xfrm>
+                <a:off x="7067006" y="4107978"/>
+                <a:ext cx="4702628" cy="1240917"/>
+              </a:xfrm>
+              <a:prstGeom prst="rect">
+                <a:avLst/>
+              </a:prstGeom>
+              <a:blipFill>
+                <a:blip r:embed="rId5"/>
+                <a:stretch>
+                  <a:fillRect l="-1036" b="-7389"/>
+                </a:stretch>
+              </a:blipFill>
+            </p:spPr>
+            <p:txBody>
+              <a:bodyPr/>
+              <a:lstStyle/>
+              <a:p>
+                <a:r>
+                  <a:rPr lang="de-DE">
+                    <a:noFill/>
+                  </a:rPr>
+                  <a:t> </a:t>
+                </a:r>
+              </a:p>
+            </p:txBody>
+          </p:sp>
+        </mc:Fallback>
+      </mc:AlternateContent>
+    </p:spTree>
+    <p:extLst>
+      <p:ext uri="{BB962C8B-B14F-4D97-AF65-F5344CB8AC3E}">
+        <p14:creationId xmlns:p14="http://schemas.microsoft.com/office/powerpoint/2010/main" val="2597096984"/>
+      </p:ext>
+    </p:extLst>
+  </p:cSld>
+  <p:clrMapOvr>
+    <a:masterClrMapping/>
+  </p:clrMapOvr>
+  <mc:AlternateContent xmlns:mc="http://schemas.openxmlformats.org/markup-compatibility/2006">
+    <mc:Choice xmlns:p14="http://schemas.microsoft.com/office/powerpoint/2010/main" Requires="p14">
+      <p:transition p14:dur="0"/>
+    </mc:Choice>
+    <mc:Fallback>
+      <p:transition/>
+    </mc:Fallback>
+  </mc:AlternateContent>
+  <p:timing>
+    <p:tnLst>
+      <p:par>
+        <p:cTn id="1" dur="indefinite" restart="never" nodeType="tmRoot"/>
+      </p:par>
+    </p:tnLst>
+  </p:timing>
+</p:sld>
+</file>
+
+<file path=ppt/slides/slide4.xml><?xml version="1.0" encoding="utf-8"?>
 <p:sld xmlns:a="http://schemas.openxmlformats.org/drawingml/2006/main" xmlns:r="http://schemas.openxmlformats.org/officeDocument/2006/relationships" xmlns:p="http://schemas.openxmlformats.org/presentationml/2006/main">
   <p:cSld>
     <p:spTree>
@@ -3453,18 +7134,18 @@
           <a:p>
             <a:pPr algn="ctr"/>
             <a:r>
-              <a:rPr lang="de-DE" sz="2800" b="1" dirty="0" err="1">
+              <a:rPr lang="de-DE" sz="2800" b="1" dirty="0" smtClean="0">
                 <a:latin typeface="Calibri" panose="020F0502020204030204" pitchFamily="34" charset="0"/>
                 <a:cs typeface="Times New Roman" panose="02020603050405020304" pitchFamily="18" charset="0"/>
               </a:rPr>
-              <a:t>s</a:t>
+              <a:t>Video </a:t>
             </a:r>
             <a:r>
               <a:rPr lang="de-DE" sz="2800" b="1" dirty="0" err="1" smtClean="0">
                 <a:latin typeface="Calibri" panose="020F0502020204030204" pitchFamily="34" charset="0"/>
                 <a:cs typeface="Times New Roman" panose="02020603050405020304" pitchFamily="18" charset="0"/>
               </a:rPr>
-              <a:t>ocial</a:t>
+              <a:t>data</a:t>
             </a:r>
             <a:r>
               <a:rPr lang="de-DE" sz="2800" b="1" dirty="0" smtClean="0">
@@ -3478,7 +7159,7 @@
                 <a:latin typeface="Calibri" panose="020F0502020204030204" pitchFamily="34" charset="0"/>
                 <a:cs typeface="Times New Roman" panose="02020603050405020304" pitchFamily="18" charset="0"/>
               </a:rPr>
-              <a:t>interaction</a:t>
+              <a:t>processing</a:t>
             </a:r>
             <a:endParaRPr lang="de-DE" sz="2800" b="1" dirty="0" smtClean="0">
               <a:latin typeface="Calibri" panose="020F0502020204030204" pitchFamily="34" charset="0"/>
@@ -4067,254 +7748,6 @@
           <a:p>
             <a:pPr algn="ctr"/>
             <a:endParaRPr lang="en-US" dirty="0"/>
-          </a:p>
-        </p:txBody>
-      </p:sp>
-      <p:sp>
-        <p:nvSpPr>
-          <p:cNvPr id="34" name="Textfeld 33">
-            <a:extLst>
-              <a:ext uri="{FF2B5EF4-FFF2-40B4-BE49-F238E27FC236}">
-                <a16:creationId xmlns:a16="http://schemas.microsoft.com/office/drawing/2014/main" id="{9C75D53E-58E1-800A-FD6B-ECE57CD8E935}"/>
-              </a:ext>
-            </a:extLst>
-          </p:cNvPr>
-          <p:cNvSpPr txBox="1"/>
-          <p:nvPr/>
-        </p:nvSpPr>
-        <p:spPr>
-          <a:xfrm>
-            <a:off x="7213575" y="4433099"/>
-            <a:ext cx="4388224" cy="738664"/>
-          </a:xfrm>
-          <a:prstGeom prst="rect">
-            <a:avLst/>
-          </a:prstGeom>
-          <a:noFill/>
-        </p:spPr>
-        <p:txBody>
-          <a:bodyPr wrap="square" rtlCol="0">
-            <a:spAutoFit/>
-          </a:bodyPr>
-          <a:lstStyle/>
-          <a:p>
-            <a:r>
-              <a:rPr lang="de-DE" sz="1400" dirty="0" err="1" smtClean="0"/>
-              <a:t>directed</a:t>
-            </a:r>
-            <a:r>
-              <a:rPr lang="de-DE" sz="1400" dirty="0" smtClean="0"/>
-              <a:t> </a:t>
-            </a:r>
-            <a:r>
-              <a:rPr lang="de-DE" sz="1400" dirty="0" err="1" smtClean="0"/>
-              <a:t>and</a:t>
-            </a:r>
-            <a:r>
-              <a:rPr lang="de-DE" sz="1400" dirty="0" smtClean="0"/>
-              <a:t> </a:t>
-            </a:r>
-          </a:p>
-          <a:p>
-            <a:r>
-              <a:rPr lang="de-DE" sz="1400" dirty="0" err="1" smtClean="0"/>
-              <a:t>weighted</a:t>
-            </a:r>
-            <a:r>
-              <a:rPr lang="de-DE" sz="1400" dirty="0" smtClean="0"/>
-              <a:t> </a:t>
-            </a:r>
-            <a:r>
-              <a:rPr lang="de-DE" sz="1400" dirty="0"/>
-              <a:t>social </a:t>
-            </a:r>
-            <a:r>
-              <a:rPr lang="de-DE" sz="1400" dirty="0" err="1"/>
-              <a:t>networks</a:t>
-            </a:r>
-            <a:r>
-              <a:rPr lang="de-DE" sz="1400" dirty="0"/>
-              <a:t> </a:t>
-            </a:r>
-            <a:endParaRPr lang="de-DE" sz="1400" dirty="0" smtClean="0"/>
-          </a:p>
-          <a:p>
-            <a:r>
-              <a:rPr lang="de-DE" sz="1400" dirty="0" smtClean="0"/>
-              <a:t>at </a:t>
-            </a:r>
-            <a:r>
-              <a:rPr lang="de-DE" sz="1400" dirty="0"/>
-              <a:t>different temporal </a:t>
-            </a:r>
-            <a:r>
-              <a:rPr lang="de-DE" sz="1400" dirty="0" err="1"/>
-              <a:t>resolutions</a:t>
-            </a:r>
-            <a:r>
-              <a:rPr lang="de-DE" sz="1400" dirty="0"/>
-              <a:t> </a:t>
-            </a:r>
-            <a:endParaRPr lang="de-DE" sz="1400" dirty="0" smtClean="0"/>
-          </a:p>
-        </p:txBody>
-      </p:sp>
-      <p:sp>
-        <p:nvSpPr>
-          <p:cNvPr id="35" name="Pfeil: nach rechts 7">
-            <a:extLst>
-              <a:ext uri="{FF2B5EF4-FFF2-40B4-BE49-F238E27FC236}">
-                <a16:creationId xmlns:a16="http://schemas.microsoft.com/office/drawing/2014/main" id="{74539380-9823-CECB-F17E-541455896A4B}"/>
-              </a:ext>
-            </a:extLst>
-          </p:cNvPr>
-          <p:cNvSpPr/>
-          <p:nvPr/>
-        </p:nvSpPr>
-        <p:spPr>
-          <a:xfrm rot="2078096">
-            <a:off x="7734514" y="5327216"/>
-            <a:ext cx="489820" cy="348946"/>
-          </a:xfrm>
-          <a:prstGeom prst="rightArrow">
-            <a:avLst/>
-          </a:prstGeom>
-          <a:solidFill>
-            <a:schemeClr val="tx1">
-              <a:lumMod val="50000"/>
-              <a:lumOff val="50000"/>
-            </a:schemeClr>
-          </a:solidFill>
-          <a:ln>
-            <a:noFill/>
-          </a:ln>
-        </p:spPr>
-        <p:style>
-          <a:lnRef idx="2">
-            <a:schemeClr val="dk1">
-              <a:shade val="50000"/>
-            </a:schemeClr>
-          </a:lnRef>
-          <a:fillRef idx="1">
-            <a:schemeClr val="dk1"/>
-          </a:fillRef>
-          <a:effectRef idx="0">
-            <a:schemeClr val="dk1"/>
-          </a:effectRef>
-          <a:fontRef idx="minor">
-            <a:schemeClr val="lt1"/>
-          </a:fontRef>
-        </p:style>
-        <p:txBody>
-          <a:bodyPr rtlCol="0" anchor="ctr"/>
-          <a:lstStyle/>
-          <a:p>
-            <a:pPr algn="ctr"/>
-            <a:endParaRPr lang="en-US"/>
-          </a:p>
-        </p:txBody>
-      </p:sp>
-      <p:sp>
-        <p:nvSpPr>
-          <p:cNvPr id="36" name="Textfeld 35">
-            <a:extLst>
-              <a:ext uri="{FF2B5EF4-FFF2-40B4-BE49-F238E27FC236}">
-                <a16:creationId xmlns:a16="http://schemas.microsoft.com/office/drawing/2014/main" id="{D4F661DB-F1AC-338D-B03E-981217D4A257}"/>
-              </a:ext>
-            </a:extLst>
-          </p:cNvPr>
-          <p:cNvSpPr txBox="1"/>
-          <p:nvPr/>
-        </p:nvSpPr>
-        <p:spPr>
-          <a:xfrm>
-            <a:off x="8302486" y="5580545"/>
-            <a:ext cx="2108340" cy="307777"/>
-          </a:xfrm>
-          <a:prstGeom prst="rect">
-            <a:avLst/>
-          </a:prstGeom>
-          <a:noFill/>
-        </p:spPr>
-        <p:txBody>
-          <a:bodyPr wrap="square" rtlCol="0">
-            <a:spAutoFit/>
-          </a:bodyPr>
-          <a:lstStyle/>
-          <a:p>
-            <a:r>
-              <a:rPr lang="de-DE" sz="1400" dirty="0" err="1"/>
-              <a:t>Social</a:t>
-            </a:r>
-            <a:r>
-              <a:rPr lang="de-DE" sz="1400" dirty="0"/>
-              <a:t> </a:t>
-            </a:r>
-            <a:r>
-              <a:rPr lang="de-DE" sz="1400" dirty="0" smtClean="0"/>
-              <a:t>Network </a:t>
-            </a:r>
-            <a:r>
-              <a:rPr lang="de-DE" sz="1400" dirty="0" err="1" smtClean="0"/>
-              <a:t>analysis</a:t>
-            </a:r>
-            <a:r>
-              <a:rPr lang="de-DE" sz="1400" dirty="0" smtClean="0"/>
-              <a:t>:</a:t>
-            </a:r>
-            <a:endParaRPr lang="de-DE" sz="1400" dirty="0"/>
-          </a:p>
-        </p:txBody>
-      </p:sp>
-      <p:sp>
-        <p:nvSpPr>
-          <p:cNvPr id="37" name="Textfeld 36">
-            <a:extLst>
-              <a:ext uri="{FF2B5EF4-FFF2-40B4-BE49-F238E27FC236}">
-                <a16:creationId xmlns:a16="http://schemas.microsoft.com/office/drawing/2014/main" id="{908E2296-3F78-413B-34FE-7DDDDCE2C160}"/>
-              </a:ext>
-            </a:extLst>
-          </p:cNvPr>
-          <p:cNvSpPr txBox="1"/>
-          <p:nvPr/>
-        </p:nvSpPr>
-        <p:spPr>
-          <a:xfrm>
-            <a:off x="8662373" y="5936586"/>
-            <a:ext cx="1951620" cy="307777"/>
-          </a:xfrm>
-          <a:prstGeom prst="rect">
-            <a:avLst/>
-          </a:prstGeom>
-          <a:noFill/>
-        </p:spPr>
-        <p:txBody>
-          <a:bodyPr wrap="square" rtlCol="0">
-            <a:spAutoFit/>
-          </a:bodyPr>
-          <a:lstStyle/>
-          <a:p>
-            <a:pPr marL="285750" indent="-285750">
-              <a:buFont typeface="Arial" panose="020B0604020202020204" pitchFamily="34" charset="0"/>
-              <a:buChar char="•"/>
-            </a:pPr>
-            <a:r>
-              <a:rPr lang="de-DE" sz="1400" dirty="0" err="1"/>
-              <a:t>r</a:t>
-            </a:r>
-            <a:r>
-              <a:rPr lang="de-DE" sz="1400" dirty="0" err="1" smtClean="0"/>
-              <a:t>ich</a:t>
-            </a:r>
-            <a:r>
-              <a:rPr lang="de-DE" sz="1400" dirty="0" smtClean="0"/>
-              <a:t> </a:t>
-            </a:r>
-            <a:r>
-              <a:rPr lang="de-DE" sz="1400" dirty="0" err="1" smtClean="0"/>
-              <a:t>club</a:t>
-            </a:r>
-            <a:endParaRPr lang="en-US" sz="1400" dirty="0"/>
           </a:p>
         </p:txBody>
       </p:sp>
@@ -5251,10 +8684,760 @@
   <p:clrMapOvr>
     <a:masterClrMapping/>
   </p:clrMapOvr>
+  <p:timing>
+    <p:tnLst>
+      <p:par>
+        <p:cTn id="1" dur="indefinite" restart="never" nodeType="tmRoot"/>
+      </p:par>
+    </p:tnLst>
+  </p:timing>
 </p:sld>
 </file>
 
-<file path=ppt/slides/slide4.xml><?xml version="1.0" encoding="utf-8"?>
+<file path=ppt/slides/slide5.xml><?xml version="1.0" encoding="utf-8"?>
+<p:sld xmlns:a="http://schemas.openxmlformats.org/drawingml/2006/main" xmlns:r="http://schemas.openxmlformats.org/officeDocument/2006/relationships" xmlns:p="http://schemas.openxmlformats.org/presentationml/2006/main">
+  <p:cSld>
+    <p:spTree>
+      <p:nvGrpSpPr>
+        <p:cNvPr id="1" name=""/>
+        <p:cNvGrpSpPr/>
+        <p:nvPr/>
+      </p:nvGrpSpPr>
+      <p:grpSpPr>
+        <a:xfrm>
+          <a:off x="0" y="0"/>
+          <a:ext cx="0" cy="0"/>
+          <a:chOff x="0" y="0"/>
+          <a:chExt cx="0" cy="0"/>
+        </a:xfrm>
+      </p:grpSpPr>
+      <p:sp>
+        <p:nvSpPr>
+          <p:cNvPr id="2" name="Title 1"/>
+          <p:cNvSpPr>
+            <a:spLocks noGrp="1"/>
+          </p:cNvSpPr>
+          <p:nvPr>
+            <p:ph type="title"/>
+          </p:nvPr>
+        </p:nvSpPr>
+        <p:spPr/>
+        <p:txBody>
+          <a:bodyPr/>
+          <a:lstStyle/>
+          <a:p>
+            <a:r>
+              <a:rPr lang="de-DE" dirty="0" err="1" smtClean="0"/>
+              <a:t>Statistics</a:t>
+            </a:r>
+            <a:r>
+              <a:rPr lang="de-DE" dirty="0" smtClean="0"/>
+              <a:t> </a:t>
+            </a:r>
+            <a:r>
+              <a:rPr lang="de-DE" dirty="0" err="1" smtClean="0"/>
+              <a:t>of</a:t>
+            </a:r>
+            <a:r>
+              <a:rPr lang="de-DE" dirty="0" smtClean="0"/>
+              <a:t> </a:t>
+            </a:r>
+            <a:r>
+              <a:rPr lang="de-DE" dirty="0" err="1" smtClean="0"/>
+              <a:t>the</a:t>
+            </a:r>
+            <a:r>
+              <a:rPr lang="de-DE" dirty="0" smtClean="0"/>
+              <a:t> </a:t>
+            </a:r>
+            <a:r>
+              <a:rPr lang="de-DE" dirty="0" err="1" smtClean="0"/>
+              <a:t>events</a:t>
+            </a:r>
+            <a:endParaRPr lang="de-DE" dirty="0"/>
+          </a:p>
+        </p:txBody>
+      </p:sp>
+      <p:pic>
+        <p:nvPicPr>
+          <p:cNvPr id="4" name="Content Placeholder 3"/>
+          <p:cNvPicPr>
+            <a:picLocks noGrp="1" noChangeAspect="1"/>
+          </p:cNvPicPr>
+          <p:nvPr>
+            <p:ph idx="1"/>
+          </p:nvPr>
+        </p:nvPicPr>
+        <p:blipFill>
+          <a:blip r:embed="rId2">
+            <a:extLst>
+              <a:ext uri="{28A0092B-C50C-407E-A947-70E740481C1C}">
+                <a14:useLocalDpi xmlns:a14="http://schemas.microsoft.com/office/drawing/2010/main" val="0"/>
+              </a:ext>
+            </a:extLst>
+          </a:blip>
+          <a:stretch>
+            <a:fillRect/>
+          </a:stretch>
+        </p:blipFill>
+        <p:spPr>
+          <a:xfrm>
+            <a:off x="2745377" y="1435961"/>
+            <a:ext cx="3104702" cy="2328527"/>
+          </a:xfrm>
+        </p:spPr>
+      </p:pic>
+      <p:pic>
+        <p:nvPicPr>
+          <p:cNvPr id="5" name="Picture 4"/>
+          <p:cNvPicPr>
+            <a:picLocks noChangeAspect="1"/>
+          </p:cNvPicPr>
+          <p:nvPr/>
+        </p:nvPicPr>
+        <p:blipFill>
+          <a:blip r:embed="rId3">
+            <a:extLst>
+              <a:ext uri="{28A0092B-C50C-407E-A947-70E740481C1C}">
+                <a14:useLocalDpi xmlns:a14="http://schemas.microsoft.com/office/drawing/2010/main" val="0"/>
+              </a:ext>
+            </a:extLst>
+          </a:blip>
+          <a:stretch>
+            <a:fillRect/>
+          </a:stretch>
+        </p:blipFill>
+        <p:spPr>
+          <a:xfrm>
+            <a:off x="6096000" y="1435961"/>
+            <a:ext cx="3150047" cy="2362535"/>
+          </a:xfrm>
+          <a:prstGeom prst="rect">
+            <a:avLst/>
+          </a:prstGeom>
+        </p:spPr>
+      </p:pic>
+      <p:pic>
+        <p:nvPicPr>
+          <p:cNvPr id="6" name="Picture 5"/>
+          <p:cNvPicPr>
+            <a:picLocks noChangeAspect="1"/>
+          </p:cNvPicPr>
+          <p:nvPr/>
+        </p:nvPicPr>
+        <p:blipFill>
+          <a:blip r:embed="rId4">
+            <a:extLst>
+              <a:ext uri="{28A0092B-C50C-407E-A947-70E740481C1C}">
+                <a14:useLocalDpi xmlns:a14="http://schemas.microsoft.com/office/drawing/2010/main" val="0"/>
+              </a:ext>
+            </a:extLst>
+          </a:blip>
+          <a:stretch>
+            <a:fillRect/>
+          </a:stretch>
+        </p:blipFill>
+        <p:spPr>
+          <a:xfrm>
+            <a:off x="2745521" y="3712240"/>
+            <a:ext cx="3104558" cy="2883398"/>
+          </a:xfrm>
+          <a:prstGeom prst="rect">
+            <a:avLst/>
+          </a:prstGeom>
+        </p:spPr>
+      </p:pic>
+      <p:pic>
+        <p:nvPicPr>
+          <p:cNvPr id="7" name="Picture 6"/>
+          <p:cNvPicPr>
+            <a:picLocks noChangeAspect="1"/>
+          </p:cNvPicPr>
+          <p:nvPr/>
+        </p:nvPicPr>
+        <p:blipFill>
+          <a:blip r:embed="rId5">
+            <a:extLst>
+              <a:ext uri="{28A0092B-C50C-407E-A947-70E740481C1C}">
+                <a14:useLocalDpi xmlns:a14="http://schemas.microsoft.com/office/drawing/2010/main" val="0"/>
+              </a:ext>
+            </a:extLst>
+          </a:blip>
+          <a:stretch>
+            <a:fillRect/>
+          </a:stretch>
+        </p:blipFill>
+        <p:spPr>
+          <a:xfrm>
+            <a:off x="6059381" y="3852745"/>
+            <a:ext cx="2856634" cy="2795141"/>
+          </a:xfrm>
+          <a:prstGeom prst="rect">
+            <a:avLst/>
+          </a:prstGeom>
+        </p:spPr>
+      </p:pic>
+    </p:spTree>
+    <p:extLst>
+      <p:ext uri="{BB962C8B-B14F-4D97-AF65-F5344CB8AC3E}">
+        <p14:creationId xmlns:p14="http://schemas.microsoft.com/office/powerpoint/2010/main" val="3524240769"/>
+      </p:ext>
+    </p:extLst>
+  </p:cSld>
+  <p:clrMapOvr>
+    <a:masterClrMapping/>
+  </p:clrMapOvr>
+  <p:timing>
+    <p:tnLst>
+      <p:par>
+        <p:cTn id="1" dur="indefinite" restart="never" nodeType="tmRoot"/>
+      </p:par>
+    </p:tnLst>
+  </p:timing>
+</p:sld>
+</file>
+
+<file path=ppt/slides/slide6.xml><?xml version="1.0" encoding="utf-8"?>
+<p:sld xmlns:a="http://schemas.openxmlformats.org/drawingml/2006/main" xmlns:r="http://schemas.openxmlformats.org/officeDocument/2006/relationships" xmlns:p="http://schemas.openxmlformats.org/presentationml/2006/main">
+  <p:cSld>
+    <p:spTree>
+      <p:nvGrpSpPr>
+        <p:cNvPr id="1" name=""/>
+        <p:cNvGrpSpPr/>
+        <p:nvPr/>
+      </p:nvGrpSpPr>
+      <p:grpSpPr>
+        <a:xfrm>
+          <a:off x="0" y="0"/>
+          <a:ext cx="0" cy="0"/>
+          <a:chOff x="0" y="0"/>
+          <a:chExt cx="0" cy="0"/>
+        </a:xfrm>
+      </p:grpSpPr>
+      <p:pic>
+        <p:nvPicPr>
+          <p:cNvPr id="18" name="Picture 17"/>
+          <p:cNvPicPr>
+            <a:picLocks noChangeAspect="1"/>
+          </p:cNvPicPr>
+          <p:nvPr/>
+        </p:nvPicPr>
+        <p:blipFill>
+          <a:blip r:embed="rId2">
+            <a:extLst>
+              <a:ext uri="{28A0092B-C50C-407E-A947-70E740481C1C}">
+                <a14:useLocalDpi xmlns:a14="http://schemas.microsoft.com/office/drawing/2010/main" val="0"/>
+              </a:ext>
+            </a:extLst>
+          </a:blip>
+          <a:stretch>
+            <a:fillRect/>
+          </a:stretch>
+        </p:blipFill>
+        <p:spPr>
+          <a:xfrm>
+            <a:off x="9050991" y="1326432"/>
+            <a:ext cx="2755786" cy="4260848"/>
+          </a:xfrm>
+          <a:prstGeom prst="rect">
+            <a:avLst/>
+          </a:prstGeom>
+        </p:spPr>
+      </p:pic>
+      <p:pic>
+        <p:nvPicPr>
+          <p:cNvPr id="17" name="Picture 16"/>
+          <p:cNvPicPr>
+            <a:picLocks noChangeAspect="1"/>
+          </p:cNvPicPr>
+          <p:nvPr/>
+        </p:nvPicPr>
+        <p:blipFill>
+          <a:blip r:embed="rId3">
+            <a:extLst>
+              <a:ext uri="{28A0092B-C50C-407E-A947-70E740481C1C}">
+                <a14:useLocalDpi xmlns:a14="http://schemas.microsoft.com/office/drawing/2010/main" val="0"/>
+              </a:ext>
+            </a:extLst>
+          </a:blip>
+          <a:stretch>
+            <a:fillRect/>
+          </a:stretch>
+        </p:blipFill>
+        <p:spPr>
+          <a:xfrm>
+            <a:off x="6259108" y="1343076"/>
+            <a:ext cx="2785842" cy="4244204"/>
+          </a:xfrm>
+          <a:prstGeom prst="rect">
+            <a:avLst/>
+          </a:prstGeom>
+        </p:spPr>
+      </p:pic>
+      <p:pic>
+        <p:nvPicPr>
+          <p:cNvPr id="15" name="Picture 14"/>
+          <p:cNvPicPr>
+            <a:picLocks noChangeAspect="1"/>
+          </p:cNvPicPr>
+          <p:nvPr/>
+        </p:nvPicPr>
+        <p:blipFill>
+          <a:blip r:embed="rId4">
+            <a:extLst>
+              <a:ext uri="{28A0092B-C50C-407E-A947-70E740481C1C}">
+                <a14:useLocalDpi xmlns:a14="http://schemas.microsoft.com/office/drawing/2010/main" val="0"/>
+              </a:ext>
+            </a:extLst>
+          </a:blip>
+          <a:stretch>
+            <a:fillRect/>
+          </a:stretch>
+        </p:blipFill>
+        <p:spPr>
+          <a:xfrm>
+            <a:off x="3418543" y="1270696"/>
+            <a:ext cx="2914879" cy="4372319"/>
+          </a:xfrm>
+          <a:prstGeom prst="rect">
+            <a:avLst/>
+          </a:prstGeom>
+        </p:spPr>
+      </p:pic>
+      <p:sp>
+        <p:nvSpPr>
+          <p:cNvPr id="2" name="Title 1"/>
+          <p:cNvSpPr>
+            <a:spLocks noGrp="1"/>
+          </p:cNvSpPr>
+          <p:nvPr>
+            <p:ph type="title"/>
+          </p:nvPr>
+        </p:nvSpPr>
+        <p:spPr/>
+        <p:txBody>
+          <a:bodyPr/>
+          <a:lstStyle/>
+          <a:p>
+            <a:r>
+              <a:rPr lang="de-DE" dirty="0" smtClean="0"/>
+              <a:t>Graph </a:t>
+            </a:r>
+            <a:r>
+              <a:rPr lang="de-DE" dirty="0" err="1" smtClean="0"/>
+              <a:t>theoritical</a:t>
+            </a:r>
+            <a:r>
+              <a:rPr lang="de-DE" dirty="0" smtClean="0"/>
+              <a:t> </a:t>
+            </a:r>
+            <a:r>
+              <a:rPr lang="de-DE" dirty="0" err="1" smtClean="0"/>
+              <a:t>metrics</a:t>
+            </a:r>
+            <a:endParaRPr lang="de-DE" dirty="0"/>
+          </a:p>
+        </p:txBody>
+      </p:sp>
+      <p:sp>
+        <p:nvSpPr>
+          <p:cNvPr id="9" name="Rectangle 8"/>
+          <p:cNvSpPr/>
+          <p:nvPr/>
+        </p:nvSpPr>
+        <p:spPr>
+          <a:xfrm>
+            <a:off x="346166" y="3239589"/>
+            <a:ext cx="228600" cy="411480"/>
+          </a:xfrm>
+          <a:prstGeom prst="rect">
+            <a:avLst/>
+          </a:prstGeom>
+          <a:solidFill>
+            <a:schemeClr val="bg1"/>
+          </a:solidFill>
+          <a:ln>
+            <a:solidFill>
+              <a:schemeClr val="bg1"/>
+            </a:solidFill>
+          </a:ln>
+        </p:spPr>
+        <p:style>
+          <a:lnRef idx="2">
+            <a:schemeClr val="accent1">
+              <a:shade val="50000"/>
+            </a:schemeClr>
+          </a:lnRef>
+          <a:fillRef idx="1">
+            <a:schemeClr val="accent1"/>
+          </a:fillRef>
+          <a:effectRef idx="0">
+            <a:schemeClr val="accent1"/>
+          </a:effectRef>
+          <a:fontRef idx="minor">
+            <a:schemeClr val="lt1"/>
+          </a:fontRef>
+        </p:style>
+        <p:txBody>
+          <a:bodyPr rtlCol="0" anchor="ctr"/>
+          <a:lstStyle/>
+          <a:p>
+            <a:pPr algn="ctr"/>
+            <a:endParaRPr lang="de-DE"/>
+          </a:p>
+        </p:txBody>
+      </p:sp>
+      <p:pic>
+        <p:nvPicPr>
+          <p:cNvPr id="16" name="Picture 15"/>
+          <p:cNvPicPr>
+            <a:picLocks noChangeAspect="1"/>
+          </p:cNvPicPr>
+          <p:nvPr/>
+        </p:nvPicPr>
+        <p:blipFill>
+          <a:blip r:embed="rId5">
+            <a:extLst>
+              <a:ext uri="{28A0092B-C50C-407E-A947-70E740481C1C}">
+                <a14:useLocalDpi xmlns:a14="http://schemas.microsoft.com/office/drawing/2010/main" val="0"/>
+              </a:ext>
+            </a:extLst>
+          </a:blip>
+          <a:stretch>
+            <a:fillRect/>
+          </a:stretch>
+        </p:blipFill>
+        <p:spPr>
+          <a:xfrm>
+            <a:off x="656716" y="1326432"/>
+            <a:ext cx="2840565" cy="4260848"/>
+          </a:xfrm>
+          <a:prstGeom prst="rect">
+            <a:avLst/>
+          </a:prstGeom>
+        </p:spPr>
+      </p:pic>
+      <p:sp>
+        <p:nvSpPr>
+          <p:cNvPr id="19" name="Rectangle 18"/>
+          <p:cNvSpPr/>
+          <p:nvPr/>
+        </p:nvSpPr>
+        <p:spPr>
+          <a:xfrm>
+            <a:off x="574766" y="3298371"/>
+            <a:ext cx="209005" cy="352698"/>
+          </a:xfrm>
+          <a:prstGeom prst="rect">
+            <a:avLst/>
+          </a:prstGeom>
+          <a:solidFill>
+            <a:schemeClr val="bg1"/>
+          </a:solidFill>
+          <a:ln>
+            <a:solidFill>
+              <a:schemeClr val="bg1"/>
+            </a:solidFill>
+          </a:ln>
+        </p:spPr>
+        <p:style>
+          <a:lnRef idx="2">
+            <a:schemeClr val="accent1">
+              <a:shade val="50000"/>
+            </a:schemeClr>
+          </a:lnRef>
+          <a:fillRef idx="1">
+            <a:schemeClr val="accent1"/>
+          </a:fillRef>
+          <a:effectRef idx="0">
+            <a:schemeClr val="accent1"/>
+          </a:effectRef>
+          <a:fontRef idx="minor">
+            <a:schemeClr val="lt1"/>
+          </a:fontRef>
+        </p:style>
+        <p:txBody>
+          <a:bodyPr rtlCol="0" anchor="ctr"/>
+          <a:lstStyle/>
+          <a:p>
+            <a:pPr algn="ctr"/>
+            <a:endParaRPr lang="de-DE"/>
+          </a:p>
+        </p:txBody>
+      </p:sp>
+      <p:sp>
+        <p:nvSpPr>
+          <p:cNvPr id="8" name="TextBox 7"/>
+          <p:cNvSpPr txBox="1"/>
+          <p:nvPr/>
+        </p:nvSpPr>
+        <p:spPr>
+          <a:xfrm rot="16200000">
+            <a:off x="-282991" y="3260663"/>
+            <a:ext cx="1615570" cy="369332"/>
+          </a:xfrm>
+          <a:prstGeom prst="rect">
+            <a:avLst/>
+          </a:prstGeom>
+          <a:noFill/>
+        </p:spPr>
+        <p:txBody>
+          <a:bodyPr wrap="none" rtlCol="0">
+            <a:spAutoFit/>
+          </a:bodyPr>
+          <a:lstStyle/>
+          <a:p>
+            <a:r>
+              <a:rPr lang="de-DE" dirty="0" err="1" smtClean="0"/>
+              <a:t>Averaged</a:t>
+            </a:r>
+            <a:r>
+              <a:rPr lang="de-DE" dirty="0" smtClean="0"/>
+              <a:t> </a:t>
+            </a:r>
+            <a:r>
+              <a:rPr lang="de-DE" dirty="0" err="1" smtClean="0"/>
+              <a:t>value</a:t>
+            </a:r>
+            <a:endParaRPr lang="de-DE" dirty="0"/>
+          </a:p>
+        </p:txBody>
+      </p:sp>
+    </p:spTree>
+    <p:extLst>
+      <p:ext uri="{BB962C8B-B14F-4D97-AF65-F5344CB8AC3E}">
+        <p14:creationId xmlns:p14="http://schemas.microsoft.com/office/powerpoint/2010/main" val="974067663"/>
+      </p:ext>
+    </p:extLst>
+  </p:cSld>
+  <p:clrMapOvr>
+    <a:masterClrMapping/>
+  </p:clrMapOvr>
+  <p:timing>
+    <p:tnLst>
+      <p:par>
+        <p:cTn id="1" dur="indefinite" restart="never" nodeType="tmRoot"/>
+      </p:par>
+    </p:tnLst>
+  </p:timing>
+</p:sld>
+</file>
+
+<file path=ppt/slides/slide7.xml><?xml version="1.0" encoding="utf-8"?>
+<p:sld xmlns:a="http://schemas.openxmlformats.org/drawingml/2006/main" xmlns:r="http://schemas.openxmlformats.org/officeDocument/2006/relationships" xmlns:p="http://schemas.openxmlformats.org/presentationml/2006/main">
+  <p:cSld>
+    <p:spTree>
+      <p:nvGrpSpPr>
+        <p:cNvPr id="1" name=""/>
+        <p:cNvGrpSpPr/>
+        <p:nvPr/>
+      </p:nvGrpSpPr>
+      <p:grpSpPr>
+        <a:xfrm>
+          <a:off x="0" y="0"/>
+          <a:ext cx="0" cy="0"/>
+          <a:chOff x="0" y="0"/>
+          <a:chExt cx="0" cy="0"/>
+        </a:xfrm>
+      </p:grpSpPr>
+      <p:sp>
+        <p:nvSpPr>
+          <p:cNvPr id="2" name="Title 1"/>
+          <p:cNvSpPr>
+            <a:spLocks noGrp="1"/>
+          </p:cNvSpPr>
+          <p:nvPr>
+            <p:ph type="title"/>
+          </p:nvPr>
+        </p:nvSpPr>
+        <p:spPr/>
+        <p:txBody>
+          <a:bodyPr/>
+          <a:lstStyle/>
+          <a:p>
+            <a:r>
+              <a:rPr lang="de-DE" dirty="0" err="1" smtClean="0"/>
+              <a:t>How</a:t>
+            </a:r>
+            <a:r>
+              <a:rPr lang="de-DE" dirty="0" smtClean="0"/>
+              <a:t> </a:t>
+            </a:r>
+            <a:r>
+              <a:rPr lang="de-DE" dirty="0" err="1" smtClean="0"/>
+              <a:t>about</a:t>
+            </a:r>
+            <a:r>
+              <a:rPr lang="de-DE" dirty="0" smtClean="0"/>
+              <a:t> </a:t>
+            </a:r>
+            <a:r>
+              <a:rPr lang="de-DE" dirty="0" err="1" smtClean="0"/>
+              <a:t>unweighted</a:t>
+            </a:r>
+            <a:r>
+              <a:rPr lang="de-DE" dirty="0" smtClean="0"/>
+              <a:t> </a:t>
+            </a:r>
+            <a:r>
+              <a:rPr lang="de-DE" dirty="0" err="1" smtClean="0"/>
+              <a:t>metrics</a:t>
+            </a:r>
+            <a:r>
+              <a:rPr lang="de-DE" dirty="0"/>
+              <a:t> </a:t>
+            </a:r>
+            <a:r>
+              <a:rPr lang="de-DE" dirty="0" smtClean="0"/>
+              <a:t>(</a:t>
+            </a:r>
+            <a:r>
+              <a:rPr lang="de-DE" dirty="0" err="1" smtClean="0"/>
+              <a:t>structure</a:t>
+            </a:r>
+            <a:r>
+              <a:rPr lang="de-DE" dirty="0" smtClean="0"/>
+              <a:t>)?</a:t>
+            </a:r>
+            <a:endParaRPr lang="de-DE" dirty="0"/>
+          </a:p>
+        </p:txBody>
+      </p:sp>
+      <p:sp>
+        <p:nvSpPr>
+          <p:cNvPr id="3" name="Content Placeholder 2"/>
+          <p:cNvSpPr>
+            <a:spLocks noGrp="1"/>
+          </p:cNvSpPr>
+          <p:nvPr>
+            <p:ph idx="1"/>
+          </p:nvPr>
+        </p:nvSpPr>
+        <p:spPr/>
+        <p:txBody>
+          <a:bodyPr/>
+          <a:lstStyle/>
+          <a:p>
+            <a:r>
+              <a:rPr lang="de-DE" dirty="0" err="1" smtClean="0"/>
+              <a:t>For</a:t>
+            </a:r>
+            <a:r>
+              <a:rPr lang="de-DE" dirty="0" smtClean="0"/>
+              <a:t> </a:t>
+            </a:r>
+            <a:r>
+              <a:rPr lang="de-DE" dirty="0" err="1" smtClean="0"/>
+              <a:t>that</a:t>
+            </a:r>
+            <a:r>
+              <a:rPr lang="de-DE" dirty="0" smtClean="0"/>
+              <a:t> </a:t>
+            </a:r>
+            <a:r>
+              <a:rPr lang="de-DE" dirty="0" err="1" smtClean="0"/>
+              <a:t>we</a:t>
+            </a:r>
+            <a:r>
+              <a:rPr lang="de-DE" dirty="0" smtClean="0"/>
+              <a:t> </a:t>
+            </a:r>
+            <a:r>
+              <a:rPr lang="de-DE" dirty="0" err="1" smtClean="0"/>
+              <a:t>need</a:t>
+            </a:r>
+            <a:r>
+              <a:rPr lang="de-DE" dirty="0" smtClean="0"/>
+              <a:t> </a:t>
+            </a:r>
+            <a:r>
+              <a:rPr lang="de-DE" dirty="0" err="1" smtClean="0"/>
+              <a:t>to</a:t>
+            </a:r>
+            <a:r>
+              <a:rPr lang="de-DE" dirty="0" smtClean="0"/>
+              <a:t> </a:t>
+            </a:r>
+            <a:r>
+              <a:rPr lang="de-DE" dirty="0" err="1" smtClean="0"/>
+              <a:t>prune</a:t>
+            </a:r>
+            <a:r>
+              <a:rPr lang="de-DE" dirty="0" smtClean="0"/>
+              <a:t> </a:t>
+            </a:r>
+            <a:r>
+              <a:rPr lang="de-DE" dirty="0" err="1" smtClean="0"/>
+              <a:t>the</a:t>
+            </a:r>
+            <a:r>
+              <a:rPr lang="de-DE" dirty="0" smtClean="0"/>
+              <a:t> </a:t>
+            </a:r>
+            <a:r>
+              <a:rPr lang="de-DE" dirty="0" err="1" smtClean="0"/>
+              <a:t>interaction</a:t>
+            </a:r>
+            <a:r>
+              <a:rPr lang="de-DE" dirty="0" smtClean="0"/>
+              <a:t> </a:t>
+            </a:r>
+            <a:r>
+              <a:rPr lang="de-DE" dirty="0" err="1" smtClean="0"/>
+              <a:t>graphs</a:t>
+            </a:r>
+            <a:endParaRPr lang="de-DE" dirty="0" smtClean="0"/>
+          </a:p>
+          <a:p>
+            <a:endParaRPr lang="de-DE" dirty="0"/>
+          </a:p>
+        </p:txBody>
+      </p:sp>
+      <p:pic>
+        <p:nvPicPr>
+          <p:cNvPr id="4" name="Picture 3"/>
+          <p:cNvPicPr>
+            <a:picLocks noChangeAspect="1"/>
+          </p:cNvPicPr>
+          <p:nvPr/>
+        </p:nvPicPr>
+        <p:blipFill>
+          <a:blip r:embed="rId2"/>
+          <a:stretch>
+            <a:fillRect/>
+          </a:stretch>
+        </p:blipFill>
+        <p:spPr>
+          <a:xfrm>
+            <a:off x="3312251" y="2556573"/>
+            <a:ext cx="4296864" cy="3620390"/>
+          </a:xfrm>
+          <a:prstGeom prst="rect">
+            <a:avLst/>
+          </a:prstGeom>
+        </p:spPr>
+      </p:pic>
+    </p:spTree>
+    <p:extLst>
+      <p:ext uri="{BB962C8B-B14F-4D97-AF65-F5344CB8AC3E}">
+        <p14:creationId xmlns:p14="http://schemas.microsoft.com/office/powerpoint/2010/main" val="2768428940"/>
+      </p:ext>
+    </p:extLst>
+  </p:cSld>
+  <p:clrMapOvr>
+    <a:masterClrMapping/>
+  </p:clrMapOvr>
+  <p:timing>
+    <p:tnLst>
+      <p:par>
+        <p:cTn id="1" dur="indefinite" restart="never" nodeType="tmRoot"/>
+      </p:par>
+    </p:tnLst>
+  </p:timing>
+</p:sld>
+</file>
+
+<file path=ppt/slides/slide8.xml><?xml version="1.0" encoding="utf-8"?>
 <p:sld xmlns:a="http://schemas.openxmlformats.org/drawingml/2006/main" xmlns:r="http://schemas.openxmlformats.org/officeDocument/2006/relationships" xmlns:p="http://schemas.openxmlformats.org/presentationml/2006/main">
   <p:cSld>
     <p:spTree>
@@ -5564,10 +9747,17 @@
   <p:clrMapOvr>
     <a:masterClrMapping/>
   </p:clrMapOvr>
+  <p:timing>
+    <p:tnLst>
+      <p:par>
+        <p:cTn id="1" dur="indefinite" restart="never" nodeType="tmRoot"/>
+      </p:par>
+    </p:tnLst>
+  </p:timing>
 </p:sld>
 </file>
 
-<file path=ppt/slides/slide5.xml><?xml version="1.0" encoding="utf-8"?>
+<file path=ppt/slides/slide9.xml><?xml version="1.0" encoding="utf-8"?>
 <p:sld xmlns:a="http://schemas.openxmlformats.org/drawingml/2006/main" xmlns:r="http://schemas.openxmlformats.org/officeDocument/2006/relationships" xmlns:p="http://schemas.openxmlformats.org/presentationml/2006/main">
   <p:cSld>
     <p:spTree>
@@ -6102,1435 +10292,6 @@
     <p:extLst>
       <p:ext uri="{BB962C8B-B14F-4D97-AF65-F5344CB8AC3E}">
         <p14:creationId xmlns:p14="http://schemas.microsoft.com/office/powerpoint/2010/main" val="2548864543"/>
-      </p:ext>
-    </p:extLst>
-  </p:cSld>
-  <p:clrMapOvr>
-    <a:masterClrMapping/>
-  </p:clrMapOvr>
-</p:sld>
-</file>
-
-<file path=ppt/slides/slide6.xml><?xml version="1.0" encoding="utf-8"?>
-<p:sld xmlns:a="http://schemas.openxmlformats.org/drawingml/2006/main" xmlns:r="http://schemas.openxmlformats.org/officeDocument/2006/relationships" xmlns:p="http://schemas.openxmlformats.org/presentationml/2006/main">
-  <p:cSld>
-    <p:spTree>
-      <p:nvGrpSpPr>
-        <p:cNvPr id="1" name=""/>
-        <p:cNvGrpSpPr/>
-        <p:nvPr/>
-      </p:nvGrpSpPr>
-      <p:grpSpPr>
-        <a:xfrm>
-          <a:off x="0" y="0"/>
-          <a:ext cx="0" cy="0"/>
-          <a:chOff x="0" y="0"/>
-          <a:chExt cx="0" cy="0"/>
-        </a:xfrm>
-      </p:grpSpPr>
-      <p:sp>
-        <p:nvSpPr>
-          <p:cNvPr id="2" name="Titel 1"/>
-          <p:cNvSpPr>
-            <a:spLocks noGrp="1"/>
-          </p:cNvSpPr>
-          <p:nvPr>
-            <p:ph type="title"/>
-          </p:nvPr>
-        </p:nvSpPr>
-        <p:spPr/>
-        <p:txBody>
-          <a:bodyPr anchor="t" anchorCtr="0">
-            <a:normAutofit/>
-          </a:bodyPr>
-          <a:lstStyle/>
-          <a:p>
-            <a:r>
-              <a:rPr lang="de-DE" sz="3200" b="1" dirty="0" err="1">
-                <a:latin typeface="+mn-lt"/>
-              </a:rPr>
-              <a:t>r</a:t>
-            </a:r>
-            <a:r>
-              <a:rPr lang="de-DE" sz="3200" b="1" dirty="0" err="1" smtClean="0">
-                <a:latin typeface="+mn-lt"/>
-              </a:rPr>
-              <a:t>ich</a:t>
-            </a:r>
-            <a:r>
-              <a:rPr lang="de-DE" sz="3200" b="1" dirty="0" smtClean="0">
-                <a:latin typeface="+mn-lt"/>
-              </a:rPr>
-              <a:t> </a:t>
-            </a:r>
-            <a:r>
-              <a:rPr lang="de-DE" sz="3200" b="1" dirty="0" err="1" smtClean="0">
-                <a:latin typeface="+mn-lt"/>
-              </a:rPr>
-              <a:t>clubs</a:t>
-            </a:r>
-            <a:r>
-              <a:rPr lang="de-DE" sz="3200" b="1" dirty="0" smtClean="0">
-                <a:latin typeface="+mn-lt"/>
-              </a:rPr>
-              <a:t> </a:t>
-            </a:r>
-            <a:r>
-              <a:rPr lang="de-DE" sz="3200" b="1" dirty="0" err="1" smtClean="0">
-                <a:latin typeface="+mn-lt"/>
-              </a:rPr>
-              <a:t>and</a:t>
-            </a:r>
-            <a:r>
-              <a:rPr lang="de-DE" sz="3200" b="1" dirty="0" smtClean="0">
-                <a:latin typeface="+mn-lt"/>
-              </a:rPr>
-              <a:t> </a:t>
-            </a:r>
-            <a:r>
-              <a:rPr lang="de-DE" sz="3200" b="1" dirty="0" err="1" smtClean="0">
-                <a:latin typeface="+mn-lt"/>
-              </a:rPr>
-              <a:t>chasing</a:t>
-            </a:r>
-            <a:endParaRPr lang="de-DE" sz="3200" b="1" dirty="0">
-              <a:latin typeface="+mn-lt"/>
-            </a:endParaRPr>
-          </a:p>
-        </p:txBody>
-      </p:sp>
-      <p:sp>
-        <p:nvSpPr>
-          <p:cNvPr id="7" name="Inhaltsplatzhalter 2"/>
-          <p:cNvSpPr txBox="1">
-            <a:spLocks/>
-          </p:cNvSpPr>
-          <p:nvPr/>
-        </p:nvSpPr>
-        <p:spPr>
-          <a:xfrm>
-            <a:off x="838200" y="4457582"/>
-            <a:ext cx="4448176" cy="1630363"/>
-          </a:xfrm>
-          <a:prstGeom prst="rect">
-            <a:avLst/>
-          </a:prstGeom>
-        </p:spPr>
-        <p:txBody>
-          <a:bodyPr vert="horz" lIns="91440" tIns="45720" rIns="91440" bIns="45720" rtlCol="0">
-            <a:normAutofit/>
-          </a:bodyPr>
-          <a:lstStyle>
-            <a:lvl1pPr marL="228600" indent="-228600" algn="l" defTabSz="914400" rtl="0" eaLnBrk="1" latinLnBrk="0" hangingPunct="1">
-              <a:lnSpc>
-                <a:spcPct val="90000"/>
-              </a:lnSpc>
-              <a:spcBef>
-                <a:spcPts val="1000"/>
-              </a:spcBef>
-              <a:buFont typeface="Arial" panose="020B0604020202020204" pitchFamily="34" charset="0"/>
-              <a:buChar char="•"/>
-              <a:defRPr sz="2800" kern="1200">
-                <a:solidFill>
-                  <a:schemeClr val="tx1"/>
-                </a:solidFill>
-                <a:latin typeface="+mn-lt"/>
-                <a:ea typeface="+mn-ea"/>
-                <a:cs typeface="+mn-cs"/>
-              </a:defRPr>
-            </a:lvl1pPr>
-            <a:lvl2pPr marL="685800" indent="-228600" algn="l" defTabSz="914400" rtl="0" eaLnBrk="1" latinLnBrk="0" hangingPunct="1">
-              <a:lnSpc>
-                <a:spcPct val="90000"/>
-              </a:lnSpc>
-              <a:spcBef>
-                <a:spcPts val="500"/>
-              </a:spcBef>
-              <a:buFont typeface="Arial" panose="020B0604020202020204" pitchFamily="34" charset="0"/>
-              <a:buChar char="•"/>
-              <a:defRPr sz="2400" kern="1200">
-                <a:solidFill>
-                  <a:schemeClr val="tx1"/>
-                </a:solidFill>
-                <a:latin typeface="+mn-lt"/>
-                <a:ea typeface="+mn-ea"/>
-                <a:cs typeface="+mn-cs"/>
-              </a:defRPr>
-            </a:lvl2pPr>
-            <a:lvl3pPr marL="1143000" indent="-228600" algn="l" defTabSz="914400" rtl="0" eaLnBrk="1" latinLnBrk="0" hangingPunct="1">
-              <a:lnSpc>
-                <a:spcPct val="90000"/>
-              </a:lnSpc>
-              <a:spcBef>
-                <a:spcPts val="500"/>
-              </a:spcBef>
-              <a:buFont typeface="Arial" panose="020B0604020202020204" pitchFamily="34" charset="0"/>
-              <a:buChar char="•"/>
-              <a:defRPr sz="2000" kern="1200">
-                <a:solidFill>
-                  <a:schemeClr val="tx1"/>
-                </a:solidFill>
-                <a:latin typeface="+mn-lt"/>
-                <a:ea typeface="+mn-ea"/>
-                <a:cs typeface="+mn-cs"/>
-              </a:defRPr>
-            </a:lvl3pPr>
-            <a:lvl4pPr marL="1600200" indent="-228600" algn="l" defTabSz="914400" rtl="0" eaLnBrk="1" latinLnBrk="0" hangingPunct="1">
-              <a:lnSpc>
-                <a:spcPct val="90000"/>
-              </a:lnSpc>
-              <a:spcBef>
-                <a:spcPts val="500"/>
-              </a:spcBef>
-              <a:buFont typeface="Arial" panose="020B0604020202020204" pitchFamily="34" charset="0"/>
-              <a:buChar char="•"/>
-              <a:defRPr sz="1800" kern="1200">
-                <a:solidFill>
-                  <a:schemeClr val="tx1"/>
-                </a:solidFill>
-                <a:latin typeface="+mn-lt"/>
-                <a:ea typeface="+mn-ea"/>
-                <a:cs typeface="+mn-cs"/>
-              </a:defRPr>
-            </a:lvl4pPr>
-            <a:lvl5pPr marL="2057400" indent="-228600" algn="l" defTabSz="914400" rtl="0" eaLnBrk="1" latinLnBrk="0" hangingPunct="1">
-              <a:lnSpc>
-                <a:spcPct val="90000"/>
-              </a:lnSpc>
-              <a:spcBef>
-                <a:spcPts val="500"/>
-              </a:spcBef>
-              <a:buFont typeface="Arial" panose="020B0604020202020204" pitchFamily="34" charset="0"/>
-              <a:buChar char="•"/>
-              <a:defRPr sz="1800" kern="1200">
-                <a:solidFill>
-                  <a:schemeClr val="tx1"/>
-                </a:solidFill>
-                <a:latin typeface="+mn-lt"/>
-                <a:ea typeface="+mn-ea"/>
-                <a:cs typeface="+mn-cs"/>
-              </a:defRPr>
-            </a:lvl5pPr>
-            <a:lvl6pPr marL="2514600" indent="-228600" algn="l" defTabSz="914400" rtl="0" eaLnBrk="1" latinLnBrk="0" hangingPunct="1">
-              <a:lnSpc>
-                <a:spcPct val="90000"/>
-              </a:lnSpc>
-              <a:spcBef>
-                <a:spcPts val="500"/>
-              </a:spcBef>
-              <a:buFont typeface="Arial" panose="020B0604020202020204" pitchFamily="34" charset="0"/>
-              <a:buChar char="•"/>
-              <a:defRPr sz="1800" kern="1200">
-                <a:solidFill>
-                  <a:schemeClr val="tx1"/>
-                </a:solidFill>
-                <a:latin typeface="+mn-lt"/>
-                <a:ea typeface="+mn-ea"/>
-                <a:cs typeface="+mn-cs"/>
-              </a:defRPr>
-            </a:lvl6pPr>
-            <a:lvl7pPr marL="2971800" indent="-228600" algn="l" defTabSz="914400" rtl="0" eaLnBrk="1" latinLnBrk="0" hangingPunct="1">
-              <a:lnSpc>
-                <a:spcPct val="90000"/>
-              </a:lnSpc>
-              <a:spcBef>
-                <a:spcPts val="500"/>
-              </a:spcBef>
-              <a:buFont typeface="Arial" panose="020B0604020202020204" pitchFamily="34" charset="0"/>
-              <a:buChar char="•"/>
-              <a:defRPr sz="1800" kern="1200">
-                <a:solidFill>
-                  <a:schemeClr val="tx1"/>
-                </a:solidFill>
-                <a:latin typeface="+mn-lt"/>
-                <a:ea typeface="+mn-ea"/>
-                <a:cs typeface="+mn-cs"/>
-              </a:defRPr>
-            </a:lvl7pPr>
-            <a:lvl8pPr marL="3429000" indent="-228600" algn="l" defTabSz="914400" rtl="0" eaLnBrk="1" latinLnBrk="0" hangingPunct="1">
-              <a:lnSpc>
-                <a:spcPct val="90000"/>
-              </a:lnSpc>
-              <a:spcBef>
-                <a:spcPts val="500"/>
-              </a:spcBef>
-              <a:buFont typeface="Arial" panose="020B0604020202020204" pitchFamily="34" charset="0"/>
-              <a:buChar char="•"/>
-              <a:defRPr sz="1800" kern="1200">
-                <a:solidFill>
-                  <a:schemeClr val="tx1"/>
-                </a:solidFill>
-                <a:latin typeface="+mn-lt"/>
-                <a:ea typeface="+mn-ea"/>
-                <a:cs typeface="+mn-cs"/>
-              </a:defRPr>
-            </a:lvl8pPr>
-            <a:lvl9pPr marL="3886200" indent="-228600" algn="l" defTabSz="914400" rtl="0" eaLnBrk="1" latinLnBrk="0" hangingPunct="1">
-              <a:lnSpc>
-                <a:spcPct val="90000"/>
-              </a:lnSpc>
-              <a:spcBef>
-                <a:spcPts val="500"/>
-              </a:spcBef>
-              <a:buFont typeface="Arial" panose="020B0604020202020204" pitchFamily="34" charset="0"/>
-              <a:buChar char="•"/>
-              <a:defRPr sz="1800" kern="1200">
-                <a:solidFill>
-                  <a:schemeClr val="tx1"/>
-                </a:solidFill>
-                <a:latin typeface="+mn-lt"/>
-                <a:ea typeface="+mn-ea"/>
-                <a:cs typeface="+mn-cs"/>
-              </a:defRPr>
-            </a:lvl9pPr>
-          </a:lstStyle>
-          <a:p>
-            <a:pPr marL="0" indent="0">
-              <a:buNone/>
-            </a:pPr>
-            <a:r>
-              <a:rPr lang="de-DE" sz="2000" dirty="0" smtClean="0">
-                <a:sym typeface="Wingdings" panose="05000000000000000000" pitchFamily="2" charset="2"/>
-              </a:rPr>
-              <a:t> </a:t>
-            </a:r>
-            <a:r>
-              <a:rPr lang="de-DE" sz="2000" dirty="0" err="1" smtClean="0">
-                <a:sym typeface="Wingdings" panose="05000000000000000000" pitchFamily="2" charset="2"/>
-              </a:rPr>
-              <a:t>members</a:t>
-            </a:r>
-            <a:r>
-              <a:rPr lang="de-DE" sz="2000" dirty="0" smtClean="0">
-                <a:sym typeface="Wingdings" panose="05000000000000000000" pitchFamily="2" charset="2"/>
-              </a:rPr>
-              <a:t> </a:t>
-            </a:r>
-            <a:r>
-              <a:rPr lang="de-DE" sz="2000" dirty="0" err="1" smtClean="0">
-                <a:sym typeface="Wingdings" panose="05000000000000000000" pitchFamily="2" charset="2"/>
-              </a:rPr>
-              <a:t>of</a:t>
-            </a:r>
-            <a:r>
-              <a:rPr lang="de-DE" sz="2000" dirty="0" smtClean="0">
-                <a:sym typeface="Wingdings" panose="05000000000000000000" pitchFamily="2" charset="2"/>
-              </a:rPr>
-              <a:t> </a:t>
-            </a:r>
-            <a:r>
-              <a:rPr lang="de-DE" sz="2000" dirty="0" err="1" smtClean="0">
-                <a:sym typeface="Wingdings" panose="05000000000000000000" pitchFamily="2" charset="2"/>
-              </a:rPr>
-              <a:t>the</a:t>
-            </a:r>
-            <a:r>
-              <a:rPr lang="de-DE" sz="2000" dirty="0" smtClean="0">
-                <a:sym typeface="Wingdings" panose="05000000000000000000" pitchFamily="2" charset="2"/>
-              </a:rPr>
-              <a:t> </a:t>
-            </a:r>
-            <a:r>
-              <a:rPr lang="de-DE" sz="2000" dirty="0" err="1" smtClean="0"/>
-              <a:t>rich</a:t>
-            </a:r>
-            <a:r>
-              <a:rPr lang="de-DE" sz="2000" dirty="0" smtClean="0"/>
-              <a:t> </a:t>
-            </a:r>
-            <a:r>
-              <a:rPr lang="de-DE" sz="2000" dirty="0" err="1" smtClean="0"/>
-              <a:t>club</a:t>
-            </a:r>
-            <a:r>
-              <a:rPr lang="de-DE" sz="2000" dirty="0" smtClean="0"/>
-              <a:t> </a:t>
-            </a:r>
-            <a:r>
-              <a:rPr lang="de-DE" sz="2000" dirty="0" err="1" smtClean="0"/>
-              <a:t>participate</a:t>
-            </a:r>
-            <a:r>
-              <a:rPr lang="de-DE" sz="2000" dirty="0" smtClean="0"/>
-              <a:t> </a:t>
-            </a:r>
-            <a:r>
-              <a:rPr lang="de-DE" sz="2000" dirty="0" err="1" smtClean="0"/>
-              <a:t>more</a:t>
-            </a:r>
-            <a:r>
-              <a:rPr lang="de-DE" sz="2000" dirty="0" smtClean="0"/>
-              <a:t> in </a:t>
-            </a:r>
-            <a:r>
-              <a:rPr lang="de-DE" sz="2000" dirty="0" err="1" smtClean="0"/>
-              <a:t>chasings</a:t>
-            </a:r>
-            <a:endParaRPr lang="de-DE" sz="2000" dirty="0"/>
-          </a:p>
-          <a:p>
-            <a:pPr marL="0" indent="0">
-              <a:buNone/>
-            </a:pPr>
-            <a:endParaRPr lang="de-DE" sz="2000" dirty="0"/>
-          </a:p>
-        </p:txBody>
-      </p:sp>
-      <p:pic>
-        <p:nvPicPr>
-          <p:cNvPr id="8" name="Grafik 7"/>
-          <p:cNvPicPr>
-            <a:picLocks noChangeAspect="1"/>
-          </p:cNvPicPr>
-          <p:nvPr/>
-        </p:nvPicPr>
-        <p:blipFill>
-          <a:blip r:embed="rId2">
-            <a:extLst>
-              <a:ext uri="{28A0092B-C50C-407E-A947-70E740481C1C}">
-                <a14:useLocalDpi xmlns:a14="http://schemas.microsoft.com/office/drawing/2010/main" val="0"/>
-              </a:ext>
-            </a:extLst>
-          </a:blip>
-          <a:stretch>
-            <a:fillRect/>
-          </a:stretch>
-        </p:blipFill>
-        <p:spPr>
-          <a:xfrm>
-            <a:off x="6029324" y="960594"/>
-            <a:ext cx="5040001" cy="2520000"/>
-          </a:xfrm>
-          <a:prstGeom prst="rect">
-            <a:avLst/>
-          </a:prstGeom>
-        </p:spPr>
-      </p:pic>
-      <p:pic>
-        <p:nvPicPr>
-          <p:cNvPr id="12" name="Grafik 11"/>
-          <p:cNvPicPr>
-            <a:picLocks noChangeAspect="1"/>
-          </p:cNvPicPr>
-          <p:nvPr/>
-        </p:nvPicPr>
-        <p:blipFill>
-          <a:blip r:embed="rId3">
-            <a:extLst>
-              <a:ext uri="{28A0092B-C50C-407E-A947-70E740481C1C}">
-                <a14:useLocalDpi xmlns:a14="http://schemas.microsoft.com/office/drawing/2010/main" val="0"/>
-              </a:ext>
-            </a:extLst>
-          </a:blip>
-          <a:stretch>
-            <a:fillRect/>
-          </a:stretch>
-        </p:blipFill>
-        <p:spPr>
-          <a:xfrm>
-            <a:off x="6029324" y="3667125"/>
-            <a:ext cx="5039999" cy="2520000"/>
-          </a:xfrm>
-          <a:prstGeom prst="rect">
-            <a:avLst/>
-          </a:prstGeom>
-        </p:spPr>
-      </p:pic>
-      <p:pic>
-        <p:nvPicPr>
-          <p:cNvPr id="20" name="Grafik 19"/>
-          <p:cNvPicPr>
-            <a:picLocks noChangeAspect="1"/>
-          </p:cNvPicPr>
-          <p:nvPr/>
-        </p:nvPicPr>
-        <p:blipFill>
-          <a:blip r:embed="rId4" cstate="print">
-            <a:extLst>
-              <a:ext uri="{28A0092B-C50C-407E-A947-70E740481C1C}">
-                <a14:useLocalDpi xmlns:a14="http://schemas.microsoft.com/office/drawing/2010/main" val="0"/>
-              </a:ext>
-            </a:extLst>
-          </a:blip>
-          <a:stretch>
-            <a:fillRect/>
-          </a:stretch>
-        </p:blipFill>
-        <p:spPr>
-          <a:xfrm>
-            <a:off x="334510" y="1337103"/>
-            <a:ext cx="5211535" cy="1806148"/>
-          </a:xfrm>
-          <a:prstGeom prst="rect">
-            <a:avLst/>
-          </a:prstGeom>
-        </p:spPr>
-      </p:pic>
-      <p:sp>
-        <p:nvSpPr>
-          <p:cNvPr id="30" name="Inhaltsplatzhalter 2"/>
-          <p:cNvSpPr txBox="1">
-            <a:spLocks/>
-          </p:cNvSpPr>
-          <p:nvPr/>
-        </p:nvSpPr>
-        <p:spPr>
-          <a:xfrm>
-            <a:off x="334509" y="3228976"/>
-            <a:ext cx="5542415" cy="361949"/>
-          </a:xfrm>
-          <a:prstGeom prst="rect">
-            <a:avLst/>
-          </a:prstGeom>
-        </p:spPr>
-        <p:txBody>
-          <a:bodyPr vert="horz" lIns="91440" tIns="45720" rIns="91440" bIns="45720" rtlCol="0">
-            <a:normAutofit/>
-          </a:bodyPr>
-          <a:lstStyle>
-            <a:lvl1pPr marL="228600" indent="-228600" algn="l" defTabSz="914400" rtl="0" eaLnBrk="1" latinLnBrk="0" hangingPunct="1">
-              <a:lnSpc>
-                <a:spcPct val="90000"/>
-              </a:lnSpc>
-              <a:spcBef>
-                <a:spcPts val="1000"/>
-              </a:spcBef>
-              <a:buFont typeface="Arial" panose="020B0604020202020204" pitchFamily="34" charset="0"/>
-              <a:buChar char="•"/>
-              <a:defRPr sz="2800" kern="1200">
-                <a:solidFill>
-                  <a:schemeClr val="tx1"/>
-                </a:solidFill>
-                <a:latin typeface="+mn-lt"/>
-                <a:ea typeface="+mn-ea"/>
-                <a:cs typeface="+mn-cs"/>
-              </a:defRPr>
-            </a:lvl1pPr>
-            <a:lvl2pPr marL="685800" indent="-228600" algn="l" defTabSz="914400" rtl="0" eaLnBrk="1" latinLnBrk="0" hangingPunct="1">
-              <a:lnSpc>
-                <a:spcPct val="90000"/>
-              </a:lnSpc>
-              <a:spcBef>
-                <a:spcPts val="500"/>
-              </a:spcBef>
-              <a:buFont typeface="Arial" panose="020B0604020202020204" pitchFamily="34" charset="0"/>
-              <a:buChar char="•"/>
-              <a:defRPr sz="2400" kern="1200">
-                <a:solidFill>
-                  <a:schemeClr val="tx1"/>
-                </a:solidFill>
-                <a:latin typeface="+mn-lt"/>
-                <a:ea typeface="+mn-ea"/>
-                <a:cs typeface="+mn-cs"/>
-              </a:defRPr>
-            </a:lvl2pPr>
-            <a:lvl3pPr marL="1143000" indent="-228600" algn="l" defTabSz="914400" rtl="0" eaLnBrk="1" latinLnBrk="0" hangingPunct="1">
-              <a:lnSpc>
-                <a:spcPct val="90000"/>
-              </a:lnSpc>
-              <a:spcBef>
-                <a:spcPts val="500"/>
-              </a:spcBef>
-              <a:buFont typeface="Arial" panose="020B0604020202020204" pitchFamily="34" charset="0"/>
-              <a:buChar char="•"/>
-              <a:defRPr sz="2000" kern="1200">
-                <a:solidFill>
-                  <a:schemeClr val="tx1"/>
-                </a:solidFill>
-                <a:latin typeface="+mn-lt"/>
-                <a:ea typeface="+mn-ea"/>
-                <a:cs typeface="+mn-cs"/>
-              </a:defRPr>
-            </a:lvl3pPr>
-            <a:lvl4pPr marL="1600200" indent="-228600" algn="l" defTabSz="914400" rtl="0" eaLnBrk="1" latinLnBrk="0" hangingPunct="1">
-              <a:lnSpc>
-                <a:spcPct val="90000"/>
-              </a:lnSpc>
-              <a:spcBef>
-                <a:spcPts val="500"/>
-              </a:spcBef>
-              <a:buFont typeface="Arial" panose="020B0604020202020204" pitchFamily="34" charset="0"/>
-              <a:buChar char="•"/>
-              <a:defRPr sz="1800" kern="1200">
-                <a:solidFill>
-                  <a:schemeClr val="tx1"/>
-                </a:solidFill>
-                <a:latin typeface="+mn-lt"/>
-                <a:ea typeface="+mn-ea"/>
-                <a:cs typeface="+mn-cs"/>
-              </a:defRPr>
-            </a:lvl4pPr>
-            <a:lvl5pPr marL="2057400" indent="-228600" algn="l" defTabSz="914400" rtl="0" eaLnBrk="1" latinLnBrk="0" hangingPunct="1">
-              <a:lnSpc>
-                <a:spcPct val="90000"/>
-              </a:lnSpc>
-              <a:spcBef>
-                <a:spcPts val="500"/>
-              </a:spcBef>
-              <a:buFont typeface="Arial" panose="020B0604020202020204" pitchFamily="34" charset="0"/>
-              <a:buChar char="•"/>
-              <a:defRPr sz="1800" kern="1200">
-                <a:solidFill>
-                  <a:schemeClr val="tx1"/>
-                </a:solidFill>
-                <a:latin typeface="+mn-lt"/>
-                <a:ea typeface="+mn-ea"/>
-                <a:cs typeface="+mn-cs"/>
-              </a:defRPr>
-            </a:lvl5pPr>
-            <a:lvl6pPr marL="2514600" indent="-228600" algn="l" defTabSz="914400" rtl="0" eaLnBrk="1" latinLnBrk="0" hangingPunct="1">
-              <a:lnSpc>
-                <a:spcPct val="90000"/>
-              </a:lnSpc>
-              <a:spcBef>
-                <a:spcPts val="500"/>
-              </a:spcBef>
-              <a:buFont typeface="Arial" panose="020B0604020202020204" pitchFamily="34" charset="0"/>
-              <a:buChar char="•"/>
-              <a:defRPr sz="1800" kern="1200">
-                <a:solidFill>
-                  <a:schemeClr val="tx1"/>
-                </a:solidFill>
-                <a:latin typeface="+mn-lt"/>
-                <a:ea typeface="+mn-ea"/>
-                <a:cs typeface="+mn-cs"/>
-              </a:defRPr>
-            </a:lvl6pPr>
-            <a:lvl7pPr marL="2971800" indent="-228600" algn="l" defTabSz="914400" rtl="0" eaLnBrk="1" latinLnBrk="0" hangingPunct="1">
-              <a:lnSpc>
-                <a:spcPct val="90000"/>
-              </a:lnSpc>
-              <a:spcBef>
-                <a:spcPts val="500"/>
-              </a:spcBef>
-              <a:buFont typeface="Arial" panose="020B0604020202020204" pitchFamily="34" charset="0"/>
-              <a:buChar char="•"/>
-              <a:defRPr sz="1800" kern="1200">
-                <a:solidFill>
-                  <a:schemeClr val="tx1"/>
-                </a:solidFill>
-                <a:latin typeface="+mn-lt"/>
-                <a:ea typeface="+mn-ea"/>
-                <a:cs typeface="+mn-cs"/>
-              </a:defRPr>
-            </a:lvl7pPr>
-            <a:lvl8pPr marL="3429000" indent="-228600" algn="l" defTabSz="914400" rtl="0" eaLnBrk="1" latinLnBrk="0" hangingPunct="1">
-              <a:lnSpc>
-                <a:spcPct val="90000"/>
-              </a:lnSpc>
-              <a:spcBef>
-                <a:spcPts val="500"/>
-              </a:spcBef>
-              <a:buFont typeface="Arial" panose="020B0604020202020204" pitchFamily="34" charset="0"/>
-              <a:buChar char="•"/>
-              <a:defRPr sz="1800" kern="1200">
-                <a:solidFill>
-                  <a:schemeClr val="tx1"/>
-                </a:solidFill>
-                <a:latin typeface="+mn-lt"/>
-                <a:ea typeface="+mn-ea"/>
-                <a:cs typeface="+mn-cs"/>
-              </a:defRPr>
-            </a:lvl8pPr>
-            <a:lvl9pPr marL="3886200" indent="-228600" algn="l" defTabSz="914400" rtl="0" eaLnBrk="1" latinLnBrk="0" hangingPunct="1">
-              <a:lnSpc>
-                <a:spcPct val="90000"/>
-              </a:lnSpc>
-              <a:spcBef>
-                <a:spcPts val="500"/>
-              </a:spcBef>
-              <a:buFont typeface="Arial" panose="020B0604020202020204" pitchFamily="34" charset="0"/>
-              <a:buChar char="•"/>
-              <a:defRPr sz="1800" kern="1200">
-                <a:solidFill>
-                  <a:schemeClr val="tx1"/>
-                </a:solidFill>
-                <a:latin typeface="+mn-lt"/>
-                <a:ea typeface="+mn-ea"/>
-                <a:cs typeface="+mn-cs"/>
-              </a:defRPr>
-            </a:lvl9pPr>
-          </a:lstStyle>
-          <a:p>
-            <a:pPr marL="0" indent="0">
-              <a:buNone/>
-            </a:pPr>
-            <a:r>
-              <a:rPr lang="de-DE" sz="1400" dirty="0" err="1" smtClean="0"/>
-              <a:t>Examples</a:t>
-            </a:r>
-            <a:r>
-              <a:rPr lang="de-DE" sz="1400" dirty="0" smtClean="0"/>
-              <a:t> </a:t>
-            </a:r>
-            <a:r>
-              <a:rPr lang="de-DE" sz="1400" dirty="0" err="1" smtClean="0"/>
-              <a:t>of</a:t>
-            </a:r>
-            <a:r>
-              <a:rPr lang="de-DE" sz="1400" dirty="0" smtClean="0"/>
-              <a:t> different </a:t>
-            </a:r>
-            <a:r>
-              <a:rPr lang="de-DE" sz="1400" dirty="0" err="1" smtClean="0"/>
-              <a:t>thresholding</a:t>
-            </a:r>
-            <a:r>
-              <a:rPr lang="de-DE" sz="1400" dirty="0" smtClean="0"/>
-              <a:t> on </a:t>
-            </a:r>
-            <a:r>
-              <a:rPr lang="de-DE" sz="1400" dirty="0" err="1" smtClean="0"/>
-              <a:t>the</a:t>
-            </a:r>
-            <a:r>
-              <a:rPr lang="de-DE" sz="1400" dirty="0" smtClean="0"/>
-              <a:t> </a:t>
-            </a:r>
-            <a:r>
-              <a:rPr lang="de-DE" sz="1400" dirty="0" err="1" smtClean="0"/>
-              <a:t>chasing</a:t>
-            </a:r>
-            <a:r>
-              <a:rPr lang="de-DE" sz="1400" dirty="0" smtClean="0"/>
-              <a:t> </a:t>
-            </a:r>
-            <a:r>
-              <a:rPr lang="de-DE" sz="1400" dirty="0" err="1" smtClean="0"/>
-              <a:t>network</a:t>
-            </a:r>
-            <a:endParaRPr lang="de-DE" sz="1400" dirty="0"/>
-          </a:p>
-        </p:txBody>
-      </p:sp>
-      <p:sp>
-        <p:nvSpPr>
-          <p:cNvPr id="21" name="Textfeld 20"/>
-          <p:cNvSpPr txBox="1"/>
-          <p:nvPr/>
-        </p:nvSpPr>
-        <p:spPr>
-          <a:xfrm rot="20540113" flipH="1">
-            <a:off x="4743103" y="4672600"/>
-            <a:ext cx="2705794" cy="1200329"/>
-          </a:xfrm>
-          <a:prstGeom prst="rect">
-            <a:avLst/>
-          </a:prstGeom>
-          <a:noFill/>
-        </p:spPr>
-        <p:txBody>
-          <a:bodyPr wrap="square" rtlCol="0">
-            <a:spAutoFit/>
-          </a:bodyPr>
-          <a:lstStyle/>
-          <a:p>
-            <a:r>
-              <a:rPr lang="de-DE" sz="2400" b="1" dirty="0" err="1" smtClean="0">
-                <a:solidFill>
-                  <a:srgbClr val="FF0000"/>
-                </a:solidFill>
-              </a:rPr>
-              <a:t>Is</a:t>
-            </a:r>
-            <a:r>
-              <a:rPr lang="de-DE" sz="2400" b="1" dirty="0" smtClean="0">
-                <a:solidFill>
-                  <a:srgbClr val="FF0000"/>
-                </a:solidFill>
-              </a:rPr>
-              <a:t> </a:t>
-            </a:r>
-            <a:r>
-              <a:rPr lang="de-DE" sz="2400" b="1" dirty="0" err="1" smtClean="0">
-                <a:solidFill>
-                  <a:srgbClr val="FF0000"/>
-                </a:solidFill>
-              </a:rPr>
-              <a:t>it</a:t>
-            </a:r>
-            <a:r>
-              <a:rPr lang="de-DE" sz="2400" b="1" dirty="0" smtClean="0">
-                <a:solidFill>
-                  <a:srgbClr val="FF0000"/>
-                </a:solidFill>
-              </a:rPr>
-              <a:t> </a:t>
-            </a:r>
-            <a:r>
-              <a:rPr lang="de-DE" sz="2400" b="1" dirty="0" err="1" smtClean="0">
-                <a:solidFill>
-                  <a:srgbClr val="FF0000"/>
-                </a:solidFill>
-              </a:rPr>
-              <a:t>combining</a:t>
-            </a:r>
-            <a:r>
-              <a:rPr lang="de-DE" sz="2400" b="1" dirty="0" smtClean="0">
-                <a:solidFill>
-                  <a:srgbClr val="FF0000"/>
-                </a:solidFill>
-              </a:rPr>
-              <a:t> „</a:t>
-            </a:r>
-            <a:r>
-              <a:rPr lang="de-DE" sz="2400" b="1" dirty="0" err="1" smtClean="0">
-                <a:solidFill>
-                  <a:srgbClr val="FF0000"/>
-                </a:solidFill>
-              </a:rPr>
-              <a:t>chasing</a:t>
-            </a:r>
-            <a:r>
-              <a:rPr lang="de-DE" sz="2400" b="1" dirty="0" smtClean="0">
-                <a:solidFill>
-                  <a:srgbClr val="FF0000"/>
-                </a:solidFill>
-              </a:rPr>
-              <a:t>“ </a:t>
-            </a:r>
-            <a:r>
-              <a:rPr lang="de-DE" sz="2400" b="1" dirty="0" err="1" smtClean="0">
-                <a:solidFill>
-                  <a:srgbClr val="FF0000"/>
-                </a:solidFill>
-              </a:rPr>
-              <a:t>and</a:t>
-            </a:r>
-            <a:r>
-              <a:rPr lang="de-DE" sz="2400" b="1" dirty="0" smtClean="0">
-                <a:solidFill>
-                  <a:srgbClr val="FF0000"/>
-                </a:solidFill>
-              </a:rPr>
-              <a:t> „</a:t>
-            </a:r>
-            <a:r>
-              <a:rPr lang="de-DE" sz="2400" b="1" dirty="0" err="1" smtClean="0">
-                <a:solidFill>
-                  <a:srgbClr val="FF0000"/>
-                </a:solidFill>
-              </a:rPr>
-              <a:t>being</a:t>
-            </a:r>
-            <a:r>
-              <a:rPr lang="de-DE" sz="2400" b="1" dirty="0" smtClean="0">
-                <a:solidFill>
-                  <a:srgbClr val="FF0000"/>
-                </a:solidFill>
-              </a:rPr>
-              <a:t> </a:t>
-            </a:r>
-            <a:r>
-              <a:rPr lang="de-DE" sz="2400" b="1" dirty="0" err="1" smtClean="0">
-                <a:solidFill>
-                  <a:srgbClr val="FF0000"/>
-                </a:solidFill>
-              </a:rPr>
-              <a:t>chased</a:t>
-            </a:r>
-            <a:r>
-              <a:rPr lang="de-DE" sz="2400" b="1" dirty="0" smtClean="0">
-                <a:solidFill>
-                  <a:srgbClr val="FF0000"/>
-                </a:solidFill>
-              </a:rPr>
-              <a:t>“ </a:t>
-            </a:r>
-            <a:endParaRPr lang="de-DE" sz="2400" b="1" dirty="0">
-              <a:solidFill>
-                <a:srgbClr val="FF0000"/>
-              </a:solidFill>
-            </a:endParaRPr>
-          </a:p>
-        </p:txBody>
-      </p:sp>
-    </p:spTree>
-    <p:extLst>
-      <p:ext uri="{BB962C8B-B14F-4D97-AF65-F5344CB8AC3E}">
-        <p14:creationId xmlns:p14="http://schemas.microsoft.com/office/powerpoint/2010/main" val="2866130255"/>
-      </p:ext>
-    </p:extLst>
-  </p:cSld>
-  <p:clrMapOvr>
-    <a:masterClrMapping/>
-  </p:clrMapOvr>
-</p:sld>
-</file>
-
-<file path=ppt/slides/slide7.xml><?xml version="1.0" encoding="utf-8"?>
-<p:sld xmlns:a="http://schemas.openxmlformats.org/drawingml/2006/main" xmlns:r="http://schemas.openxmlformats.org/officeDocument/2006/relationships" xmlns:p="http://schemas.openxmlformats.org/presentationml/2006/main">
-  <p:cSld>
-    <p:spTree>
-      <p:nvGrpSpPr>
-        <p:cNvPr id="1" name=""/>
-        <p:cNvGrpSpPr/>
-        <p:nvPr/>
-      </p:nvGrpSpPr>
-      <p:grpSpPr>
-        <a:xfrm>
-          <a:off x="0" y="0"/>
-          <a:ext cx="0" cy="0"/>
-          <a:chOff x="0" y="0"/>
-          <a:chExt cx="0" cy="0"/>
-        </a:xfrm>
-      </p:grpSpPr>
-      <p:sp>
-        <p:nvSpPr>
-          <p:cNvPr id="2" name="Titel 1"/>
-          <p:cNvSpPr>
-            <a:spLocks noGrp="1"/>
-          </p:cNvSpPr>
-          <p:nvPr>
-            <p:ph type="title"/>
-          </p:nvPr>
-        </p:nvSpPr>
-        <p:spPr/>
-        <p:txBody>
-          <a:bodyPr anchor="t" anchorCtr="0">
-            <a:normAutofit/>
-          </a:bodyPr>
-          <a:lstStyle/>
-          <a:p>
-            <a:r>
-              <a:rPr lang="de-DE" sz="3200" b="1" dirty="0">
-                <a:latin typeface="+mn-lt"/>
-              </a:rPr>
-              <a:t>OXTR</a:t>
-            </a:r>
-            <a:r>
-              <a:rPr lang="el-GR" sz="3200" b="1" baseline="30000" dirty="0">
-                <a:latin typeface="+mn-lt"/>
-              </a:rPr>
-              <a:t>Δ</a:t>
-            </a:r>
-            <a:r>
-              <a:rPr lang="de-DE" sz="3200" b="1" baseline="30000" dirty="0">
-                <a:latin typeface="+mn-lt"/>
-              </a:rPr>
-              <a:t>AON</a:t>
-            </a:r>
-            <a:r>
-              <a:rPr lang="de-DE" sz="3200" b="1" dirty="0">
-                <a:latin typeface="+mn-lt"/>
-              </a:rPr>
-              <a:t> </a:t>
-            </a:r>
-            <a:r>
-              <a:rPr lang="de-DE" sz="3200" b="1" dirty="0" err="1">
-                <a:latin typeface="+mn-lt"/>
-              </a:rPr>
-              <a:t>vs</a:t>
-            </a:r>
-            <a:r>
-              <a:rPr lang="de-DE" sz="3200" b="1" dirty="0">
-                <a:latin typeface="+mn-lt"/>
-              </a:rPr>
-              <a:t> </a:t>
-            </a:r>
-            <a:r>
-              <a:rPr lang="de-DE" sz="3200" b="1" dirty="0" err="1">
-                <a:latin typeface="+mn-lt"/>
-              </a:rPr>
-              <a:t>control</a:t>
-            </a:r>
-            <a:r>
-              <a:rPr lang="de-DE" sz="3200" b="1" dirty="0">
-                <a:latin typeface="+mn-lt"/>
-              </a:rPr>
-              <a:t> </a:t>
-            </a:r>
-            <a:r>
-              <a:rPr lang="de-DE" sz="3200" b="1" dirty="0" err="1">
-                <a:latin typeface="+mn-lt"/>
-              </a:rPr>
-              <a:t>animals</a:t>
-            </a:r>
-            <a:r>
-              <a:rPr lang="de-DE" sz="3200" b="1" dirty="0">
-                <a:latin typeface="+mn-lt"/>
-              </a:rPr>
-              <a:t>: </a:t>
-            </a:r>
-            <a:r>
-              <a:rPr lang="de-DE" sz="3200" b="1" dirty="0" err="1" smtClean="0">
-                <a:latin typeface="+mn-lt"/>
-              </a:rPr>
-              <a:t>rich</a:t>
-            </a:r>
-            <a:r>
-              <a:rPr lang="de-DE" sz="3200" b="1" dirty="0" smtClean="0">
-                <a:latin typeface="+mn-lt"/>
-              </a:rPr>
-              <a:t> </a:t>
-            </a:r>
-            <a:r>
-              <a:rPr lang="de-DE" sz="3200" b="1" dirty="0" err="1" smtClean="0">
-                <a:latin typeface="+mn-lt"/>
-              </a:rPr>
-              <a:t>club</a:t>
-            </a:r>
-            <a:endParaRPr lang="de-DE" sz="3200" b="1" dirty="0">
-              <a:latin typeface="+mn-lt"/>
-            </a:endParaRPr>
-          </a:p>
-        </p:txBody>
-      </p:sp>
-      <p:pic>
-        <p:nvPicPr>
-          <p:cNvPr id="8" name="Grafik 7"/>
-          <p:cNvPicPr>
-            <a:picLocks noChangeAspect="1"/>
-          </p:cNvPicPr>
-          <p:nvPr/>
-        </p:nvPicPr>
-        <p:blipFill>
-          <a:blip r:embed="rId2" cstate="print">
-            <a:extLst>
-              <a:ext uri="{28A0092B-C50C-407E-A947-70E740481C1C}">
-                <a14:useLocalDpi xmlns:a14="http://schemas.microsoft.com/office/drawing/2010/main" val="0"/>
-              </a:ext>
-            </a:extLst>
-          </a:blip>
-          <a:stretch>
-            <a:fillRect/>
-          </a:stretch>
-        </p:blipFill>
-        <p:spPr>
-          <a:xfrm>
-            <a:off x="666246" y="1393783"/>
-            <a:ext cx="5607019" cy="1595437"/>
-          </a:xfrm>
-          <a:prstGeom prst="rect">
-            <a:avLst/>
-          </a:prstGeom>
-        </p:spPr>
-      </p:pic>
-      <p:sp>
-        <p:nvSpPr>
-          <p:cNvPr id="12" name="Inhaltsplatzhalter 2"/>
-          <p:cNvSpPr txBox="1">
-            <a:spLocks/>
-          </p:cNvSpPr>
-          <p:nvPr/>
-        </p:nvSpPr>
-        <p:spPr>
-          <a:xfrm>
-            <a:off x="7029450" y="2494905"/>
-            <a:ext cx="4533900" cy="2446421"/>
-          </a:xfrm>
-          <a:prstGeom prst="rect">
-            <a:avLst/>
-          </a:prstGeom>
-        </p:spPr>
-        <p:txBody>
-          <a:bodyPr vert="horz" lIns="91440" tIns="45720" rIns="91440" bIns="45720" rtlCol="0">
-            <a:normAutofit/>
-          </a:bodyPr>
-          <a:lstStyle>
-            <a:lvl1pPr marL="228600" indent="-228600" algn="l" defTabSz="914400" rtl="0" eaLnBrk="1" latinLnBrk="0" hangingPunct="1">
-              <a:lnSpc>
-                <a:spcPct val="90000"/>
-              </a:lnSpc>
-              <a:spcBef>
-                <a:spcPts val="1000"/>
-              </a:spcBef>
-              <a:buFont typeface="Arial" panose="020B0604020202020204" pitchFamily="34" charset="0"/>
-              <a:buChar char="•"/>
-              <a:defRPr sz="2800" kern="1200">
-                <a:solidFill>
-                  <a:schemeClr val="tx1"/>
-                </a:solidFill>
-                <a:latin typeface="+mn-lt"/>
-                <a:ea typeface="+mn-ea"/>
-                <a:cs typeface="+mn-cs"/>
-              </a:defRPr>
-            </a:lvl1pPr>
-            <a:lvl2pPr marL="685800" indent="-228600" algn="l" defTabSz="914400" rtl="0" eaLnBrk="1" latinLnBrk="0" hangingPunct="1">
-              <a:lnSpc>
-                <a:spcPct val="90000"/>
-              </a:lnSpc>
-              <a:spcBef>
-                <a:spcPts val="500"/>
-              </a:spcBef>
-              <a:buFont typeface="Arial" panose="020B0604020202020204" pitchFamily="34" charset="0"/>
-              <a:buChar char="•"/>
-              <a:defRPr sz="2400" kern="1200">
-                <a:solidFill>
-                  <a:schemeClr val="tx1"/>
-                </a:solidFill>
-                <a:latin typeface="+mn-lt"/>
-                <a:ea typeface="+mn-ea"/>
-                <a:cs typeface="+mn-cs"/>
-              </a:defRPr>
-            </a:lvl2pPr>
-            <a:lvl3pPr marL="1143000" indent="-228600" algn="l" defTabSz="914400" rtl="0" eaLnBrk="1" latinLnBrk="0" hangingPunct="1">
-              <a:lnSpc>
-                <a:spcPct val="90000"/>
-              </a:lnSpc>
-              <a:spcBef>
-                <a:spcPts val="500"/>
-              </a:spcBef>
-              <a:buFont typeface="Arial" panose="020B0604020202020204" pitchFamily="34" charset="0"/>
-              <a:buChar char="•"/>
-              <a:defRPr sz="2000" kern="1200">
-                <a:solidFill>
-                  <a:schemeClr val="tx1"/>
-                </a:solidFill>
-                <a:latin typeface="+mn-lt"/>
-                <a:ea typeface="+mn-ea"/>
-                <a:cs typeface="+mn-cs"/>
-              </a:defRPr>
-            </a:lvl3pPr>
-            <a:lvl4pPr marL="1600200" indent="-228600" algn="l" defTabSz="914400" rtl="0" eaLnBrk="1" latinLnBrk="0" hangingPunct="1">
-              <a:lnSpc>
-                <a:spcPct val="90000"/>
-              </a:lnSpc>
-              <a:spcBef>
-                <a:spcPts val="500"/>
-              </a:spcBef>
-              <a:buFont typeface="Arial" panose="020B0604020202020204" pitchFamily="34" charset="0"/>
-              <a:buChar char="•"/>
-              <a:defRPr sz="1800" kern="1200">
-                <a:solidFill>
-                  <a:schemeClr val="tx1"/>
-                </a:solidFill>
-                <a:latin typeface="+mn-lt"/>
-                <a:ea typeface="+mn-ea"/>
-                <a:cs typeface="+mn-cs"/>
-              </a:defRPr>
-            </a:lvl4pPr>
-            <a:lvl5pPr marL="2057400" indent="-228600" algn="l" defTabSz="914400" rtl="0" eaLnBrk="1" latinLnBrk="0" hangingPunct="1">
-              <a:lnSpc>
-                <a:spcPct val="90000"/>
-              </a:lnSpc>
-              <a:spcBef>
-                <a:spcPts val="500"/>
-              </a:spcBef>
-              <a:buFont typeface="Arial" panose="020B0604020202020204" pitchFamily="34" charset="0"/>
-              <a:buChar char="•"/>
-              <a:defRPr sz="1800" kern="1200">
-                <a:solidFill>
-                  <a:schemeClr val="tx1"/>
-                </a:solidFill>
-                <a:latin typeface="+mn-lt"/>
-                <a:ea typeface="+mn-ea"/>
-                <a:cs typeface="+mn-cs"/>
-              </a:defRPr>
-            </a:lvl5pPr>
-            <a:lvl6pPr marL="2514600" indent="-228600" algn="l" defTabSz="914400" rtl="0" eaLnBrk="1" latinLnBrk="0" hangingPunct="1">
-              <a:lnSpc>
-                <a:spcPct val="90000"/>
-              </a:lnSpc>
-              <a:spcBef>
-                <a:spcPts val="500"/>
-              </a:spcBef>
-              <a:buFont typeface="Arial" panose="020B0604020202020204" pitchFamily="34" charset="0"/>
-              <a:buChar char="•"/>
-              <a:defRPr sz="1800" kern="1200">
-                <a:solidFill>
-                  <a:schemeClr val="tx1"/>
-                </a:solidFill>
-                <a:latin typeface="+mn-lt"/>
-                <a:ea typeface="+mn-ea"/>
-                <a:cs typeface="+mn-cs"/>
-              </a:defRPr>
-            </a:lvl6pPr>
-            <a:lvl7pPr marL="2971800" indent="-228600" algn="l" defTabSz="914400" rtl="0" eaLnBrk="1" latinLnBrk="0" hangingPunct="1">
-              <a:lnSpc>
-                <a:spcPct val="90000"/>
-              </a:lnSpc>
-              <a:spcBef>
-                <a:spcPts val="500"/>
-              </a:spcBef>
-              <a:buFont typeface="Arial" panose="020B0604020202020204" pitchFamily="34" charset="0"/>
-              <a:buChar char="•"/>
-              <a:defRPr sz="1800" kern="1200">
-                <a:solidFill>
-                  <a:schemeClr val="tx1"/>
-                </a:solidFill>
-                <a:latin typeface="+mn-lt"/>
-                <a:ea typeface="+mn-ea"/>
-                <a:cs typeface="+mn-cs"/>
-              </a:defRPr>
-            </a:lvl7pPr>
-            <a:lvl8pPr marL="3429000" indent="-228600" algn="l" defTabSz="914400" rtl="0" eaLnBrk="1" latinLnBrk="0" hangingPunct="1">
-              <a:lnSpc>
-                <a:spcPct val="90000"/>
-              </a:lnSpc>
-              <a:spcBef>
-                <a:spcPts val="500"/>
-              </a:spcBef>
-              <a:buFont typeface="Arial" panose="020B0604020202020204" pitchFamily="34" charset="0"/>
-              <a:buChar char="•"/>
-              <a:defRPr sz="1800" kern="1200">
-                <a:solidFill>
-                  <a:schemeClr val="tx1"/>
-                </a:solidFill>
-                <a:latin typeface="+mn-lt"/>
-                <a:ea typeface="+mn-ea"/>
-                <a:cs typeface="+mn-cs"/>
-              </a:defRPr>
-            </a:lvl8pPr>
-            <a:lvl9pPr marL="3886200" indent="-228600" algn="l" defTabSz="914400" rtl="0" eaLnBrk="1" latinLnBrk="0" hangingPunct="1">
-              <a:lnSpc>
-                <a:spcPct val="90000"/>
-              </a:lnSpc>
-              <a:spcBef>
-                <a:spcPts val="500"/>
-              </a:spcBef>
-              <a:buFont typeface="Arial" panose="020B0604020202020204" pitchFamily="34" charset="0"/>
-              <a:buChar char="•"/>
-              <a:defRPr sz="1800" kern="1200">
-                <a:solidFill>
-                  <a:schemeClr val="tx1"/>
-                </a:solidFill>
-                <a:latin typeface="+mn-lt"/>
-                <a:ea typeface="+mn-ea"/>
-                <a:cs typeface="+mn-cs"/>
-              </a:defRPr>
-            </a:lvl9pPr>
-          </a:lstStyle>
-          <a:p>
-            <a:pPr marL="0" indent="0">
-              <a:buNone/>
-            </a:pPr>
-            <a:r>
-              <a:rPr lang="de-DE" sz="2000" dirty="0" smtClean="0"/>
-              <a:t>OXTR</a:t>
-            </a:r>
-            <a:r>
-              <a:rPr lang="el-GR" sz="2000" baseline="30000" dirty="0" smtClean="0"/>
-              <a:t>Δ</a:t>
-            </a:r>
-            <a:r>
-              <a:rPr lang="de-DE" sz="2000" baseline="30000" dirty="0" smtClean="0"/>
-              <a:t>AON</a:t>
-            </a:r>
-            <a:r>
-              <a:rPr lang="de-DE" sz="2000" dirty="0" smtClean="0"/>
-              <a:t> </a:t>
-            </a:r>
-            <a:r>
-              <a:rPr lang="de-DE" sz="2000" dirty="0" err="1" smtClean="0"/>
-              <a:t>are</a:t>
-            </a:r>
-            <a:r>
-              <a:rPr lang="de-DE" sz="2000" dirty="0" smtClean="0"/>
-              <a:t> </a:t>
-            </a:r>
-            <a:r>
-              <a:rPr lang="de-DE" sz="2000" dirty="0" err="1" smtClean="0"/>
-              <a:t>excluded</a:t>
-            </a:r>
-            <a:r>
-              <a:rPr lang="de-DE" sz="2000" dirty="0" smtClean="0"/>
-              <a:t> </a:t>
-            </a:r>
-            <a:r>
-              <a:rPr lang="de-DE" sz="2000" dirty="0" err="1" smtClean="0"/>
-              <a:t>from</a:t>
-            </a:r>
-            <a:r>
-              <a:rPr lang="de-DE" sz="2000" dirty="0" smtClean="0"/>
-              <a:t> </a:t>
-            </a:r>
-            <a:r>
-              <a:rPr lang="de-DE" sz="2000" dirty="0" err="1" smtClean="0"/>
-              <a:t>the</a:t>
-            </a:r>
-            <a:r>
-              <a:rPr lang="de-DE" sz="2000" dirty="0" smtClean="0"/>
-              <a:t> </a:t>
-            </a:r>
-            <a:r>
-              <a:rPr lang="de-DE" sz="2000" dirty="0" err="1" smtClean="0"/>
-              <a:t>rich</a:t>
-            </a:r>
-            <a:r>
-              <a:rPr lang="de-DE" sz="2000" dirty="0" smtClean="0"/>
-              <a:t> </a:t>
-            </a:r>
-            <a:r>
-              <a:rPr lang="de-DE" sz="2000" dirty="0" err="1" smtClean="0"/>
-              <a:t>club</a:t>
-            </a:r>
-            <a:endParaRPr lang="de-DE" sz="2000" dirty="0" smtClean="0"/>
-          </a:p>
-        </p:txBody>
-      </p:sp>
-      <p:pic>
-        <p:nvPicPr>
-          <p:cNvPr id="3" name="Grafik 2"/>
-          <p:cNvPicPr>
-            <a:picLocks noChangeAspect="1"/>
-          </p:cNvPicPr>
-          <p:nvPr/>
-        </p:nvPicPr>
-        <p:blipFill>
-          <a:blip r:embed="rId3">
-            <a:extLst>
-              <a:ext uri="{28A0092B-C50C-407E-A947-70E740481C1C}">
-                <a14:useLocalDpi xmlns:a14="http://schemas.microsoft.com/office/drawing/2010/main" val="0"/>
-              </a:ext>
-            </a:extLst>
-          </a:blip>
-          <a:stretch>
-            <a:fillRect/>
-          </a:stretch>
-        </p:blipFill>
-        <p:spPr>
-          <a:xfrm>
-            <a:off x="5498993" y="3321326"/>
-            <a:ext cx="3633645" cy="3240000"/>
-          </a:xfrm>
-          <a:prstGeom prst="rect">
-            <a:avLst/>
-          </a:prstGeom>
-        </p:spPr>
-      </p:pic>
-      <p:pic>
-        <p:nvPicPr>
-          <p:cNvPr id="5" name="Grafik 4"/>
-          <p:cNvPicPr>
-            <a:picLocks noChangeAspect="1"/>
-          </p:cNvPicPr>
-          <p:nvPr/>
-        </p:nvPicPr>
-        <p:blipFill>
-          <a:blip r:embed="rId4">
-            <a:extLst>
-              <a:ext uri="{28A0092B-C50C-407E-A947-70E740481C1C}">
-                <a14:useLocalDpi xmlns:a14="http://schemas.microsoft.com/office/drawing/2010/main" val="0"/>
-              </a:ext>
-            </a:extLst>
-          </a:blip>
-          <a:stretch>
-            <a:fillRect/>
-          </a:stretch>
-        </p:blipFill>
-        <p:spPr>
-          <a:xfrm>
-            <a:off x="1178993" y="3321326"/>
-            <a:ext cx="4320000" cy="3240000"/>
-          </a:xfrm>
-          <a:prstGeom prst="rect">
-            <a:avLst/>
-          </a:prstGeom>
-        </p:spPr>
-      </p:pic>
-    </p:spTree>
-    <p:extLst>
-      <p:ext uri="{BB962C8B-B14F-4D97-AF65-F5344CB8AC3E}">
-        <p14:creationId xmlns:p14="http://schemas.microsoft.com/office/powerpoint/2010/main" val="1809771902"/>
-      </p:ext>
-    </p:extLst>
-  </p:cSld>
-  <p:clrMapOvr>
-    <a:masterClrMapping/>
-  </p:clrMapOvr>
-</p:sld>
-</file>
-
-<file path=ppt/slides/slide8.xml><?xml version="1.0" encoding="utf-8"?>
-<p:sld xmlns:a="http://schemas.openxmlformats.org/drawingml/2006/main" xmlns:r="http://schemas.openxmlformats.org/officeDocument/2006/relationships" xmlns:p="http://schemas.openxmlformats.org/presentationml/2006/main">
-  <p:cSld>
-    <p:spTree>
-      <p:nvGrpSpPr>
-        <p:cNvPr id="1" name=""/>
-        <p:cNvGrpSpPr/>
-        <p:nvPr/>
-      </p:nvGrpSpPr>
-      <p:grpSpPr>
-        <a:xfrm>
-          <a:off x="0" y="0"/>
-          <a:ext cx="0" cy="0"/>
-          <a:chOff x="0" y="0"/>
-          <a:chExt cx="0" cy="0"/>
-        </a:xfrm>
-      </p:grpSpPr>
-      <p:sp>
-        <p:nvSpPr>
-          <p:cNvPr id="2" name="Title 1"/>
-          <p:cNvSpPr>
-            <a:spLocks noGrp="1"/>
-          </p:cNvSpPr>
-          <p:nvPr>
-            <p:ph type="title"/>
-          </p:nvPr>
-        </p:nvSpPr>
-        <p:spPr/>
-        <p:txBody>
-          <a:bodyPr/>
-          <a:lstStyle/>
-          <a:p>
-            <a:endParaRPr lang="de-DE"/>
-          </a:p>
-        </p:txBody>
-      </p:sp>
-      <p:pic>
-        <p:nvPicPr>
-          <p:cNvPr id="4" name="Content Placeholder 3"/>
-          <p:cNvPicPr>
-            <a:picLocks noGrp="1" noChangeAspect="1"/>
-          </p:cNvPicPr>
-          <p:nvPr>
-            <p:ph idx="1"/>
-          </p:nvPr>
-        </p:nvPicPr>
-        <p:blipFill>
-          <a:blip r:embed="rId2">
-            <a:extLst>
-              <a:ext uri="{28A0092B-C50C-407E-A947-70E740481C1C}">
-                <a14:useLocalDpi xmlns:a14="http://schemas.microsoft.com/office/drawing/2010/main" val="0"/>
-              </a:ext>
-            </a:extLst>
-          </a:blip>
-          <a:stretch>
-            <a:fillRect/>
-          </a:stretch>
-        </p:blipFill>
-        <p:spPr>
-          <a:xfrm>
-            <a:off x="6292816" y="2233101"/>
-            <a:ext cx="4644663" cy="3798641"/>
-          </a:xfrm>
-        </p:spPr>
-      </p:pic>
-      <p:pic>
-        <p:nvPicPr>
-          <p:cNvPr id="5" name="Picture 4"/>
-          <p:cNvPicPr>
-            <a:picLocks noChangeAspect="1"/>
-          </p:cNvPicPr>
-          <p:nvPr/>
-        </p:nvPicPr>
-        <p:blipFill>
-          <a:blip r:embed="rId3" cstate="print">
-            <a:extLst>
-              <a:ext uri="{28A0092B-C50C-407E-A947-70E740481C1C}">
-                <a14:useLocalDpi xmlns:a14="http://schemas.microsoft.com/office/drawing/2010/main" val="0"/>
-              </a:ext>
-            </a:extLst>
-          </a:blip>
-          <a:stretch>
-            <a:fillRect/>
-          </a:stretch>
-        </p:blipFill>
-        <p:spPr>
-          <a:xfrm>
-            <a:off x="1285201" y="2053318"/>
-            <a:ext cx="5007615" cy="4068687"/>
-          </a:xfrm>
-          <a:prstGeom prst="rect">
-            <a:avLst/>
-          </a:prstGeom>
-        </p:spPr>
-      </p:pic>
-    </p:spTree>
-    <p:extLst>
-      <p:ext uri="{BB962C8B-B14F-4D97-AF65-F5344CB8AC3E}">
-        <p14:creationId xmlns:p14="http://schemas.microsoft.com/office/powerpoint/2010/main" val="2880577680"/>
       </p:ext>
     </p:extLst>
   </p:cSld>
